--- a/ZiRA Tooling 2023.pptx
+++ b/ZiRA Tooling 2023.pptx
@@ -60,7 +60,7 @@
         <p:spPr>
           <a:xfrm>
             <a:off x="838080" y="365040"/>
-            <a:ext cx="10515240" cy="1325160"/>
+            <a:ext cx="10514880" cy="1324800"/>
           </a:xfrm>
           <a:prstGeom prst="rect">
             <a:avLst/>
@@ -75,14 +75,14 @@
             <a:noAutofit/>
           </a:bodyPr>
           <a:p>
-            <a:pPr indent="0">
+            <a:pPr indent="0" algn="ctr">
               <a:buNone/>
             </a:pPr>
-            <a:endParaRPr b="0" lang="en-US" sz="1800" spc="-1" strike="noStrike">
-              <a:solidFill>
-                <a:schemeClr val="dk1"/>
-              </a:solidFill>
-              <a:latin typeface="Calibri"/>
+            <a:endParaRPr b="0" lang="en-US" sz="4400" spc="-1" strike="noStrike">
+              <a:solidFill>
+                <a:srgbClr val="000000"/>
+              </a:solidFill>
+              <a:latin typeface="Arial"/>
             </a:endParaRPr>
           </a:p>
         </p:txBody>
@@ -134,7 +134,7 @@
             <a:spLocks noGrp="1"/>
           </p:cNvSpPr>
           <p:nvPr>
-            <p:ph type="ftr" idx="2"/>
+            <p:ph type="ftr" idx="1"/>
           </p:nvPr>
         </p:nvSpPr>
         <p:spPr/>
@@ -154,14 +154,14 @@
             <a:spLocks noGrp="1"/>
           </p:cNvSpPr>
           <p:nvPr>
-            <p:ph type="sldNum" idx="3"/>
+            <p:ph type="sldNum" idx="2"/>
           </p:nvPr>
         </p:nvSpPr>
         <p:spPr/>
         <p:txBody>
           <a:bodyPr/>
           <a:p>
-            <a:fld id="{589C989D-19B0-4E25-9FA8-05EF559DEFCE}" type="slidenum">
+            <a:fld id="{1902B9C8-30CB-4D9E-BE05-C6F014465B13}" type="slidenum">
               <a:t>&lt;#&gt;</a:t>
             </a:fld>
           </a:p>
@@ -174,7 +174,7 @@
             <a:spLocks noGrp="1"/>
           </p:cNvSpPr>
           <p:nvPr>
-            <p:ph type="dt" idx="1"/>
+            <p:ph type="dt" idx="3"/>
           </p:nvPr>
         </p:nvSpPr>
         <p:spPr/>
@@ -217,7 +217,7 @@
             <a:spLocks noGrp="1"/>
           </p:cNvSpPr>
           <p:nvPr>
-            <p:ph type="ftr" idx="29"/>
+            <p:ph type="ftr" idx="28"/>
           </p:nvPr>
         </p:nvSpPr>
         <p:spPr/>
@@ -237,14 +237,14 @@
             <a:spLocks noGrp="1"/>
           </p:cNvSpPr>
           <p:nvPr>
-            <p:ph type="sldNum" idx="30"/>
+            <p:ph type="sldNum" idx="29"/>
           </p:nvPr>
         </p:nvSpPr>
         <p:spPr/>
         <p:txBody>
           <a:bodyPr/>
           <a:p>
-            <a:fld id="{43286CC3-4CF5-46B2-AD6A-2B4E5A8448BA}" type="slidenum">
+            <a:fld id="{51DA277E-8715-4CC0-BCC4-92E4392167DB}" type="slidenum">
               <a:t>&lt;#&gt;</a:t>
             </a:fld>
           </a:p>
@@ -257,7 +257,7 @@
             <a:spLocks noGrp="1"/>
           </p:cNvSpPr>
           <p:nvPr>
-            <p:ph type="dt" idx="28"/>
+            <p:ph type="dt" idx="30"/>
           </p:nvPr>
         </p:nvSpPr>
         <p:spPr/>
@@ -300,7 +300,7 @@
             <a:spLocks noGrp="1"/>
           </p:cNvSpPr>
           <p:nvPr>
-            <p:ph type="ftr" idx="32"/>
+            <p:ph type="ftr" idx="31"/>
           </p:nvPr>
         </p:nvSpPr>
         <p:spPr/>
@@ -320,14 +320,14 @@
             <a:spLocks noGrp="1"/>
           </p:cNvSpPr>
           <p:nvPr>
-            <p:ph type="sldNum" idx="33"/>
+            <p:ph type="sldNum" idx="32"/>
           </p:nvPr>
         </p:nvSpPr>
         <p:spPr/>
         <p:txBody>
           <a:bodyPr/>
           <a:p>
-            <a:fld id="{03170A84-E547-47E7-AFA8-E2ECF67EEA18}" type="slidenum">
+            <a:fld id="{3A13C82B-74E5-43EA-88F3-0BB5F6AEFEFC}" type="slidenum">
               <a:t>&lt;#&gt;</a:t>
             </a:fld>
           </a:p>
@@ -340,7 +340,7 @@
             <a:spLocks noGrp="1"/>
           </p:cNvSpPr>
           <p:nvPr>
-            <p:ph type="dt" idx="31"/>
+            <p:ph type="dt" idx="33"/>
           </p:nvPr>
         </p:nvSpPr>
         <p:spPr/>
@@ -383,7 +383,7 @@
             <a:spLocks noGrp="1"/>
           </p:cNvSpPr>
           <p:nvPr>
-            <p:ph type="ftr" idx="5"/>
+            <p:ph type="ftr" idx="4"/>
           </p:nvPr>
         </p:nvSpPr>
         <p:spPr/>
@@ -403,14 +403,14 @@
             <a:spLocks noGrp="1"/>
           </p:cNvSpPr>
           <p:nvPr>
-            <p:ph type="sldNum" idx="6"/>
+            <p:ph type="sldNum" idx="5"/>
           </p:nvPr>
         </p:nvSpPr>
         <p:spPr/>
         <p:txBody>
           <a:bodyPr/>
           <a:p>
-            <a:fld id="{9AB17BC4-3DB1-40DB-BBB9-D158B149FA7B}" type="slidenum">
+            <a:fld id="{568F8E67-AC7B-4067-8449-3830B7B097ED}" type="slidenum">
               <a:t>&lt;#&gt;</a:t>
             </a:fld>
           </a:p>
@@ -423,7 +423,7 @@
             <a:spLocks noGrp="1"/>
           </p:cNvSpPr>
           <p:nvPr>
-            <p:ph type="dt" idx="4"/>
+            <p:ph type="dt" idx="6"/>
           </p:nvPr>
         </p:nvSpPr>
         <p:spPr/>
@@ -466,7 +466,7 @@
             <a:spLocks noGrp="1"/>
           </p:cNvSpPr>
           <p:nvPr>
-            <p:ph type="ftr" idx="8"/>
+            <p:ph type="ftr" idx="7"/>
           </p:nvPr>
         </p:nvSpPr>
         <p:spPr/>
@@ -486,14 +486,14 @@
             <a:spLocks noGrp="1"/>
           </p:cNvSpPr>
           <p:nvPr>
-            <p:ph type="sldNum" idx="9"/>
+            <p:ph type="sldNum" idx="8"/>
           </p:nvPr>
         </p:nvSpPr>
         <p:spPr/>
         <p:txBody>
           <a:bodyPr/>
           <a:p>
-            <a:fld id="{5B7BF646-0303-40A9-82F6-BC7FE50D710A}" type="slidenum">
+            <a:fld id="{7409D264-BD07-4F39-A182-885572561C3D}" type="slidenum">
               <a:t>&lt;#&gt;</a:t>
             </a:fld>
           </a:p>
@@ -506,7 +506,7 @@
             <a:spLocks noGrp="1"/>
           </p:cNvSpPr>
           <p:nvPr>
-            <p:ph type="dt" idx="7"/>
+            <p:ph type="dt" idx="9"/>
           </p:nvPr>
         </p:nvSpPr>
         <p:spPr/>
@@ -544,7 +544,7 @@
       </p:grpSpPr>
       <p:sp>
         <p:nvSpPr>
-          <p:cNvPr id="22" name="PlaceHolder 1"/>
+          <p:cNvPr id="18" name="PlaceHolder 1"/>
           <p:cNvSpPr>
             <a:spLocks noGrp="1"/>
           </p:cNvSpPr>
@@ -555,7 +555,7 @@
         <p:spPr>
           <a:xfrm>
             <a:off x="838080" y="365040"/>
-            <a:ext cx="10515240" cy="1325160"/>
+            <a:ext cx="10514880" cy="1324800"/>
           </a:xfrm>
           <a:prstGeom prst="rect">
             <a:avLst/>
@@ -570,21 +570,21 @@
             <a:noAutofit/>
           </a:bodyPr>
           <a:p>
-            <a:pPr indent="0">
+            <a:pPr indent="0" algn="ctr">
               <a:buNone/>
             </a:pPr>
-            <a:endParaRPr b="0" lang="en-US" sz="1800" spc="-1" strike="noStrike">
-              <a:solidFill>
-                <a:schemeClr val="dk1"/>
-              </a:solidFill>
-              <a:latin typeface="Calibri"/>
+            <a:endParaRPr b="0" lang="en-US" sz="4400" spc="-1" strike="noStrike">
+              <a:solidFill>
+                <a:srgbClr val="000000"/>
+              </a:solidFill>
+              <a:latin typeface="Arial"/>
             </a:endParaRPr>
           </a:p>
         </p:txBody>
       </p:sp>
       <p:sp>
         <p:nvSpPr>
-          <p:cNvPr id="23" name="PlaceHolder 2"/>
+          <p:cNvPr id="19" name="PlaceHolder 2"/>
           <p:cNvSpPr>
             <a:spLocks noGrp="1"/>
           </p:cNvSpPr>
@@ -611,19 +611,16 @@
           </a:bodyPr>
           <a:p>
             <a:pPr indent="0">
-              <a:lnSpc>
-                <a:spcPct val="90000"/>
-              </a:lnSpc>
               <a:spcBef>
                 <a:spcPts val="1417"/>
               </a:spcBef>
               <a:buNone/>
             </a:pPr>
-            <a:endParaRPr b="0" lang="en-US" sz="2800" spc="-1" strike="noStrike">
-              <a:solidFill>
-                <a:schemeClr val="dk1"/>
-              </a:solidFill>
-              <a:latin typeface="Calibri"/>
+            <a:endParaRPr b="0" lang="en-US" sz="3200" spc="-1" strike="noStrike">
+              <a:solidFill>
+                <a:srgbClr val="000000"/>
+              </a:solidFill>
+              <a:latin typeface="Arial"/>
             </a:endParaRPr>
           </a:p>
         </p:txBody>
@@ -635,7 +632,7 @@
             <a:spLocks noGrp="1"/>
           </p:cNvSpPr>
           <p:nvPr>
-            <p:ph type="ftr" idx="11"/>
+            <p:ph type="ftr" idx="10"/>
           </p:nvPr>
         </p:nvSpPr>
         <p:spPr/>
@@ -655,14 +652,14 @@
             <a:spLocks noGrp="1"/>
           </p:cNvSpPr>
           <p:nvPr>
-            <p:ph type="sldNum" idx="12"/>
+            <p:ph type="sldNum" idx="11"/>
           </p:nvPr>
         </p:nvSpPr>
         <p:spPr/>
         <p:txBody>
           <a:bodyPr/>
           <a:p>
-            <a:fld id="{DAD07B45-5967-4A1C-AAFF-EA74CA638FE1}" type="slidenum">
+            <a:fld id="{A5BAE492-D3BC-4647-B179-1B0820771B0B}" type="slidenum">
               <a:t>&lt;#&gt;</a:t>
             </a:fld>
           </a:p>
@@ -675,7 +672,7 @@
             <a:spLocks noGrp="1"/>
           </p:cNvSpPr>
           <p:nvPr>
-            <p:ph type="dt" idx="10"/>
+            <p:ph type="dt" idx="12"/>
           </p:nvPr>
         </p:nvSpPr>
         <p:spPr/>
@@ -718,7 +715,7 @@
             <a:spLocks noGrp="1"/>
           </p:cNvSpPr>
           <p:nvPr>
-            <p:ph type="ftr" idx="14"/>
+            <p:ph type="ftr" idx="13"/>
           </p:nvPr>
         </p:nvSpPr>
         <p:spPr/>
@@ -738,14 +735,14 @@
             <a:spLocks noGrp="1"/>
           </p:cNvSpPr>
           <p:nvPr>
-            <p:ph type="sldNum" idx="15"/>
+            <p:ph type="sldNum" idx="14"/>
           </p:nvPr>
         </p:nvSpPr>
         <p:spPr/>
         <p:txBody>
           <a:bodyPr/>
           <a:p>
-            <a:fld id="{06271C2E-C5A9-4198-AFCE-8FE033DD3FB3}" type="slidenum">
+            <a:fld id="{56A000F1-DF93-47EE-9EB8-9E47710C42E9}" type="slidenum">
               <a:t>&lt;#&gt;</a:t>
             </a:fld>
           </a:p>
@@ -758,7 +755,7 @@
             <a:spLocks noGrp="1"/>
           </p:cNvSpPr>
           <p:nvPr>
-            <p:ph type="dt" idx="13"/>
+            <p:ph type="dt" idx="15"/>
           </p:nvPr>
         </p:nvSpPr>
         <p:spPr/>
@@ -796,7 +793,7 @@
       </p:grpSpPr>
       <p:sp>
         <p:nvSpPr>
-          <p:cNvPr id="35" name="PlaceHolder 1"/>
+          <p:cNvPr id="29" name="PlaceHolder 1"/>
           <p:cNvSpPr>
             <a:spLocks noGrp="1"/>
           </p:cNvSpPr>
@@ -807,7 +804,7 @@
         <p:spPr>
           <a:xfrm>
             <a:off x="838080" y="365040"/>
-            <a:ext cx="10515240" cy="1325160"/>
+            <a:ext cx="10514880" cy="1324800"/>
           </a:xfrm>
           <a:prstGeom prst="rect">
             <a:avLst/>
@@ -822,21 +819,21 @@
             <a:noAutofit/>
           </a:bodyPr>
           <a:p>
-            <a:pPr indent="0">
+            <a:pPr indent="0" algn="ctr">
               <a:buNone/>
             </a:pPr>
-            <a:endParaRPr b="0" lang="en-US" sz="1800" spc="-1" strike="noStrike">
-              <a:solidFill>
-                <a:schemeClr val="dk1"/>
-              </a:solidFill>
-              <a:latin typeface="Calibri"/>
+            <a:endParaRPr b="0" lang="en-US" sz="4400" spc="-1" strike="noStrike">
+              <a:solidFill>
+                <a:srgbClr val="000000"/>
+              </a:solidFill>
+              <a:latin typeface="Arial"/>
             </a:endParaRPr>
           </a:p>
         </p:txBody>
       </p:sp>
       <p:sp>
         <p:nvSpPr>
-          <p:cNvPr id="36" name="PlaceHolder 2"/>
+          <p:cNvPr id="30" name="PlaceHolder 2"/>
           <p:cNvSpPr>
             <a:spLocks noGrp="1"/>
           </p:cNvSpPr>
@@ -863,26 +860,23 @@
           </a:bodyPr>
           <a:p>
             <a:pPr indent="0">
-              <a:lnSpc>
-                <a:spcPct val="90000"/>
-              </a:lnSpc>
               <a:spcBef>
                 <a:spcPts val="1417"/>
               </a:spcBef>
               <a:buNone/>
             </a:pPr>
-            <a:endParaRPr b="0" lang="en-US" sz="2800" spc="-1" strike="noStrike">
-              <a:solidFill>
-                <a:schemeClr val="dk1"/>
-              </a:solidFill>
-              <a:latin typeface="Calibri"/>
+            <a:endParaRPr b="0" lang="en-US" sz="3200" spc="-1" strike="noStrike">
+              <a:solidFill>
+                <a:srgbClr val="000000"/>
+              </a:solidFill>
+              <a:latin typeface="Arial"/>
             </a:endParaRPr>
           </a:p>
         </p:txBody>
       </p:sp>
       <p:sp>
         <p:nvSpPr>
-          <p:cNvPr id="37" name="PlaceHolder 3"/>
+          <p:cNvPr id="31" name="PlaceHolder 3"/>
           <p:cNvSpPr>
             <a:spLocks noGrp="1"/>
           </p:cNvSpPr>
@@ -909,19 +903,16 @@
           </a:bodyPr>
           <a:p>
             <a:pPr indent="0">
-              <a:lnSpc>
-                <a:spcPct val="90000"/>
-              </a:lnSpc>
               <a:spcBef>
                 <a:spcPts val="1417"/>
               </a:spcBef>
               <a:buNone/>
             </a:pPr>
-            <a:endParaRPr b="0" lang="en-US" sz="2800" spc="-1" strike="noStrike">
-              <a:solidFill>
-                <a:schemeClr val="dk1"/>
-              </a:solidFill>
-              <a:latin typeface="Calibri"/>
+            <a:endParaRPr b="0" lang="en-US" sz="3200" spc="-1" strike="noStrike">
+              <a:solidFill>
+                <a:srgbClr val="000000"/>
+              </a:solidFill>
+              <a:latin typeface="Arial"/>
             </a:endParaRPr>
           </a:p>
         </p:txBody>
@@ -933,7 +924,7 @@
             <a:spLocks noGrp="1"/>
           </p:cNvSpPr>
           <p:nvPr>
-            <p:ph type="ftr" idx="17"/>
+            <p:ph type="ftr" idx="16"/>
           </p:nvPr>
         </p:nvSpPr>
         <p:spPr/>
@@ -953,14 +944,14 @@
             <a:spLocks noGrp="1"/>
           </p:cNvSpPr>
           <p:nvPr>
-            <p:ph type="sldNum" idx="18"/>
+            <p:ph type="sldNum" idx="17"/>
           </p:nvPr>
         </p:nvSpPr>
         <p:spPr/>
         <p:txBody>
           <a:bodyPr/>
           <a:p>
-            <a:fld id="{4F9F4F2B-0BF0-461E-846F-3F54F039FCCB}" type="slidenum">
+            <a:fld id="{2A3D0C7B-06F3-4DC6-A59B-8081D85C9CD8}" type="slidenum">
               <a:t>&lt;#&gt;</a:t>
             </a:fld>
           </a:p>
@@ -973,7 +964,7 @@
             <a:spLocks noGrp="1"/>
           </p:cNvSpPr>
           <p:nvPr>
-            <p:ph type="dt" idx="16"/>
+            <p:ph type="dt" idx="18"/>
           </p:nvPr>
         </p:nvSpPr>
         <p:spPr/>
@@ -1016,7 +1007,7 @@
             <a:spLocks noGrp="1"/>
           </p:cNvSpPr>
           <p:nvPr>
-            <p:ph type="ftr" idx="20"/>
+            <p:ph type="ftr" idx="19"/>
           </p:nvPr>
         </p:nvSpPr>
         <p:spPr/>
@@ -1036,14 +1027,14 @@
             <a:spLocks noGrp="1"/>
           </p:cNvSpPr>
           <p:nvPr>
-            <p:ph type="sldNum" idx="21"/>
+            <p:ph type="sldNum" idx="20"/>
           </p:nvPr>
         </p:nvSpPr>
         <p:spPr/>
         <p:txBody>
           <a:bodyPr/>
           <a:p>
-            <a:fld id="{146EFF66-7BED-4A70-B3F2-664CE9FEBD40}" type="slidenum">
+            <a:fld id="{34400E27-854C-4243-80D1-644AF0879365}" type="slidenum">
               <a:t>&lt;#&gt;</a:t>
             </a:fld>
           </a:p>
@@ -1056,7 +1047,7 @@
             <a:spLocks noGrp="1"/>
           </p:cNvSpPr>
           <p:nvPr>
-            <p:ph type="dt" idx="19"/>
+            <p:ph type="dt" idx="21"/>
           </p:nvPr>
         </p:nvSpPr>
         <p:spPr/>
@@ -1094,7 +1085,7 @@
       </p:grpSpPr>
       <p:sp>
         <p:nvSpPr>
-          <p:cNvPr id="51" name="PlaceHolder 1"/>
+          <p:cNvPr id="40" name="PlaceHolder 1"/>
           <p:cNvSpPr>
             <a:spLocks noGrp="1"/>
           </p:cNvSpPr>
@@ -1105,7 +1096,7 @@
         <p:spPr>
           <a:xfrm>
             <a:off x="838080" y="365040"/>
-            <a:ext cx="10515240" cy="1325160"/>
+            <a:ext cx="10514880" cy="1324800"/>
           </a:xfrm>
           <a:prstGeom prst="rect">
             <a:avLst/>
@@ -1120,14 +1111,14 @@
             <a:noAutofit/>
           </a:bodyPr>
           <a:p>
-            <a:pPr indent="0">
+            <a:pPr indent="0" algn="ctr">
               <a:buNone/>
             </a:pPr>
-            <a:endParaRPr b="0" lang="en-US" sz="1800" spc="-1" strike="noStrike">
-              <a:solidFill>
-                <a:schemeClr val="dk1"/>
-              </a:solidFill>
-              <a:latin typeface="Calibri"/>
+            <a:endParaRPr b="0" lang="en-US" sz="4400" spc="-1" strike="noStrike">
+              <a:solidFill>
+                <a:srgbClr val="000000"/>
+              </a:solidFill>
+              <a:latin typeface="Arial"/>
             </a:endParaRPr>
           </a:p>
         </p:txBody>
@@ -1139,7 +1130,7 @@
             <a:spLocks noGrp="1"/>
           </p:cNvSpPr>
           <p:nvPr>
-            <p:ph type="ftr" idx="23"/>
+            <p:ph type="ftr" idx="22"/>
           </p:nvPr>
         </p:nvSpPr>
         <p:spPr/>
@@ -1159,14 +1150,14 @@
             <a:spLocks noGrp="1"/>
           </p:cNvSpPr>
           <p:nvPr>
-            <p:ph type="sldNum" idx="24"/>
+            <p:ph type="sldNum" idx="23"/>
           </p:nvPr>
         </p:nvSpPr>
         <p:spPr/>
         <p:txBody>
           <a:bodyPr/>
           <a:p>
-            <a:fld id="{62EBC7A4-AD03-46FB-8BDA-3688E4A3F062}" type="slidenum">
+            <a:fld id="{5F7A9596-899A-486B-AAB5-F9C78E423313}" type="slidenum">
               <a:t>&lt;#&gt;</a:t>
             </a:fld>
           </a:p>
@@ -1179,7 +1170,7 @@
             <a:spLocks noGrp="1"/>
           </p:cNvSpPr>
           <p:nvPr>
-            <p:ph type="dt" idx="22"/>
+            <p:ph type="dt" idx="24"/>
           </p:nvPr>
         </p:nvSpPr>
         <p:spPr/>
@@ -1222,7 +1213,7 @@
             <a:spLocks noGrp="1"/>
           </p:cNvSpPr>
           <p:nvPr>
-            <p:ph type="ftr" idx="26"/>
+            <p:ph type="ftr" idx="25"/>
           </p:nvPr>
         </p:nvSpPr>
         <p:spPr/>
@@ -1242,14 +1233,14 @@
             <a:spLocks noGrp="1"/>
           </p:cNvSpPr>
           <p:nvPr>
-            <p:ph type="sldNum" idx="27"/>
+            <p:ph type="sldNum" idx="26"/>
           </p:nvPr>
         </p:nvSpPr>
         <p:spPr/>
         <p:txBody>
           <a:bodyPr/>
           <a:p>
-            <a:fld id="{010DE745-9F13-4A87-A9DF-E4BBE61AD670}" type="slidenum">
+            <a:fld id="{95721373-4F16-4807-ADD8-44D2307B83CE}" type="slidenum">
               <a:t>&lt;#&gt;</a:t>
             </a:fld>
           </a:p>
@@ -1262,7 +1253,7 @@
             <a:spLocks noGrp="1"/>
           </p:cNvSpPr>
           <p:nvPr>
-            <p:ph type="dt" idx="25"/>
+            <p:ph type="dt" idx="27"/>
           </p:nvPr>
         </p:nvSpPr>
         <p:spPr/>
@@ -1317,8 +1308,8 @@
         </p:nvSpPr>
         <p:spPr>
           <a:xfrm>
-            <a:off x="1523880" y="1122480"/>
-            <a:ext cx="9143640" cy="2387160"/>
+            <a:off x="838080" y="365040"/>
+            <a:ext cx="10514880" cy="1324800"/>
           </a:xfrm>
           <a:prstGeom prst="rect">
             <a:avLst/>
@@ -1329,30 +1320,27 @@
           </a:ln>
         </p:spPr>
         <p:txBody>
-          <a:bodyPr lIns="91440" rIns="91440" tIns="45720" bIns="45720" anchor="b">
+          <a:bodyPr lIns="0" rIns="0" tIns="0" bIns="0" anchor="ctr">
             <a:noAutofit/>
           </a:bodyPr>
           <a:p>
-            <a:pPr indent="0" algn="ctr" defTabSz="914400">
-              <a:lnSpc>
-                <a:spcPct val="90000"/>
-              </a:lnSpc>
+            <a:pPr indent="0">
               <a:buNone/>
             </a:pPr>
             <a:r>
-              <a:rPr b="0" lang="en-US" sz="6000" spc="-1" strike="noStrike">
-                <a:solidFill>
-                  <a:schemeClr val="dk1"/>
-                </a:solidFill>
-                <a:latin typeface="Calibri Light"/>
-              </a:rPr>
-              <a:t>Click to edit Master title style</a:t>
-            </a:r>
-            <a:endParaRPr b="0" lang="en-US" sz="6000" spc="-1" strike="noStrike">
-              <a:solidFill>
-                <a:schemeClr val="dk1"/>
-              </a:solidFill>
-              <a:latin typeface="Calibri"/>
+              <a:rPr b="0" lang="en-US" sz="1800" spc="-1" strike="noStrike">
+                <a:solidFill>
+                  <a:srgbClr val="000000"/>
+                </a:solidFill>
+                <a:latin typeface="Arial"/>
+              </a:rPr>
+              <a:t>Click to edit the title text format</a:t>
+            </a:r>
+            <a:endParaRPr b="0" lang="en-US" sz="1800" spc="-1" strike="noStrike">
+              <a:solidFill>
+                <a:srgbClr val="000000"/>
+              </a:solidFill>
+              <a:latin typeface="Arial"/>
             </a:endParaRPr>
           </a:p>
         </p:txBody>
@@ -1364,83 +1352,13 @@
             <a:spLocks noGrp="1"/>
           </p:cNvSpPr>
           <p:nvPr>
-            <p:ph type="dt" idx="1"/>
-          </p:nvPr>
-        </p:nvSpPr>
-        <p:spPr>
-          <a:xfrm>
-            <a:off x="838080" y="6356520"/>
-            <a:ext cx="2742840" cy="364680"/>
-          </a:xfrm>
-          <a:prstGeom prst="rect">
-            <a:avLst/>
-          </a:prstGeom>
-          <a:noFill/>
-          <a:ln w="0">
-            <a:noFill/>
-          </a:ln>
-        </p:spPr>
-        <p:txBody>
-          <a:bodyPr lIns="91440" rIns="91440" tIns="45720" bIns="45720" anchor="ctr">
-            <a:noAutofit/>
-          </a:bodyPr>
-          <a:lstStyle>
-            <a:lvl1pPr indent="0" defTabSz="914400">
-              <a:lnSpc>
-                <a:spcPct val="100000"/>
-              </a:lnSpc>
-              <a:buNone/>
-              <a:defRPr b="0" lang="en-US" sz="1200" spc="-1" strike="noStrike">
-                <a:solidFill>
-                  <a:schemeClr val="dk1">
-                    <a:tint val="75000"/>
-                  </a:schemeClr>
-                </a:solidFill>
-                <a:latin typeface="Calibri"/>
-              </a:defRPr>
-            </a:lvl1pPr>
-          </a:lstStyle>
-          <a:p>
-            <a:pPr indent="0" defTabSz="914400">
-              <a:lnSpc>
-                <a:spcPct val="100000"/>
-              </a:lnSpc>
-              <a:buNone/>
-            </a:pPr>
-            <a:r>
-              <a:rPr b="0" lang="en-US" sz="1200" spc="-1" strike="noStrike">
-                <a:solidFill>
-                  <a:schemeClr val="dk1">
-                    <a:tint val="75000"/>
-                  </a:schemeClr>
-                </a:solidFill>
-                <a:latin typeface="Calibri"/>
-              </a:rPr>
-              <a:t> </a:t>
-            </a:r>
-            <a:endParaRPr b="0" lang="en-US" sz="1200" spc="-1" strike="noStrike">
-              <a:solidFill>
-                <a:srgbClr val="000000"/>
-              </a:solidFill>
-              <a:latin typeface="Times New Roman"/>
-            </a:endParaRPr>
-          </a:p>
-        </p:txBody>
-      </p:sp>
-      <p:sp>
-        <p:nvSpPr>
-          <p:cNvPr id="2" name="PlaceHolder 3"/>
-          <p:cNvSpPr>
-            <a:spLocks noGrp="1"/>
-          </p:cNvSpPr>
-          <p:nvPr>
-            <p:ph type="ftr" idx="2"/>
+            <p:ph type="ftr" idx="1"/>
           </p:nvPr>
         </p:nvSpPr>
         <p:spPr>
           <a:xfrm>
             <a:off x="4038480" y="6356520"/>
-            <a:ext cx="4114440" cy="364680"/>
+            <a:ext cx="4114080" cy="364320"/>
           </a:xfrm>
           <a:prstGeom prst="rect">
             <a:avLst/>
@@ -1456,7 +1374,13 @@
           </a:bodyPr>
           <a:lstStyle>
             <a:lvl1pPr indent="0" algn="ctr">
+              <a:lnSpc>
+                <a:spcPct val="100000"/>
+              </a:lnSpc>
               <a:buNone/>
+              <a:tabLst>
+                <a:tab algn="l" pos="0"/>
+              </a:tabLst>
               <a:defRPr b="0" lang="en-US" sz="1400" spc="-1" strike="noStrike">
                 <a:solidFill>
                   <a:srgbClr val="000000"/>
@@ -1467,7 +1391,13 @@
           </a:lstStyle>
           <a:p>
             <a:pPr indent="0" algn="ctr">
+              <a:lnSpc>
+                <a:spcPct val="100000"/>
+              </a:lnSpc>
               <a:buNone/>
+              <a:tabLst>
+                <a:tab algn="l" pos="0"/>
+              </a:tabLst>
             </a:pPr>
             <a:r>
               <a:rPr b="0" lang="en-US" sz="1400" spc="-1" strike="noStrike">
@@ -1476,7 +1406,7 @@
                 </a:solidFill>
                 <a:latin typeface="Times New Roman"/>
               </a:rPr>
-              <a:t> </a:t>
+              <a:t>&lt;footer&gt;</a:t>
             </a:r>
             <a:endParaRPr b="0" lang="en-US" sz="1400" spc="-1" strike="noStrike">
               <a:solidFill>
@@ -1489,18 +1419,18 @@
       </p:sp>
       <p:sp>
         <p:nvSpPr>
-          <p:cNvPr id="3" name="PlaceHolder 4"/>
+          <p:cNvPr id="2" name="PlaceHolder 3"/>
           <p:cNvSpPr>
             <a:spLocks noGrp="1"/>
           </p:cNvSpPr>
           <p:nvPr>
-            <p:ph type="sldNum" idx="3"/>
+            <p:ph type="sldNum" idx="2"/>
           </p:nvPr>
         </p:nvSpPr>
         <p:spPr>
           <a:xfrm>
             <a:off x="8610480" y="6356520"/>
-            <a:ext cx="2742840" cy="364680"/>
+            <a:ext cx="2742480" cy="364320"/>
           </a:xfrm>
           <a:prstGeom prst="rect">
             <a:avLst/>
@@ -1520,6 +1450,9 @@
                 <a:spcPct val="100000"/>
               </a:lnSpc>
               <a:buNone/>
+              <a:tabLst>
+                <a:tab algn="l" pos="0"/>
+              </a:tabLst>
               <a:defRPr b="0" lang="en-US" sz="1200" spc="-1" strike="noStrike">
                 <a:solidFill>
                   <a:schemeClr val="dk1">
@@ -1536,8 +1469,11 @@
                 <a:spcPct val="100000"/>
               </a:lnSpc>
               <a:buNone/>
-            </a:pPr>
-            <a:fld id="{E236ACFE-C4D4-4ADB-8198-8AE0950B664B}" type="slidenum">
+              <a:tabLst>
+                <a:tab algn="l" pos="0"/>
+              </a:tabLst>
+            </a:pPr>
+            <a:fld id="{4B979072-A348-4024-896C-0A60C0E2C0A0}" type="slidenum">
               <a:rPr b="0" lang="en-US" sz="1200" spc="-1" strike="noStrike">
                 <a:solidFill>
                   <a:schemeClr val="dk1">
@@ -1546,9 +1482,69 @@
                 </a:solidFill>
                 <a:latin typeface="Calibri"/>
               </a:rPr>
-              <a:t>8</a:t>
+              <a:t>&lt;number&gt;</a:t>
             </a:fld>
             <a:endParaRPr b="0" lang="en-US" sz="1200" spc="-1" strike="noStrike">
+              <a:solidFill>
+                <a:srgbClr val="000000"/>
+              </a:solidFill>
+              <a:latin typeface="Times New Roman"/>
+            </a:endParaRPr>
+          </a:p>
+        </p:txBody>
+      </p:sp>
+      <p:sp>
+        <p:nvSpPr>
+          <p:cNvPr id="3" name="PlaceHolder 4"/>
+          <p:cNvSpPr>
+            <a:spLocks noGrp="1"/>
+          </p:cNvSpPr>
+          <p:nvPr>
+            <p:ph type="dt" idx="3"/>
+          </p:nvPr>
+        </p:nvSpPr>
+        <p:spPr>
+          <a:xfrm>
+            <a:off x="838080" y="6356520"/>
+            <a:ext cx="2742480" cy="364320"/>
+          </a:xfrm>
+          <a:prstGeom prst="rect">
+            <a:avLst/>
+          </a:prstGeom>
+          <a:noFill/>
+          <a:ln w="0">
+            <a:noFill/>
+          </a:ln>
+        </p:spPr>
+        <p:txBody>
+          <a:bodyPr lIns="91440" rIns="91440" tIns="45720" bIns="45720" anchor="ctr">
+            <a:noAutofit/>
+          </a:bodyPr>
+          <a:lstStyle>
+            <a:lvl1pPr indent="0">
+              <a:buNone/>
+              <a:defRPr b="0" lang="en-US" sz="1400" spc="-1" strike="noStrike">
+                <a:solidFill>
+                  <a:srgbClr val="000000"/>
+                </a:solidFill>
+                <a:latin typeface="Times New Roman"/>
+              </a:defRPr>
+            </a:lvl1pPr>
+          </a:lstStyle>
+          <a:p>
+            <a:pPr indent="0">
+              <a:buNone/>
+            </a:pPr>
+            <a:r>
+              <a:rPr b="0" lang="en-US" sz="1400" spc="-1" strike="noStrike">
+                <a:solidFill>
+                  <a:srgbClr val="000000"/>
+                </a:solidFill>
+                <a:latin typeface="Times New Roman"/>
+              </a:rPr>
+              <a:t>&lt;date/time&gt;</a:t>
+            </a:r>
+            <a:endParaRPr b="0" lang="en-US" sz="1400" spc="-1" strike="noStrike">
               <a:solidFill>
                 <a:srgbClr val="000000"/>
               </a:solidFill>
@@ -1586,9 +1582,6 @@
           </a:bodyPr>
           <a:p>
             <a:pPr marL="432000" indent="-324000">
-              <a:lnSpc>
-                <a:spcPct val="90000"/>
-              </a:lnSpc>
               <a:spcBef>
                 <a:spcPts val="1417"/>
               </a:spcBef>
@@ -1600,26 +1593,23 @@
               <a:buChar char=""/>
             </a:pPr>
             <a:r>
-              <a:rPr b="0" lang="en-US" sz="2800" spc="-1" strike="noStrike">
-                <a:solidFill>
-                  <a:schemeClr val="dk1"/>
-                </a:solidFill>
-                <a:latin typeface="Calibri"/>
+              <a:rPr b="0" lang="en-US" sz="3200" spc="-1" strike="noStrike">
+                <a:solidFill>
+                  <a:srgbClr val="000000"/>
+                </a:solidFill>
+                <a:latin typeface="Arial"/>
               </a:rPr>
               <a:t>Click to edit the outline text format</a:t>
             </a:r>
-            <a:endParaRPr b="0" lang="en-US" sz="2800" spc="-1" strike="noStrike">
-              <a:solidFill>
-                <a:schemeClr val="dk1"/>
-              </a:solidFill>
-              <a:latin typeface="Calibri"/>
+            <a:endParaRPr b="0" lang="en-US" sz="3200" spc="-1" strike="noStrike">
+              <a:solidFill>
+                <a:srgbClr val="000000"/>
+              </a:solidFill>
+              <a:latin typeface="Arial"/>
             </a:endParaRPr>
           </a:p>
           <a:p>
             <a:pPr lvl="1" marL="864000" indent="-324000">
-              <a:lnSpc>
-                <a:spcPct val="90000"/>
-              </a:lnSpc>
               <a:spcBef>
                 <a:spcPts val="1134"/>
               </a:spcBef>
@@ -1631,26 +1621,23 @@
               <a:buChar char=""/>
             </a:pPr>
             <a:r>
-              <a:rPr b="0" lang="en-US" sz="2000" spc="-1" strike="noStrike">
-                <a:solidFill>
-                  <a:schemeClr val="dk1"/>
-                </a:solidFill>
-                <a:latin typeface="Calibri"/>
+              <a:rPr b="0" lang="en-US" sz="2800" spc="-1" strike="noStrike">
+                <a:solidFill>
+                  <a:srgbClr val="000000"/>
+                </a:solidFill>
+                <a:latin typeface="Arial"/>
               </a:rPr>
               <a:t>Second Outline Level</a:t>
             </a:r>
-            <a:endParaRPr b="0" lang="en-US" sz="2000" spc="-1" strike="noStrike">
-              <a:solidFill>
-                <a:schemeClr val="dk1"/>
-              </a:solidFill>
-              <a:latin typeface="Calibri"/>
+            <a:endParaRPr b="0" lang="en-US" sz="2800" spc="-1" strike="noStrike">
+              <a:solidFill>
+                <a:srgbClr val="000000"/>
+              </a:solidFill>
+              <a:latin typeface="Arial"/>
             </a:endParaRPr>
           </a:p>
           <a:p>
             <a:pPr lvl="2" marL="1296000" indent="-288000">
-              <a:lnSpc>
-                <a:spcPct val="90000"/>
-              </a:lnSpc>
               <a:spcBef>
                 <a:spcPts val="850"/>
               </a:spcBef>
@@ -1662,26 +1649,23 @@
               <a:buChar char=""/>
             </a:pPr>
             <a:r>
-              <a:rPr b="0" lang="en-US" sz="1800" spc="-1" strike="noStrike">
-                <a:solidFill>
-                  <a:schemeClr val="dk1"/>
-                </a:solidFill>
-                <a:latin typeface="Calibri"/>
+              <a:rPr b="0" lang="en-US" sz="2400" spc="-1" strike="noStrike">
+                <a:solidFill>
+                  <a:srgbClr val="000000"/>
+                </a:solidFill>
+                <a:latin typeface="Arial"/>
               </a:rPr>
               <a:t>Third Outline Level</a:t>
             </a:r>
-            <a:endParaRPr b="0" lang="en-US" sz="1800" spc="-1" strike="noStrike">
-              <a:solidFill>
-                <a:schemeClr val="dk1"/>
-              </a:solidFill>
-              <a:latin typeface="Calibri"/>
+            <a:endParaRPr b="0" lang="en-US" sz="2400" spc="-1" strike="noStrike">
+              <a:solidFill>
+                <a:srgbClr val="000000"/>
+              </a:solidFill>
+              <a:latin typeface="Arial"/>
             </a:endParaRPr>
           </a:p>
           <a:p>
             <a:pPr lvl="3" marL="1728000" indent="-216000">
-              <a:lnSpc>
-                <a:spcPct val="90000"/>
-              </a:lnSpc>
               <a:spcBef>
                 <a:spcPts val="567"/>
               </a:spcBef>
@@ -1693,26 +1677,23 @@
               <a:buChar char=""/>
             </a:pPr>
             <a:r>
-              <a:rPr b="0" lang="en-US" sz="1800" spc="-1" strike="noStrike">
-                <a:solidFill>
-                  <a:schemeClr val="dk1"/>
-                </a:solidFill>
-                <a:latin typeface="Calibri"/>
+              <a:rPr b="0" lang="en-US" sz="2000" spc="-1" strike="noStrike">
+                <a:solidFill>
+                  <a:srgbClr val="000000"/>
+                </a:solidFill>
+                <a:latin typeface="Arial"/>
               </a:rPr>
               <a:t>Fourth Outline Level</a:t>
             </a:r>
-            <a:endParaRPr b="0" lang="en-US" sz="1800" spc="-1" strike="noStrike">
-              <a:solidFill>
-                <a:schemeClr val="dk1"/>
-              </a:solidFill>
-              <a:latin typeface="Calibri"/>
+            <a:endParaRPr b="0" lang="en-US" sz="2000" spc="-1" strike="noStrike">
+              <a:solidFill>
+                <a:srgbClr val="000000"/>
+              </a:solidFill>
+              <a:latin typeface="Arial"/>
             </a:endParaRPr>
           </a:p>
           <a:p>
             <a:pPr lvl="4" marL="2160000" indent="-216000">
-              <a:lnSpc>
-                <a:spcPct val="90000"/>
-              </a:lnSpc>
               <a:spcBef>
                 <a:spcPts val="283"/>
               </a:spcBef>
@@ -1726,24 +1707,21 @@
             <a:r>
               <a:rPr b="0" lang="en-US" sz="2000" spc="-1" strike="noStrike">
                 <a:solidFill>
-                  <a:schemeClr val="dk1"/>
-                </a:solidFill>
-                <a:latin typeface="Calibri"/>
+                  <a:srgbClr val="000000"/>
+                </a:solidFill>
+                <a:latin typeface="Arial"/>
               </a:rPr>
               <a:t>Fifth Outline Level</a:t>
             </a:r>
             <a:endParaRPr b="0" lang="en-US" sz="2000" spc="-1" strike="noStrike">
               <a:solidFill>
-                <a:schemeClr val="dk1"/>
-              </a:solidFill>
-              <a:latin typeface="Calibri"/>
+                <a:srgbClr val="000000"/>
+              </a:solidFill>
+              <a:latin typeface="Arial"/>
             </a:endParaRPr>
           </a:p>
           <a:p>
             <a:pPr lvl="5" marL="2592000" indent="-216000">
-              <a:lnSpc>
-                <a:spcPct val="90000"/>
-              </a:lnSpc>
               <a:spcBef>
                 <a:spcPts val="283"/>
               </a:spcBef>
@@ -1757,24 +1735,21 @@
             <a:r>
               <a:rPr b="0" lang="en-US" sz="2000" spc="-1" strike="noStrike">
                 <a:solidFill>
-                  <a:schemeClr val="dk1"/>
-                </a:solidFill>
-                <a:latin typeface="Calibri"/>
+                  <a:srgbClr val="000000"/>
+                </a:solidFill>
+                <a:latin typeface="Arial"/>
               </a:rPr>
               <a:t>Sixth Outline Level</a:t>
             </a:r>
             <a:endParaRPr b="0" lang="en-US" sz="2000" spc="-1" strike="noStrike">
               <a:solidFill>
-                <a:schemeClr val="dk1"/>
-              </a:solidFill>
-              <a:latin typeface="Calibri"/>
+                <a:srgbClr val="000000"/>
+              </a:solidFill>
+              <a:latin typeface="Arial"/>
             </a:endParaRPr>
           </a:p>
           <a:p>
             <a:pPr lvl="6" marL="3024000" indent="-216000">
-              <a:lnSpc>
-                <a:spcPct val="90000"/>
-              </a:lnSpc>
               <a:spcBef>
                 <a:spcPts val="283"/>
               </a:spcBef>
@@ -1788,17 +1763,17 @@
             <a:r>
               <a:rPr b="0" lang="en-US" sz="2000" spc="-1" strike="noStrike">
                 <a:solidFill>
-                  <a:schemeClr val="dk1"/>
-                </a:solidFill>
-                <a:latin typeface="Calibri"/>
+                  <a:srgbClr val="000000"/>
+                </a:solidFill>
+                <a:latin typeface="Arial"/>
               </a:rPr>
               <a:t>Seventh Outline Level</a:t>
             </a:r>
             <a:endParaRPr b="0" lang="en-US" sz="2000" spc="-1" strike="noStrike">
               <a:solidFill>
-                <a:schemeClr val="dk1"/>
-              </a:solidFill>
-              <a:latin typeface="Calibri"/>
+                <a:srgbClr val="000000"/>
+              </a:solidFill>
+              <a:latin typeface="Arial"/>
             </a:endParaRPr>
           </a:p>
         </p:txBody>
@@ -1838,377 +1813,18 @@
       </p:grpSpPr>
       <p:sp>
         <p:nvSpPr>
-          <p:cNvPr id="55" name="PlaceHolder 1"/>
+          <p:cNvPr id="44" name="PlaceHolder 1"/>
           <p:cNvSpPr>
             <a:spLocks noGrp="1"/>
           </p:cNvSpPr>
           <p:nvPr>
-            <p:ph type="title"/>
-          </p:nvPr>
-        </p:nvSpPr>
-        <p:spPr>
-          <a:xfrm>
-            <a:off x="839880" y="457200"/>
-            <a:ext cx="3931920" cy="1599840"/>
-          </a:xfrm>
-          <a:prstGeom prst="rect">
-            <a:avLst/>
-          </a:prstGeom>
-          <a:noFill/>
-          <a:ln w="0">
-            <a:noFill/>
-          </a:ln>
-        </p:spPr>
-        <p:txBody>
-          <a:bodyPr lIns="91440" rIns="91440" tIns="45720" bIns="45720" anchor="b">
-            <a:noAutofit/>
-          </a:bodyPr>
-          <a:p>
-            <a:pPr indent="0" defTabSz="914400">
-              <a:lnSpc>
-                <a:spcPct val="90000"/>
-              </a:lnSpc>
-              <a:buNone/>
-            </a:pPr>
-            <a:r>
-              <a:rPr b="0" lang="en-US" sz="3200" spc="-1" strike="noStrike">
-                <a:solidFill>
-                  <a:schemeClr val="dk1"/>
-                </a:solidFill>
-                <a:latin typeface="Calibri Light"/>
-              </a:rPr>
-              <a:t>Click to edit Master title style</a:t>
-            </a:r>
-            <a:endParaRPr b="0" lang="en-US" sz="3200" spc="-1" strike="noStrike">
-              <a:solidFill>
-                <a:schemeClr val="dk1"/>
-              </a:solidFill>
-              <a:latin typeface="Calibri"/>
-            </a:endParaRPr>
-          </a:p>
-        </p:txBody>
-      </p:sp>
-      <p:sp>
-        <p:nvSpPr>
-          <p:cNvPr id="56" name="PlaceHolder 2"/>
-          <p:cNvSpPr>
-            <a:spLocks noGrp="1"/>
-          </p:cNvSpPr>
-          <p:nvPr>
-            <p:ph type="body"/>
-          </p:nvPr>
-        </p:nvSpPr>
-        <p:spPr>
-          <a:xfrm>
-            <a:off x="5183280" y="987480"/>
-            <a:ext cx="6171840" cy="4873320"/>
-          </a:xfrm>
-          <a:prstGeom prst="rect">
-            <a:avLst/>
-          </a:prstGeom>
-          <a:noFill/>
-          <a:ln w="0">
-            <a:noFill/>
-          </a:ln>
-        </p:spPr>
-        <p:txBody>
-          <a:bodyPr lIns="91440" rIns="91440" tIns="45720" bIns="45720" anchor="t">
-            <a:noAutofit/>
-          </a:bodyPr>
-          <a:p>
-            <a:pPr marL="228600" indent="-228600" defTabSz="914400">
-              <a:lnSpc>
-                <a:spcPct val="90000"/>
-              </a:lnSpc>
-              <a:spcBef>
-                <a:spcPts val="1001"/>
-              </a:spcBef>
-              <a:buClr>
-                <a:srgbClr val="000000"/>
-              </a:buClr>
-              <a:buFont typeface="Arial"/>
-              <a:buChar char="•"/>
-            </a:pPr>
-            <a:r>
-              <a:rPr b="0" lang="en-US" sz="3200" spc="-1" strike="noStrike">
-                <a:solidFill>
-                  <a:schemeClr val="dk1"/>
-                </a:solidFill>
-                <a:latin typeface="Calibri"/>
-              </a:rPr>
-              <a:t>Click to edit Master text styles</a:t>
-            </a:r>
-            <a:endParaRPr b="0" lang="en-US" sz="3200" spc="-1" strike="noStrike">
-              <a:solidFill>
-                <a:schemeClr val="dk1"/>
-              </a:solidFill>
-              <a:latin typeface="Calibri"/>
-            </a:endParaRPr>
-          </a:p>
-          <a:p>
-            <a:pPr lvl="1" marL="685800" indent="-228600" defTabSz="914400">
-              <a:lnSpc>
-                <a:spcPct val="90000"/>
-              </a:lnSpc>
-              <a:spcBef>
-                <a:spcPts val="499"/>
-              </a:spcBef>
-              <a:buClr>
-                <a:srgbClr val="000000"/>
-              </a:buClr>
-              <a:buFont typeface="Arial"/>
-              <a:buChar char="•"/>
-            </a:pPr>
-            <a:r>
-              <a:rPr b="0" lang="en-US" sz="2800" spc="-1" strike="noStrike">
-                <a:solidFill>
-                  <a:schemeClr val="dk1"/>
-                </a:solidFill>
-                <a:latin typeface="Calibri"/>
-              </a:rPr>
-              <a:t>Second level</a:t>
-            </a:r>
-            <a:endParaRPr b="0" lang="en-US" sz="2800" spc="-1" strike="noStrike">
-              <a:solidFill>
-                <a:schemeClr val="dk1"/>
-              </a:solidFill>
-              <a:latin typeface="Calibri"/>
-            </a:endParaRPr>
-          </a:p>
-          <a:p>
-            <a:pPr lvl="2" marL="1143000" indent="-228600" defTabSz="914400">
-              <a:lnSpc>
-                <a:spcPct val="90000"/>
-              </a:lnSpc>
-              <a:spcBef>
-                <a:spcPts val="499"/>
-              </a:spcBef>
-              <a:buClr>
-                <a:srgbClr val="000000"/>
-              </a:buClr>
-              <a:buFont typeface="Arial"/>
-              <a:buChar char="•"/>
-            </a:pPr>
-            <a:r>
-              <a:rPr b="0" lang="en-US" sz="2400" spc="-1" strike="noStrike">
-                <a:solidFill>
-                  <a:schemeClr val="dk1"/>
-                </a:solidFill>
-                <a:latin typeface="Calibri"/>
-              </a:rPr>
-              <a:t>Third level</a:t>
-            </a:r>
-            <a:endParaRPr b="0" lang="en-US" sz="2400" spc="-1" strike="noStrike">
-              <a:solidFill>
-                <a:schemeClr val="dk1"/>
-              </a:solidFill>
-              <a:latin typeface="Calibri"/>
-            </a:endParaRPr>
-          </a:p>
-          <a:p>
-            <a:pPr lvl="3" marL="1600200" indent="-228600" defTabSz="914400">
-              <a:lnSpc>
-                <a:spcPct val="90000"/>
-              </a:lnSpc>
-              <a:spcBef>
-                <a:spcPts val="499"/>
-              </a:spcBef>
-              <a:buClr>
-                <a:srgbClr val="000000"/>
-              </a:buClr>
-              <a:buFont typeface="Arial"/>
-              <a:buChar char="•"/>
-            </a:pPr>
-            <a:r>
-              <a:rPr b="0" lang="en-US" sz="2000" spc="-1" strike="noStrike">
-                <a:solidFill>
-                  <a:schemeClr val="dk1"/>
-                </a:solidFill>
-                <a:latin typeface="Calibri"/>
-              </a:rPr>
-              <a:t>Fourth level</a:t>
-            </a:r>
-            <a:endParaRPr b="0" lang="en-US" sz="2000" spc="-1" strike="noStrike">
-              <a:solidFill>
-                <a:schemeClr val="dk1"/>
-              </a:solidFill>
-              <a:latin typeface="Calibri"/>
-            </a:endParaRPr>
-          </a:p>
-          <a:p>
-            <a:pPr lvl="4" marL="2057400" indent="-228600" defTabSz="914400">
-              <a:lnSpc>
-                <a:spcPct val="90000"/>
-              </a:lnSpc>
-              <a:spcBef>
-                <a:spcPts val="499"/>
-              </a:spcBef>
-              <a:buClr>
-                <a:srgbClr val="000000"/>
-              </a:buClr>
-              <a:buFont typeface="Arial"/>
-              <a:buChar char="•"/>
-            </a:pPr>
-            <a:r>
-              <a:rPr b="0" lang="en-US" sz="2000" spc="-1" strike="noStrike">
-                <a:solidFill>
-                  <a:schemeClr val="dk1"/>
-                </a:solidFill>
-                <a:latin typeface="Calibri"/>
-              </a:rPr>
-              <a:t>Fifth level</a:t>
-            </a:r>
-            <a:endParaRPr b="0" lang="en-US" sz="2000" spc="-1" strike="noStrike">
-              <a:solidFill>
-                <a:schemeClr val="dk1"/>
-              </a:solidFill>
-              <a:latin typeface="Calibri"/>
-            </a:endParaRPr>
-          </a:p>
-        </p:txBody>
-      </p:sp>
-      <p:sp>
-        <p:nvSpPr>
-          <p:cNvPr id="57" name="PlaceHolder 3"/>
-          <p:cNvSpPr>
-            <a:spLocks noGrp="1"/>
-          </p:cNvSpPr>
-          <p:nvPr>
-            <p:ph type="body"/>
-          </p:nvPr>
-        </p:nvSpPr>
-        <p:spPr>
-          <a:xfrm>
-            <a:off x="839880" y="2057400"/>
-            <a:ext cx="3931920" cy="3811320"/>
-          </a:xfrm>
-          <a:prstGeom prst="rect">
-            <a:avLst/>
-          </a:prstGeom>
-          <a:noFill/>
-          <a:ln w="0">
-            <a:noFill/>
-          </a:ln>
-        </p:spPr>
-        <p:txBody>
-          <a:bodyPr lIns="91440" rIns="91440" tIns="45720" bIns="45720" anchor="t">
-            <a:noAutofit/>
-          </a:bodyPr>
-          <a:p>
-            <a:pPr indent="0" defTabSz="914400">
-              <a:lnSpc>
-                <a:spcPct val="90000"/>
-              </a:lnSpc>
-              <a:spcBef>
-                <a:spcPts val="1001"/>
-              </a:spcBef>
-              <a:buNone/>
-              <a:tabLst>
-                <a:tab algn="l" pos="0"/>
-              </a:tabLst>
-            </a:pPr>
-            <a:r>
-              <a:rPr b="0" lang="en-US" sz="1600" spc="-1" strike="noStrike">
-                <a:solidFill>
-                  <a:schemeClr val="dk1"/>
-                </a:solidFill>
-                <a:latin typeface="Calibri"/>
-              </a:rPr>
-              <a:t>Click to edit Master text styles</a:t>
-            </a:r>
-            <a:endParaRPr b="0" lang="en-US" sz="1600" spc="-1" strike="noStrike">
-              <a:solidFill>
-                <a:schemeClr val="dk1"/>
-              </a:solidFill>
-              <a:latin typeface="Calibri"/>
-            </a:endParaRPr>
-          </a:p>
-        </p:txBody>
-      </p:sp>
-      <p:sp>
-        <p:nvSpPr>
-          <p:cNvPr id="58" name="PlaceHolder 4"/>
-          <p:cNvSpPr>
-            <a:spLocks noGrp="1"/>
-          </p:cNvSpPr>
-          <p:nvPr>
-            <p:ph type="dt" idx="28"/>
-          </p:nvPr>
-        </p:nvSpPr>
-        <p:spPr>
-          <a:xfrm>
-            <a:off x="838080" y="6356520"/>
-            <a:ext cx="2742840" cy="364680"/>
-          </a:xfrm>
-          <a:prstGeom prst="rect">
-            <a:avLst/>
-          </a:prstGeom>
-          <a:noFill/>
-          <a:ln w="0">
-            <a:noFill/>
-          </a:ln>
-        </p:spPr>
-        <p:txBody>
-          <a:bodyPr lIns="91440" rIns="91440" tIns="45720" bIns="45720" anchor="ctr">
-            <a:noAutofit/>
-          </a:bodyPr>
-          <a:lstStyle>
-            <a:lvl1pPr indent="0" defTabSz="914400">
-              <a:lnSpc>
-                <a:spcPct val="100000"/>
-              </a:lnSpc>
-              <a:buNone/>
-              <a:defRPr b="0" lang="en-US" sz="1200" spc="-1" strike="noStrike">
-                <a:solidFill>
-                  <a:schemeClr val="dk1">
-                    <a:tint val="75000"/>
-                  </a:schemeClr>
-                </a:solidFill>
-                <a:latin typeface="Calibri"/>
-              </a:defRPr>
-            </a:lvl1pPr>
-          </a:lstStyle>
-          <a:p>
-            <a:pPr indent="0" defTabSz="914400">
-              <a:lnSpc>
-                <a:spcPct val="100000"/>
-              </a:lnSpc>
-              <a:buNone/>
-            </a:pPr>
-            <a:r>
-              <a:rPr b="0" lang="en-US" sz="1200" spc="-1" strike="noStrike">
-                <a:solidFill>
-                  <a:schemeClr val="dk1">
-                    <a:tint val="75000"/>
-                  </a:schemeClr>
-                </a:solidFill>
-                <a:latin typeface="Calibri"/>
-              </a:rPr>
-              <a:t>&lt;date/time&gt;</a:t>
-            </a:r>
-            <a:endParaRPr b="0" lang="en-US" sz="1200" spc="-1" strike="noStrike">
-              <a:solidFill>
-                <a:srgbClr val="000000"/>
-              </a:solidFill>
-              <a:latin typeface="Times New Roman"/>
-            </a:endParaRPr>
-          </a:p>
-        </p:txBody>
-      </p:sp>
-      <p:sp>
-        <p:nvSpPr>
-          <p:cNvPr id="59" name="PlaceHolder 5"/>
-          <p:cNvSpPr>
-            <a:spLocks noGrp="1"/>
-          </p:cNvSpPr>
-          <p:nvPr>
-            <p:ph type="ftr" idx="29"/>
+            <p:ph type="ftr" idx="28"/>
           </p:nvPr>
         </p:nvSpPr>
         <p:spPr>
           <a:xfrm>
             <a:off x="4038480" y="6356520"/>
-            <a:ext cx="4114440" cy="364680"/>
+            <a:ext cx="4114080" cy="364320"/>
           </a:xfrm>
           <a:prstGeom prst="rect">
             <a:avLst/>
@@ -2224,7 +1840,13 @@
           </a:bodyPr>
           <a:lstStyle>
             <a:lvl1pPr indent="0" algn="ctr">
+              <a:lnSpc>
+                <a:spcPct val="100000"/>
+              </a:lnSpc>
               <a:buNone/>
+              <a:tabLst>
+                <a:tab algn="l" pos="0"/>
+              </a:tabLst>
               <a:defRPr b="0" lang="en-US" sz="1400" spc="-1" strike="noStrike">
                 <a:solidFill>
                   <a:srgbClr val="000000"/>
@@ -2235,7 +1857,13 @@
           </a:lstStyle>
           <a:p>
             <a:pPr indent="0" algn="ctr">
+              <a:lnSpc>
+                <a:spcPct val="100000"/>
+              </a:lnSpc>
               <a:buNone/>
+              <a:tabLst>
+                <a:tab algn="l" pos="0"/>
+              </a:tabLst>
             </a:pPr>
             <a:r>
               <a:rPr b="0" lang="en-US" sz="1400" spc="-1" strike="noStrike">
@@ -2257,18 +1885,18 @@
       </p:sp>
       <p:sp>
         <p:nvSpPr>
-          <p:cNvPr id="60" name="PlaceHolder 6"/>
+          <p:cNvPr id="45" name="PlaceHolder 2"/>
           <p:cNvSpPr>
             <a:spLocks noGrp="1"/>
           </p:cNvSpPr>
           <p:nvPr>
-            <p:ph type="sldNum" idx="30"/>
+            <p:ph type="sldNum" idx="29"/>
           </p:nvPr>
         </p:nvSpPr>
         <p:spPr>
           <a:xfrm>
             <a:off x="8610480" y="6356520"/>
-            <a:ext cx="2742840" cy="364680"/>
+            <a:ext cx="2742480" cy="364320"/>
           </a:xfrm>
           <a:prstGeom prst="rect">
             <a:avLst/>
@@ -2288,6 +1916,9 @@
                 <a:spcPct val="100000"/>
               </a:lnSpc>
               <a:buNone/>
+              <a:tabLst>
+                <a:tab algn="l" pos="0"/>
+              </a:tabLst>
               <a:defRPr b="0" lang="en-US" sz="1200" spc="-1" strike="noStrike">
                 <a:solidFill>
                   <a:schemeClr val="dk1">
@@ -2304,8 +1935,11 @@
                 <a:spcPct val="100000"/>
               </a:lnSpc>
               <a:buNone/>
-            </a:pPr>
-            <a:fld id="{2564FB02-F08C-4AFE-B5E3-6A2A89D81D51}" type="slidenum">
+              <a:tabLst>
+                <a:tab algn="l" pos="0"/>
+              </a:tabLst>
+            </a:pPr>
+            <a:fld id="{1F8A3349-82AD-4924-A6B5-C847889A4DFB}" type="slidenum">
               <a:rPr b="0" lang="en-US" sz="1200" spc="-1" strike="noStrike">
                 <a:solidFill>
                   <a:schemeClr val="dk1">
@@ -2317,6 +1951,66 @@
               <a:t>&lt;number&gt;</a:t>
             </a:fld>
             <a:endParaRPr b="0" lang="en-US" sz="1200" spc="-1" strike="noStrike">
+              <a:solidFill>
+                <a:srgbClr val="000000"/>
+              </a:solidFill>
+              <a:latin typeface="Times New Roman"/>
+            </a:endParaRPr>
+          </a:p>
+        </p:txBody>
+      </p:sp>
+      <p:sp>
+        <p:nvSpPr>
+          <p:cNvPr id="46" name="PlaceHolder 3"/>
+          <p:cNvSpPr>
+            <a:spLocks noGrp="1"/>
+          </p:cNvSpPr>
+          <p:nvPr>
+            <p:ph type="dt" idx="30"/>
+          </p:nvPr>
+        </p:nvSpPr>
+        <p:spPr>
+          <a:xfrm>
+            <a:off x="838080" y="6356520"/>
+            <a:ext cx="2742480" cy="364320"/>
+          </a:xfrm>
+          <a:prstGeom prst="rect">
+            <a:avLst/>
+          </a:prstGeom>
+          <a:noFill/>
+          <a:ln w="0">
+            <a:noFill/>
+          </a:ln>
+        </p:spPr>
+        <p:txBody>
+          <a:bodyPr lIns="91440" rIns="91440" tIns="45720" bIns="45720" anchor="ctr">
+            <a:noAutofit/>
+          </a:bodyPr>
+          <a:lstStyle>
+            <a:lvl1pPr indent="0">
+              <a:buNone/>
+              <a:defRPr b="0" lang="en-US" sz="1400" spc="-1" strike="noStrike">
+                <a:solidFill>
+                  <a:srgbClr val="000000"/>
+                </a:solidFill>
+                <a:latin typeface="Times New Roman"/>
+              </a:defRPr>
+            </a:lvl1pPr>
+          </a:lstStyle>
+          <a:p>
+            <a:pPr indent="0">
+              <a:buNone/>
+            </a:pPr>
+            <a:r>
+              <a:rPr b="0" lang="en-US" sz="1400" spc="-1" strike="noStrike">
+                <a:solidFill>
+                  <a:srgbClr val="000000"/>
+                </a:solidFill>
+                <a:latin typeface="Times New Roman"/>
+              </a:rPr>
+              <a:t>&lt;date/time&gt;</a:t>
+            </a:r>
+            <a:endParaRPr b="0" lang="en-US" sz="1400" spc="-1" strike="noStrike">
               <a:solidFill>
                 <a:srgbClr val="000000"/>
               </a:solidFill>
@@ -2360,253 +2054,18 @@
       </p:grpSpPr>
       <p:sp>
         <p:nvSpPr>
-          <p:cNvPr id="61" name="PlaceHolder 1"/>
+          <p:cNvPr id="47" name="PlaceHolder 1"/>
           <p:cNvSpPr>
             <a:spLocks noGrp="1"/>
           </p:cNvSpPr>
           <p:nvPr>
-            <p:ph type="title"/>
-          </p:nvPr>
-        </p:nvSpPr>
-        <p:spPr>
-          <a:xfrm>
-            <a:off x="839880" y="457200"/>
-            <a:ext cx="3931920" cy="1599840"/>
-          </a:xfrm>
-          <a:prstGeom prst="rect">
-            <a:avLst/>
-          </a:prstGeom>
-          <a:noFill/>
-          <a:ln w="0">
-            <a:noFill/>
-          </a:ln>
-        </p:spPr>
-        <p:txBody>
-          <a:bodyPr lIns="91440" rIns="91440" tIns="45720" bIns="45720" anchor="b">
-            <a:noAutofit/>
-          </a:bodyPr>
-          <a:p>
-            <a:pPr indent="0" defTabSz="914400">
-              <a:lnSpc>
-                <a:spcPct val="90000"/>
-              </a:lnSpc>
-              <a:buNone/>
-            </a:pPr>
-            <a:r>
-              <a:rPr b="0" lang="en-US" sz="3200" spc="-1" strike="noStrike">
-                <a:solidFill>
-                  <a:schemeClr val="dk1"/>
-                </a:solidFill>
-                <a:latin typeface="Calibri Light"/>
-              </a:rPr>
-              <a:t>Click to edit Master title style</a:t>
-            </a:r>
-            <a:endParaRPr b="0" lang="en-US" sz="3200" spc="-1" strike="noStrike">
-              <a:solidFill>
-                <a:schemeClr val="dk1"/>
-              </a:solidFill>
-              <a:latin typeface="Calibri"/>
-            </a:endParaRPr>
-          </a:p>
-        </p:txBody>
-      </p:sp>
-      <p:sp>
-        <p:nvSpPr>
-          <p:cNvPr id="62" name="PlaceHolder 2"/>
-          <p:cNvSpPr>
-            <a:spLocks noGrp="1"/>
-          </p:cNvSpPr>
-          <p:nvPr>
-            <p:ph type="body"/>
-          </p:nvPr>
-        </p:nvSpPr>
-        <p:spPr>
-          <a:xfrm>
-            <a:off x="5183280" y="987480"/>
-            <a:ext cx="6171840" cy="4873320"/>
-          </a:xfrm>
-          <a:prstGeom prst="rect">
-            <a:avLst/>
-          </a:prstGeom>
-          <a:noFill/>
-          <a:ln w="0">
-            <a:noFill/>
-          </a:ln>
-        </p:spPr>
-        <p:txBody>
-          <a:bodyPr lIns="90000" rIns="90000" tIns="45000" bIns="45000" anchor="t">
-            <a:noAutofit/>
-          </a:bodyPr>
-          <a:p>
-            <a:pPr indent="0" defTabSz="914400">
-              <a:lnSpc>
-                <a:spcPct val="100000"/>
-              </a:lnSpc>
-              <a:buNone/>
-              <a:tabLst>
-                <a:tab algn="l" pos="0"/>
-              </a:tabLst>
-            </a:pPr>
-            <a:r>
-              <a:rPr b="0" lang="en-US" sz="3200" spc="-1" strike="noStrike">
-                <a:solidFill>
-                  <a:schemeClr val="dk1"/>
-                </a:solidFill>
-                <a:latin typeface="Calibri"/>
-              </a:rPr>
-              <a:t>Click icon to add picture</a:t>
-            </a:r>
-            <a:endParaRPr b="0" lang="en-US" sz="3200" spc="-1" strike="noStrike">
-              <a:solidFill>
-                <a:schemeClr val="dk1"/>
-              </a:solidFill>
-              <a:latin typeface="Calibri"/>
-            </a:endParaRPr>
-          </a:p>
-        </p:txBody>
-      </p:sp>
-      <p:sp>
-        <p:nvSpPr>
-          <p:cNvPr id="63" name="PlaceHolder 3"/>
-          <p:cNvSpPr>
-            <a:spLocks noGrp="1"/>
-          </p:cNvSpPr>
-          <p:nvPr>
-            <p:ph type="body"/>
-          </p:nvPr>
-        </p:nvSpPr>
-        <p:spPr>
-          <a:xfrm>
-            <a:off x="839880" y="2057400"/>
-            <a:ext cx="3931920" cy="3811320"/>
-          </a:xfrm>
-          <a:prstGeom prst="rect">
-            <a:avLst/>
-          </a:prstGeom>
-          <a:noFill/>
-          <a:ln w="0">
-            <a:noFill/>
-          </a:ln>
-        </p:spPr>
-        <p:txBody>
-          <a:bodyPr lIns="91440" rIns="91440" tIns="45720" bIns="45720" anchor="t">
-            <a:noAutofit/>
-          </a:bodyPr>
-          <a:p>
-            <a:pPr indent="0" defTabSz="914400">
-              <a:lnSpc>
-                <a:spcPct val="90000"/>
-              </a:lnSpc>
-              <a:spcBef>
-                <a:spcPts val="1001"/>
-              </a:spcBef>
-              <a:buNone/>
-              <a:tabLst>
-                <a:tab algn="l" pos="0"/>
-              </a:tabLst>
-            </a:pPr>
-            <a:r>
-              <a:rPr b="0" lang="en-US" sz="1600" spc="-1" strike="noStrike">
-                <a:solidFill>
-                  <a:schemeClr val="dk1"/>
-                </a:solidFill>
-                <a:latin typeface="Calibri"/>
-              </a:rPr>
-              <a:t>Click to edit Master text styles</a:t>
-            </a:r>
-            <a:endParaRPr b="0" lang="en-US" sz="1600" spc="-1" strike="noStrike">
-              <a:solidFill>
-                <a:schemeClr val="dk1"/>
-              </a:solidFill>
-              <a:latin typeface="Calibri"/>
-            </a:endParaRPr>
-          </a:p>
-        </p:txBody>
-      </p:sp>
-      <p:sp>
-        <p:nvSpPr>
-          <p:cNvPr id="64" name="PlaceHolder 4"/>
-          <p:cNvSpPr>
-            <a:spLocks noGrp="1"/>
-          </p:cNvSpPr>
-          <p:nvPr>
-            <p:ph type="dt" idx="31"/>
-          </p:nvPr>
-        </p:nvSpPr>
-        <p:spPr>
-          <a:xfrm>
-            <a:off x="838080" y="6356520"/>
-            <a:ext cx="2742840" cy="364680"/>
-          </a:xfrm>
-          <a:prstGeom prst="rect">
-            <a:avLst/>
-          </a:prstGeom>
-          <a:noFill/>
-          <a:ln w="0">
-            <a:noFill/>
-          </a:ln>
-        </p:spPr>
-        <p:txBody>
-          <a:bodyPr lIns="91440" rIns="91440" tIns="45720" bIns="45720" anchor="ctr">
-            <a:noAutofit/>
-          </a:bodyPr>
-          <a:lstStyle>
-            <a:lvl1pPr indent="0" defTabSz="914400">
-              <a:lnSpc>
-                <a:spcPct val="100000"/>
-              </a:lnSpc>
-              <a:buNone/>
-              <a:defRPr b="0" lang="en-US" sz="1200" spc="-1" strike="noStrike">
-                <a:solidFill>
-                  <a:schemeClr val="dk1">
-                    <a:tint val="75000"/>
-                  </a:schemeClr>
-                </a:solidFill>
-                <a:latin typeface="Calibri"/>
-              </a:defRPr>
-            </a:lvl1pPr>
-          </a:lstStyle>
-          <a:p>
-            <a:pPr indent="0" defTabSz="914400">
-              <a:lnSpc>
-                <a:spcPct val="100000"/>
-              </a:lnSpc>
-              <a:buNone/>
-            </a:pPr>
-            <a:r>
-              <a:rPr b="0" lang="en-US" sz="1200" spc="-1" strike="noStrike">
-                <a:solidFill>
-                  <a:schemeClr val="dk1">
-                    <a:tint val="75000"/>
-                  </a:schemeClr>
-                </a:solidFill>
-                <a:latin typeface="Calibri"/>
-              </a:rPr>
-              <a:t>&lt;date/time&gt;</a:t>
-            </a:r>
-            <a:endParaRPr b="0" lang="en-US" sz="1200" spc="-1" strike="noStrike">
-              <a:solidFill>
-                <a:srgbClr val="000000"/>
-              </a:solidFill>
-              <a:latin typeface="Times New Roman"/>
-            </a:endParaRPr>
-          </a:p>
-        </p:txBody>
-      </p:sp>
-      <p:sp>
-        <p:nvSpPr>
-          <p:cNvPr id="65" name="PlaceHolder 5"/>
-          <p:cNvSpPr>
-            <a:spLocks noGrp="1"/>
-          </p:cNvSpPr>
-          <p:nvPr>
-            <p:ph type="ftr" idx="32"/>
+            <p:ph type="ftr" idx="31"/>
           </p:nvPr>
         </p:nvSpPr>
         <p:spPr>
           <a:xfrm>
             <a:off x="4038480" y="6356520"/>
-            <a:ext cx="4114440" cy="364680"/>
+            <a:ext cx="4114080" cy="364320"/>
           </a:xfrm>
           <a:prstGeom prst="rect">
             <a:avLst/>
@@ -2622,7 +2081,13 @@
           </a:bodyPr>
           <a:lstStyle>
             <a:lvl1pPr indent="0" algn="ctr">
+              <a:lnSpc>
+                <a:spcPct val="100000"/>
+              </a:lnSpc>
               <a:buNone/>
+              <a:tabLst>
+                <a:tab algn="l" pos="0"/>
+              </a:tabLst>
               <a:defRPr b="0" lang="en-US" sz="1400" spc="-1" strike="noStrike">
                 <a:solidFill>
                   <a:srgbClr val="000000"/>
@@ -2633,7 +2098,13 @@
           </a:lstStyle>
           <a:p>
             <a:pPr indent="0" algn="ctr">
+              <a:lnSpc>
+                <a:spcPct val="100000"/>
+              </a:lnSpc>
               <a:buNone/>
+              <a:tabLst>
+                <a:tab algn="l" pos="0"/>
+              </a:tabLst>
             </a:pPr>
             <a:r>
               <a:rPr b="0" lang="en-US" sz="1400" spc="-1" strike="noStrike">
@@ -2655,18 +2126,18 @@
       </p:sp>
       <p:sp>
         <p:nvSpPr>
-          <p:cNvPr id="66" name="PlaceHolder 6"/>
+          <p:cNvPr id="48" name="PlaceHolder 2"/>
           <p:cNvSpPr>
             <a:spLocks noGrp="1"/>
           </p:cNvSpPr>
           <p:nvPr>
-            <p:ph type="sldNum" idx="33"/>
+            <p:ph type="sldNum" idx="32"/>
           </p:nvPr>
         </p:nvSpPr>
         <p:spPr>
           <a:xfrm>
             <a:off x="8610480" y="6356520"/>
-            <a:ext cx="2742840" cy="364680"/>
+            <a:ext cx="2742480" cy="364320"/>
           </a:xfrm>
           <a:prstGeom prst="rect">
             <a:avLst/>
@@ -2686,6 +2157,9 @@
                 <a:spcPct val="100000"/>
               </a:lnSpc>
               <a:buNone/>
+              <a:tabLst>
+                <a:tab algn="l" pos="0"/>
+              </a:tabLst>
               <a:defRPr b="0" lang="en-US" sz="1200" spc="-1" strike="noStrike">
                 <a:solidFill>
                   <a:schemeClr val="dk1">
@@ -2702,8 +2176,11 @@
                 <a:spcPct val="100000"/>
               </a:lnSpc>
               <a:buNone/>
-            </a:pPr>
-            <a:fld id="{2DCB7714-F510-406F-B721-5017E8838234}" type="slidenum">
+              <a:tabLst>
+                <a:tab algn="l" pos="0"/>
+              </a:tabLst>
+            </a:pPr>
+            <a:fld id="{184A3478-E1B7-4BD3-97B5-CC46CCA4CAE8}" type="slidenum">
               <a:rPr b="0" lang="en-US" sz="1200" spc="-1" strike="noStrike">
                 <a:solidFill>
                   <a:schemeClr val="dk1">
@@ -2715,6 +2192,66 @@
               <a:t>&lt;number&gt;</a:t>
             </a:fld>
             <a:endParaRPr b="0" lang="en-US" sz="1200" spc="-1" strike="noStrike">
+              <a:solidFill>
+                <a:srgbClr val="000000"/>
+              </a:solidFill>
+              <a:latin typeface="Times New Roman"/>
+            </a:endParaRPr>
+          </a:p>
+        </p:txBody>
+      </p:sp>
+      <p:sp>
+        <p:nvSpPr>
+          <p:cNvPr id="49" name="PlaceHolder 3"/>
+          <p:cNvSpPr>
+            <a:spLocks noGrp="1"/>
+          </p:cNvSpPr>
+          <p:nvPr>
+            <p:ph type="dt" idx="33"/>
+          </p:nvPr>
+        </p:nvSpPr>
+        <p:spPr>
+          <a:xfrm>
+            <a:off x="838080" y="6356520"/>
+            <a:ext cx="2742480" cy="364320"/>
+          </a:xfrm>
+          <a:prstGeom prst="rect">
+            <a:avLst/>
+          </a:prstGeom>
+          <a:noFill/>
+          <a:ln w="0">
+            <a:noFill/>
+          </a:ln>
+        </p:spPr>
+        <p:txBody>
+          <a:bodyPr lIns="91440" rIns="91440" tIns="45720" bIns="45720" anchor="ctr">
+            <a:noAutofit/>
+          </a:bodyPr>
+          <a:lstStyle>
+            <a:lvl1pPr indent="0">
+              <a:buNone/>
+              <a:defRPr b="0" lang="en-US" sz="1400" spc="-1" strike="noStrike">
+                <a:solidFill>
+                  <a:srgbClr val="000000"/>
+                </a:solidFill>
+                <a:latin typeface="Times New Roman"/>
+              </a:defRPr>
+            </a:lvl1pPr>
+          </a:lstStyle>
+          <a:p>
+            <a:pPr indent="0">
+              <a:buNone/>
+            </a:pPr>
+            <a:r>
+              <a:rPr b="0" lang="en-US" sz="1400" spc="-1" strike="noStrike">
+                <a:solidFill>
+                  <a:srgbClr val="000000"/>
+                </a:solidFill>
+                <a:latin typeface="Times New Roman"/>
+              </a:rPr>
+              <a:t>&lt;date/time&gt;</a:t>
+            </a:r>
+            <a:endParaRPr b="0" lang="en-US" sz="1400" spc="-1" strike="noStrike">
               <a:solidFill>
                 <a:srgbClr val="000000"/>
               </a:solidFill>
@@ -2763,314 +2300,13 @@
             <a:spLocks noGrp="1"/>
           </p:cNvSpPr>
           <p:nvPr>
-            <p:ph type="title"/>
-          </p:nvPr>
-        </p:nvSpPr>
-        <p:spPr>
-          <a:xfrm>
-            <a:off x="838080" y="365040"/>
-            <a:ext cx="10515240" cy="1325160"/>
-          </a:xfrm>
-          <a:prstGeom prst="rect">
-            <a:avLst/>
-          </a:prstGeom>
-          <a:noFill/>
-          <a:ln w="0">
-            <a:noFill/>
-          </a:ln>
-        </p:spPr>
-        <p:txBody>
-          <a:bodyPr lIns="91440" rIns="91440" tIns="45720" bIns="45720" anchor="ctr">
-            <a:noAutofit/>
-          </a:bodyPr>
-          <a:p>
-            <a:pPr indent="0" defTabSz="914400">
-              <a:lnSpc>
-                <a:spcPct val="90000"/>
-              </a:lnSpc>
-              <a:buNone/>
-            </a:pPr>
-            <a:r>
-              <a:rPr b="0" lang="en-US" sz="4400" spc="-1" strike="noStrike">
-                <a:solidFill>
-                  <a:schemeClr val="dk1"/>
-                </a:solidFill>
-                <a:latin typeface="Calibri Light"/>
-              </a:rPr>
-              <a:t>Click to edit Master title style</a:t>
-            </a:r>
-            <a:endParaRPr b="0" lang="en-US" sz="4400" spc="-1" strike="noStrike">
-              <a:solidFill>
-                <a:schemeClr val="dk1"/>
-              </a:solidFill>
-              <a:latin typeface="Calibri"/>
-            </a:endParaRPr>
-          </a:p>
-        </p:txBody>
-      </p:sp>
-      <p:sp>
-        <p:nvSpPr>
-          <p:cNvPr id="8" name="PlaceHolder 2"/>
-          <p:cNvSpPr>
-            <a:spLocks noGrp="1"/>
-          </p:cNvSpPr>
-          <p:nvPr>
-            <p:ph type="body"/>
-          </p:nvPr>
-        </p:nvSpPr>
-        <p:spPr>
-          <a:xfrm>
-            <a:off x="838080" y="1825560"/>
-            <a:ext cx="10515240" cy="4350960"/>
-          </a:xfrm>
-          <a:prstGeom prst="rect">
-            <a:avLst/>
-          </a:prstGeom>
-          <a:noFill/>
-          <a:ln w="0">
-            <a:noFill/>
-          </a:ln>
-        </p:spPr>
-        <p:txBody>
-          <a:bodyPr lIns="91440" rIns="91440" tIns="45720" bIns="45720" anchor="t" vert="eaVert">
-            <a:noAutofit/>
-          </a:bodyPr>
-          <a:p>
-            <a:pPr marL="228600" indent="-228600" defTabSz="914400">
-              <a:lnSpc>
-                <a:spcPct val="90000"/>
-              </a:lnSpc>
-              <a:spcBef>
-                <a:spcPts val="1001"/>
-              </a:spcBef>
-              <a:buClr>
-                <a:srgbClr val="000000"/>
-              </a:buClr>
-              <a:buFont typeface="Arial"/>
-              <a:buChar char="•"/>
-            </a:pPr>
-            <a:r>
-              <a:rPr b="0" lang="en-US" sz="2800" spc="-1" strike="noStrike">
-                <a:solidFill>
-                  <a:schemeClr val="dk1"/>
-                </a:solidFill>
-                <a:latin typeface="Calibri"/>
-              </a:rPr>
-              <a:t>Click to edit Master text styles</a:t>
-            </a:r>
-            <a:endParaRPr b="0" lang="en-US" sz="2800" spc="-1" strike="noStrike">
-              <a:solidFill>
-                <a:schemeClr val="dk1"/>
-              </a:solidFill>
-              <a:latin typeface="Calibri"/>
-            </a:endParaRPr>
-          </a:p>
-          <a:p>
-            <a:pPr lvl="1" marL="685800" indent="-228600" defTabSz="914400">
-              <a:lnSpc>
-                <a:spcPct val="90000"/>
-              </a:lnSpc>
-              <a:spcBef>
-                <a:spcPts val="499"/>
-              </a:spcBef>
-              <a:buClr>
-                <a:srgbClr val="000000"/>
-              </a:buClr>
-              <a:buFont typeface="Arial"/>
-              <a:buChar char="•"/>
-            </a:pPr>
-            <a:r>
-              <a:rPr b="0" lang="en-US" sz="2400" spc="-1" strike="noStrike">
-                <a:solidFill>
-                  <a:schemeClr val="dk1"/>
-                </a:solidFill>
-                <a:latin typeface="Calibri"/>
-              </a:rPr>
-              <a:t>Second level</a:t>
-            </a:r>
-            <a:endParaRPr b="0" lang="en-US" sz="2400" spc="-1" strike="noStrike">
-              <a:solidFill>
-                <a:schemeClr val="dk1"/>
-              </a:solidFill>
-              <a:latin typeface="Calibri"/>
-            </a:endParaRPr>
-          </a:p>
-          <a:p>
-            <a:pPr lvl="2" marL="1143000" indent="-228600" defTabSz="914400">
-              <a:lnSpc>
-                <a:spcPct val="90000"/>
-              </a:lnSpc>
-              <a:spcBef>
-                <a:spcPts val="499"/>
-              </a:spcBef>
-              <a:buClr>
-                <a:srgbClr val="000000"/>
-              </a:buClr>
-              <a:buFont typeface="Arial"/>
-              <a:buChar char="•"/>
-            </a:pPr>
-            <a:r>
-              <a:rPr b="0" lang="en-US" sz="2000" spc="-1" strike="noStrike">
-                <a:solidFill>
-                  <a:schemeClr val="dk1"/>
-                </a:solidFill>
-                <a:latin typeface="Calibri"/>
-              </a:rPr>
-              <a:t>Third level</a:t>
-            </a:r>
-            <a:endParaRPr b="0" lang="en-US" sz="2000" spc="-1" strike="noStrike">
-              <a:solidFill>
-                <a:schemeClr val="dk1"/>
-              </a:solidFill>
-              <a:latin typeface="Calibri"/>
-            </a:endParaRPr>
-          </a:p>
-          <a:p>
-            <a:pPr lvl="3" marL="1600200" indent="-228600" defTabSz="914400">
-              <a:lnSpc>
-                <a:spcPct val="90000"/>
-              </a:lnSpc>
-              <a:spcBef>
-                <a:spcPts val="499"/>
-              </a:spcBef>
-              <a:buClr>
-                <a:srgbClr val="000000"/>
-              </a:buClr>
-              <a:buFont typeface="Arial"/>
-              <a:buChar char="•"/>
-            </a:pPr>
-            <a:r>
-              <a:rPr b="0" lang="en-US" sz="1800" spc="-1" strike="noStrike">
-                <a:solidFill>
-                  <a:schemeClr val="dk1"/>
-                </a:solidFill>
-                <a:latin typeface="Calibri"/>
-              </a:rPr>
-              <a:t>Fourth level</a:t>
-            </a:r>
-            <a:endParaRPr b="0" lang="en-US" sz="1800" spc="-1" strike="noStrike">
-              <a:solidFill>
-                <a:schemeClr val="dk1"/>
-              </a:solidFill>
-              <a:latin typeface="Calibri"/>
-            </a:endParaRPr>
-          </a:p>
-          <a:p>
-            <a:pPr lvl="4" marL="2057400" indent="-228600" defTabSz="914400">
-              <a:lnSpc>
-                <a:spcPct val="90000"/>
-              </a:lnSpc>
-              <a:spcBef>
-                <a:spcPts val="499"/>
-              </a:spcBef>
-              <a:buClr>
-                <a:srgbClr val="000000"/>
-              </a:buClr>
-              <a:buFont typeface="Arial"/>
-              <a:buChar char="•"/>
-            </a:pPr>
-            <a:r>
-              <a:rPr b="0" lang="en-US" sz="1800" spc="-1" strike="noStrike">
-                <a:solidFill>
-                  <a:schemeClr val="dk1"/>
-                </a:solidFill>
-                <a:latin typeface="Calibri"/>
-              </a:rPr>
-              <a:t>Fifth level</a:t>
-            </a:r>
-            <a:endParaRPr b="0" lang="en-US" sz="1800" spc="-1" strike="noStrike">
-              <a:solidFill>
-                <a:schemeClr val="dk1"/>
-              </a:solidFill>
-              <a:latin typeface="Calibri"/>
-            </a:endParaRPr>
-          </a:p>
-        </p:txBody>
-      </p:sp>
-      <p:sp>
-        <p:nvSpPr>
-          <p:cNvPr id="9" name="PlaceHolder 3"/>
-          <p:cNvSpPr>
-            <a:spLocks noGrp="1"/>
-          </p:cNvSpPr>
-          <p:nvPr>
-            <p:ph type="dt" idx="4"/>
-          </p:nvPr>
-        </p:nvSpPr>
-        <p:spPr>
-          <a:xfrm>
-            <a:off x="838080" y="6356520"/>
-            <a:ext cx="2742840" cy="364680"/>
-          </a:xfrm>
-          <a:prstGeom prst="rect">
-            <a:avLst/>
-          </a:prstGeom>
-          <a:noFill/>
-          <a:ln w="0">
-            <a:noFill/>
-          </a:ln>
-        </p:spPr>
-        <p:txBody>
-          <a:bodyPr lIns="91440" rIns="91440" tIns="45720" bIns="45720" anchor="ctr">
-            <a:noAutofit/>
-          </a:bodyPr>
-          <a:lstStyle>
-            <a:lvl1pPr indent="0" defTabSz="914400">
-              <a:lnSpc>
-                <a:spcPct val="100000"/>
-              </a:lnSpc>
-              <a:buNone/>
-              <a:defRPr b="0" lang="en-US" sz="1200" spc="-1" strike="noStrike">
-                <a:solidFill>
-                  <a:schemeClr val="dk1">
-                    <a:tint val="75000"/>
-                  </a:schemeClr>
-                </a:solidFill>
-                <a:latin typeface="Calibri"/>
-              </a:defRPr>
-            </a:lvl1pPr>
-          </a:lstStyle>
-          <a:p>
-            <a:pPr indent="0" defTabSz="914400">
-              <a:lnSpc>
-                <a:spcPct val="100000"/>
-              </a:lnSpc>
-              <a:buNone/>
-            </a:pPr>
-            <a:r>
-              <a:rPr b="0" lang="en-US" sz="1200" spc="-1" strike="noStrike">
-                <a:solidFill>
-                  <a:schemeClr val="dk1">
-                    <a:tint val="75000"/>
-                  </a:schemeClr>
-                </a:solidFill>
-                <a:latin typeface="Calibri"/>
-              </a:rPr>
-              <a:t>&lt;date/time&gt;</a:t>
-            </a:r>
-            <a:endParaRPr b="0" lang="en-US" sz="1200" spc="-1" strike="noStrike">
-              <a:solidFill>
-                <a:srgbClr val="000000"/>
-              </a:solidFill>
-              <a:latin typeface="Times New Roman"/>
-            </a:endParaRPr>
-          </a:p>
-        </p:txBody>
-      </p:sp>
-      <p:sp>
-        <p:nvSpPr>
-          <p:cNvPr id="10" name="PlaceHolder 4"/>
-          <p:cNvSpPr>
-            <a:spLocks noGrp="1"/>
-          </p:cNvSpPr>
-          <p:nvPr>
-            <p:ph type="ftr" idx="5"/>
+            <p:ph type="ftr" idx="4"/>
           </p:nvPr>
         </p:nvSpPr>
         <p:spPr>
           <a:xfrm>
             <a:off x="4038480" y="6356520"/>
-            <a:ext cx="4114440" cy="364680"/>
+            <a:ext cx="4114080" cy="364320"/>
           </a:xfrm>
           <a:prstGeom prst="rect">
             <a:avLst/>
@@ -3086,7 +2322,13 @@
           </a:bodyPr>
           <a:lstStyle>
             <a:lvl1pPr indent="0" algn="ctr">
+              <a:lnSpc>
+                <a:spcPct val="100000"/>
+              </a:lnSpc>
               <a:buNone/>
+              <a:tabLst>
+                <a:tab algn="l" pos="0"/>
+              </a:tabLst>
               <a:defRPr b="0" lang="en-US" sz="1400" spc="-1" strike="noStrike">
                 <a:solidFill>
                   <a:srgbClr val="000000"/>
@@ -3097,7 +2339,13 @@
           </a:lstStyle>
           <a:p>
             <a:pPr indent="0" algn="ctr">
+              <a:lnSpc>
+                <a:spcPct val="100000"/>
+              </a:lnSpc>
               <a:buNone/>
+              <a:tabLst>
+                <a:tab algn="l" pos="0"/>
+              </a:tabLst>
             </a:pPr>
             <a:r>
               <a:rPr b="0" lang="en-US" sz="1400" spc="-1" strike="noStrike">
@@ -3119,18 +2367,18 @@
       </p:sp>
       <p:sp>
         <p:nvSpPr>
-          <p:cNvPr id="11" name="PlaceHolder 5"/>
+          <p:cNvPr id="8" name="PlaceHolder 2"/>
           <p:cNvSpPr>
             <a:spLocks noGrp="1"/>
           </p:cNvSpPr>
           <p:nvPr>
-            <p:ph type="sldNum" idx="6"/>
+            <p:ph type="sldNum" idx="5"/>
           </p:nvPr>
         </p:nvSpPr>
         <p:spPr>
           <a:xfrm>
             <a:off x="8610480" y="6356520"/>
-            <a:ext cx="2742840" cy="364680"/>
+            <a:ext cx="2742480" cy="364320"/>
           </a:xfrm>
           <a:prstGeom prst="rect">
             <a:avLst/>
@@ -3150,6 +2398,9 @@
                 <a:spcPct val="100000"/>
               </a:lnSpc>
               <a:buNone/>
+              <a:tabLst>
+                <a:tab algn="l" pos="0"/>
+              </a:tabLst>
               <a:defRPr b="0" lang="en-US" sz="1200" spc="-1" strike="noStrike">
                 <a:solidFill>
                   <a:schemeClr val="dk1">
@@ -3166,8 +2417,11 @@
                 <a:spcPct val="100000"/>
               </a:lnSpc>
               <a:buNone/>
-            </a:pPr>
-            <a:fld id="{78B3DBC0-09EE-4C8D-9349-2CC2CB7DA8BE}" type="slidenum">
+              <a:tabLst>
+                <a:tab algn="l" pos="0"/>
+              </a:tabLst>
+            </a:pPr>
+            <a:fld id="{5E934516-2283-424F-AF8D-66A0262852DB}" type="slidenum">
               <a:rPr b="0" lang="en-US" sz="1200" spc="-1" strike="noStrike">
                 <a:solidFill>
                   <a:schemeClr val="dk1">
@@ -3179,6 +2433,66 @@
               <a:t>&lt;number&gt;</a:t>
             </a:fld>
             <a:endParaRPr b="0" lang="en-US" sz="1200" spc="-1" strike="noStrike">
+              <a:solidFill>
+                <a:srgbClr val="000000"/>
+              </a:solidFill>
+              <a:latin typeface="Times New Roman"/>
+            </a:endParaRPr>
+          </a:p>
+        </p:txBody>
+      </p:sp>
+      <p:sp>
+        <p:nvSpPr>
+          <p:cNvPr id="9" name="PlaceHolder 3"/>
+          <p:cNvSpPr>
+            <a:spLocks noGrp="1"/>
+          </p:cNvSpPr>
+          <p:nvPr>
+            <p:ph type="dt" idx="6"/>
+          </p:nvPr>
+        </p:nvSpPr>
+        <p:spPr>
+          <a:xfrm>
+            <a:off x="838080" y="6356520"/>
+            <a:ext cx="2742480" cy="364320"/>
+          </a:xfrm>
+          <a:prstGeom prst="rect">
+            <a:avLst/>
+          </a:prstGeom>
+          <a:noFill/>
+          <a:ln w="0">
+            <a:noFill/>
+          </a:ln>
+        </p:spPr>
+        <p:txBody>
+          <a:bodyPr lIns="91440" rIns="91440" tIns="45720" bIns="45720" anchor="ctr">
+            <a:noAutofit/>
+          </a:bodyPr>
+          <a:lstStyle>
+            <a:lvl1pPr indent="0">
+              <a:buNone/>
+              <a:defRPr b="0" lang="en-US" sz="1400" spc="-1" strike="noStrike">
+                <a:solidFill>
+                  <a:srgbClr val="000000"/>
+                </a:solidFill>
+                <a:latin typeface="Times New Roman"/>
+              </a:defRPr>
+            </a:lvl1pPr>
+          </a:lstStyle>
+          <a:p>
+            <a:pPr indent="0">
+              <a:buNone/>
+            </a:pPr>
+            <a:r>
+              <a:rPr b="0" lang="en-US" sz="1400" spc="-1" strike="noStrike">
+                <a:solidFill>
+                  <a:srgbClr val="000000"/>
+                </a:solidFill>
+                <a:latin typeface="Times New Roman"/>
+              </a:rPr>
+              <a:t>&lt;date/time&gt;</a:t>
+            </a:r>
+            <a:endParaRPr b="0" lang="en-US" sz="1400" spc="-1" strike="noStrike">
               <a:solidFill>
                 <a:srgbClr val="000000"/>
               </a:solidFill>
@@ -3222,319 +2536,18 @@
       </p:grpSpPr>
       <p:sp>
         <p:nvSpPr>
-          <p:cNvPr id="12" name="PlaceHolder 1"/>
+          <p:cNvPr id="10" name="PlaceHolder 1"/>
           <p:cNvSpPr>
             <a:spLocks noGrp="1"/>
           </p:cNvSpPr>
           <p:nvPr>
-            <p:ph type="title"/>
-          </p:nvPr>
-        </p:nvSpPr>
-        <p:spPr>
-          <a:xfrm>
-            <a:off x="8724960" y="365040"/>
-            <a:ext cx="2628720" cy="5811480"/>
-          </a:xfrm>
-          <a:prstGeom prst="rect">
-            <a:avLst/>
-          </a:prstGeom>
-          <a:noFill/>
-          <a:ln w="0">
-            <a:noFill/>
-          </a:ln>
-        </p:spPr>
-        <p:txBody>
-          <a:bodyPr lIns="91440" rIns="91440" tIns="45720" bIns="45720" anchor="ctr" vert="eaVert">
-            <a:noAutofit/>
-          </a:bodyPr>
-          <a:p>
-            <a:pPr indent="0" defTabSz="914400">
-              <a:lnSpc>
-                <a:spcPct val="90000"/>
-              </a:lnSpc>
-              <a:buNone/>
-            </a:pPr>
-            <a:r>
-              <a:rPr b="0" lang="en-US" sz="4400" spc="-1" strike="noStrike">
-                <a:solidFill>
-                  <a:schemeClr val="dk1"/>
-                </a:solidFill>
-                <a:latin typeface="Calibri Light"/>
-              </a:rPr>
-              <a:t>Click to edit Master title style</a:t>
-            </a:r>
-            <a:endParaRPr b="0" lang="en-US" sz="4400" spc="-1" strike="noStrike">
-              <a:solidFill>
-                <a:schemeClr val="dk1"/>
-              </a:solidFill>
-              <a:latin typeface="Calibri"/>
-            </a:endParaRPr>
-          </a:p>
-        </p:txBody>
-      </p:sp>
-      <p:sp>
-        <p:nvSpPr>
-          <p:cNvPr id="13" name="PlaceHolder 2"/>
-          <p:cNvSpPr>
-            <a:spLocks noGrp="1"/>
-          </p:cNvSpPr>
-          <p:nvPr>
-            <p:ph type="body"/>
-          </p:nvPr>
-        </p:nvSpPr>
-        <p:spPr>
-          <a:xfrm>
-            <a:off x="838080" y="365040"/>
-            <a:ext cx="7733880" cy="5811480"/>
-          </a:xfrm>
-          <a:prstGeom prst="rect">
-            <a:avLst/>
-          </a:prstGeom>
-          <a:noFill/>
-          <a:ln w="0">
-            <a:noFill/>
-          </a:ln>
-        </p:spPr>
-        <p:txBody>
-          <a:bodyPr lIns="91440" rIns="91440" tIns="45720" bIns="45720" anchor="t" vert="eaVert">
-            <a:noAutofit/>
-          </a:bodyPr>
-          <a:p>
-            <a:pPr marL="228600" indent="-228600" defTabSz="914400">
-              <a:lnSpc>
-                <a:spcPct val="90000"/>
-              </a:lnSpc>
-              <a:spcBef>
-                <a:spcPts val="1001"/>
-              </a:spcBef>
-              <a:buClr>
-                <a:srgbClr val="000000"/>
-              </a:buClr>
-              <a:buFont typeface="Arial"/>
-              <a:buChar char="•"/>
-            </a:pPr>
-            <a:r>
-              <a:rPr b="0" lang="en-US" sz="2800" spc="-1" strike="noStrike">
-                <a:solidFill>
-                  <a:schemeClr val="dk1"/>
-                </a:solidFill>
-                <a:latin typeface="Calibri"/>
-              </a:rPr>
-              <a:t>Click to edit Master text styles</a:t>
-            </a:r>
-            <a:endParaRPr b="0" lang="en-US" sz="2800" spc="-1" strike="noStrike">
-              <a:solidFill>
-                <a:schemeClr val="dk1"/>
-              </a:solidFill>
-              <a:latin typeface="Calibri"/>
-            </a:endParaRPr>
-          </a:p>
-          <a:p>
-            <a:pPr lvl="1" marL="685800" indent="-228600" defTabSz="914400">
-              <a:lnSpc>
-                <a:spcPct val="90000"/>
-              </a:lnSpc>
-              <a:spcBef>
-                <a:spcPts val="499"/>
-              </a:spcBef>
-              <a:buClr>
-                <a:srgbClr val="000000"/>
-              </a:buClr>
-              <a:buFont typeface="Arial"/>
-              <a:buChar char="•"/>
-            </a:pPr>
-            <a:r>
-              <a:rPr b="0" lang="en-US" sz="2400" spc="-1" strike="noStrike">
-                <a:solidFill>
-                  <a:schemeClr val="dk1"/>
-                </a:solidFill>
-                <a:latin typeface="Calibri"/>
-              </a:rPr>
-              <a:t>Second level</a:t>
-            </a:r>
-            <a:endParaRPr b="0" lang="en-US" sz="2400" spc="-1" strike="noStrike">
-              <a:solidFill>
-                <a:schemeClr val="dk1"/>
-              </a:solidFill>
-              <a:latin typeface="Calibri"/>
-            </a:endParaRPr>
-          </a:p>
-          <a:p>
-            <a:pPr lvl="2" marL="1143000" indent="-228600" defTabSz="914400">
-              <a:lnSpc>
-                <a:spcPct val="90000"/>
-              </a:lnSpc>
-              <a:spcBef>
-                <a:spcPts val="499"/>
-              </a:spcBef>
-              <a:buClr>
-                <a:srgbClr val="000000"/>
-              </a:buClr>
-              <a:buFont typeface="Arial"/>
-              <a:buChar char="•"/>
-            </a:pPr>
-            <a:r>
-              <a:rPr b="0" lang="en-US" sz="2000" spc="-1" strike="noStrike">
-                <a:solidFill>
-                  <a:schemeClr val="dk1"/>
-                </a:solidFill>
-                <a:latin typeface="Calibri"/>
-              </a:rPr>
-              <a:t>Third level</a:t>
-            </a:r>
-            <a:endParaRPr b="0" lang="en-US" sz="2000" spc="-1" strike="noStrike">
-              <a:solidFill>
-                <a:schemeClr val="dk1"/>
-              </a:solidFill>
-              <a:latin typeface="Calibri"/>
-            </a:endParaRPr>
-          </a:p>
-          <a:p>
-            <a:pPr lvl="3" marL="1600200" indent="-228600" defTabSz="914400">
-              <a:lnSpc>
-                <a:spcPct val="90000"/>
-              </a:lnSpc>
-              <a:spcBef>
-                <a:spcPts val="499"/>
-              </a:spcBef>
-              <a:buClr>
-                <a:srgbClr val="000000"/>
-              </a:buClr>
-              <a:buFont typeface="Arial"/>
-              <a:buChar char="•"/>
-            </a:pPr>
-            <a:r>
-              <a:rPr b="0" lang="en-US" sz="1800" spc="-1" strike="noStrike">
-                <a:solidFill>
-                  <a:schemeClr val="dk1"/>
-                </a:solidFill>
-                <a:latin typeface="Calibri"/>
-              </a:rPr>
-              <a:t>Fourth level</a:t>
-            </a:r>
-            <a:endParaRPr b="0" lang="en-US" sz="1800" spc="-1" strike="noStrike">
-              <a:solidFill>
-                <a:schemeClr val="dk1"/>
-              </a:solidFill>
-              <a:latin typeface="Calibri"/>
-            </a:endParaRPr>
-          </a:p>
-          <a:p>
-            <a:pPr lvl="4" marL="2057400" indent="-228600" defTabSz="914400">
-              <a:lnSpc>
-                <a:spcPct val="90000"/>
-              </a:lnSpc>
-              <a:spcBef>
-                <a:spcPts val="499"/>
-              </a:spcBef>
-              <a:buClr>
-                <a:srgbClr val="000000"/>
-              </a:buClr>
-              <a:buFont typeface="Arial"/>
-              <a:buChar char="•"/>
-            </a:pPr>
-            <a:r>
-              <a:rPr b="0" lang="en-US" sz="1800" spc="-1" strike="noStrike">
-                <a:solidFill>
-                  <a:schemeClr val="dk1"/>
-                </a:solidFill>
-                <a:latin typeface="Calibri"/>
-              </a:rPr>
-              <a:t>Fifth level</a:t>
-            </a:r>
-            <a:endParaRPr b="0" lang="en-US" sz="1800" spc="-1" strike="noStrike">
-              <a:solidFill>
-                <a:schemeClr val="dk1"/>
-              </a:solidFill>
-              <a:latin typeface="Calibri"/>
-            </a:endParaRPr>
-          </a:p>
-        </p:txBody>
-      </p:sp>
-      <p:sp>
-        <p:nvSpPr>
-          <p:cNvPr id="14" name="PlaceHolder 3"/>
-          <p:cNvSpPr>
-            <a:spLocks noGrp="1"/>
-          </p:cNvSpPr>
-          <p:nvPr>
-            <p:ph type="dt" idx="7"/>
-          </p:nvPr>
-        </p:nvSpPr>
-        <p:spPr>
-          <a:xfrm>
-            <a:off x="838080" y="6356520"/>
-            <a:ext cx="2742840" cy="364680"/>
-          </a:xfrm>
-          <a:prstGeom prst="rect">
-            <a:avLst/>
-          </a:prstGeom>
-          <a:noFill/>
-          <a:ln w="0">
-            <a:noFill/>
-          </a:ln>
-        </p:spPr>
-        <p:txBody>
-          <a:bodyPr lIns="91440" rIns="91440" tIns="45720" bIns="45720" anchor="ctr">
-            <a:noAutofit/>
-          </a:bodyPr>
-          <a:lstStyle>
-            <a:lvl1pPr indent="0" defTabSz="914400">
-              <a:lnSpc>
-                <a:spcPct val="100000"/>
-              </a:lnSpc>
-              <a:buNone/>
-              <a:defRPr b="0" lang="en-US" sz="1200" spc="-1" strike="noStrike">
-                <a:solidFill>
-                  <a:schemeClr val="dk1">
-                    <a:tint val="75000"/>
-                  </a:schemeClr>
-                </a:solidFill>
-                <a:latin typeface="Calibri"/>
-              </a:defRPr>
-            </a:lvl1pPr>
-          </a:lstStyle>
-          <a:p>
-            <a:pPr indent="0" defTabSz="914400">
-              <a:lnSpc>
-                <a:spcPct val="100000"/>
-              </a:lnSpc>
-              <a:buNone/>
-            </a:pPr>
-            <a:r>
-              <a:rPr b="0" lang="en-US" sz="1200" spc="-1" strike="noStrike">
-                <a:solidFill>
-                  <a:schemeClr val="dk1">
-                    <a:tint val="75000"/>
-                  </a:schemeClr>
-                </a:solidFill>
-                <a:latin typeface="Calibri"/>
-              </a:rPr>
-              <a:t>&lt;date/time&gt;</a:t>
-            </a:r>
-            <a:endParaRPr b="0" lang="en-US" sz="1200" spc="-1" strike="noStrike">
-              <a:solidFill>
-                <a:srgbClr val="000000"/>
-              </a:solidFill>
-              <a:latin typeface="Times New Roman"/>
-            </a:endParaRPr>
-          </a:p>
-        </p:txBody>
-      </p:sp>
-      <p:sp>
-        <p:nvSpPr>
-          <p:cNvPr id="15" name="PlaceHolder 4"/>
-          <p:cNvSpPr>
-            <a:spLocks noGrp="1"/>
-          </p:cNvSpPr>
-          <p:nvPr>
-            <p:ph type="ftr" idx="8"/>
+            <p:ph type="ftr" idx="7"/>
           </p:nvPr>
         </p:nvSpPr>
         <p:spPr>
           <a:xfrm>
             <a:off x="4038480" y="6356520"/>
-            <a:ext cx="4114440" cy="364680"/>
+            <a:ext cx="4114080" cy="364320"/>
           </a:xfrm>
           <a:prstGeom prst="rect">
             <a:avLst/>
@@ -3550,7 +2563,13 @@
           </a:bodyPr>
           <a:lstStyle>
             <a:lvl1pPr indent="0" algn="ctr">
+              <a:lnSpc>
+                <a:spcPct val="100000"/>
+              </a:lnSpc>
               <a:buNone/>
+              <a:tabLst>
+                <a:tab algn="l" pos="0"/>
+              </a:tabLst>
               <a:defRPr b="0" lang="en-US" sz="1400" spc="-1" strike="noStrike">
                 <a:solidFill>
                   <a:srgbClr val="000000"/>
@@ -3561,7 +2580,13 @@
           </a:lstStyle>
           <a:p>
             <a:pPr indent="0" algn="ctr">
+              <a:lnSpc>
+                <a:spcPct val="100000"/>
+              </a:lnSpc>
               <a:buNone/>
+              <a:tabLst>
+                <a:tab algn="l" pos="0"/>
+              </a:tabLst>
             </a:pPr>
             <a:r>
               <a:rPr b="0" lang="en-US" sz="1400" spc="-1" strike="noStrike">
@@ -3583,18 +2608,18 @@
       </p:sp>
       <p:sp>
         <p:nvSpPr>
-          <p:cNvPr id="16" name="PlaceHolder 5"/>
+          <p:cNvPr id="11" name="PlaceHolder 2"/>
           <p:cNvSpPr>
             <a:spLocks noGrp="1"/>
           </p:cNvSpPr>
           <p:nvPr>
-            <p:ph type="sldNum" idx="9"/>
+            <p:ph type="sldNum" idx="8"/>
           </p:nvPr>
         </p:nvSpPr>
         <p:spPr>
           <a:xfrm>
             <a:off x="8610480" y="6356520"/>
-            <a:ext cx="2742840" cy="364680"/>
+            <a:ext cx="2742480" cy="364320"/>
           </a:xfrm>
           <a:prstGeom prst="rect">
             <a:avLst/>
@@ -3614,6 +2639,9 @@
                 <a:spcPct val="100000"/>
               </a:lnSpc>
               <a:buNone/>
+              <a:tabLst>
+                <a:tab algn="l" pos="0"/>
+              </a:tabLst>
               <a:defRPr b="0" lang="en-US" sz="1200" spc="-1" strike="noStrike">
                 <a:solidFill>
                   <a:schemeClr val="dk1">
@@ -3630,8 +2658,11 @@
                 <a:spcPct val="100000"/>
               </a:lnSpc>
               <a:buNone/>
-            </a:pPr>
-            <a:fld id="{9530ADB3-1174-4A80-99B3-A74626AA027E}" type="slidenum">
+              <a:tabLst>
+                <a:tab algn="l" pos="0"/>
+              </a:tabLst>
+            </a:pPr>
+            <a:fld id="{8C98230A-6D62-4B0E-84AF-DF5592A3A2CE}" type="slidenum">
               <a:rPr b="0" lang="en-US" sz="1200" spc="-1" strike="noStrike">
                 <a:solidFill>
                   <a:schemeClr val="dk1">
@@ -3643,6 +2674,66 @@
               <a:t>&lt;number&gt;</a:t>
             </a:fld>
             <a:endParaRPr b="0" lang="en-US" sz="1200" spc="-1" strike="noStrike">
+              <a:solidFill>
+                <a:srgbClr val="000000"/>
+              </a:solidFill>
+              <a:latin typeface="Times New Roman"/>
+            </a:endParaRPr>
+          </a:p>
+        </p:txBody>
+      </p:sp>
+      <p:sp>
+        <p:nvSpPr>
+          <p:cNvPr id="12" name="PlaceHolder 3"/>
+          <p:cNvSpPr>
+            <a:spLocks noGrp="1"/>
+          </p:cNvSpPr>
+          <p:nvPr>
+            <p:ph type="dt" idx="9"/>
+          </p:nvPr>
+        </p:nvSpPr>
+        <p:spPr>
+          <a:xfrm>
+            <a:off x="838080" y="6356520"/>
+            <a:ext cx="2742480" cy="364320"/>
+          </a:xfrm>
+          <a:prstGeom prst="rect">
+            <a:avLst/>
+          </a:prstGeom>
+          <a:noFill/>
+          <a:ln w="0">
+            <a:noFill/>
+          </a:ln>
+        </p:spPr>
+        <p:txBody>
+          <a:bodyPr lIns="91440" rIns="91440" tIns="45720" bIns="45720" anchor="ctr">
+            <a:noAutofit/>
+          </a:bodyPr>
+          <a:lstStyle>
+            <a:lvl1pPr indent="0">
+              <a:buNone/>
+              <a:defRPr b="0" lang="en-US" sz="1400" spc="-1" strike="noStrike">
+                <a:solidFill>
+                  <a:srgbClr val="000000"/>
+                </a:solidFill>
+                <a:latin typeface="Times New Roman"/>
+              </a:defRPr>
+            </a:lvl1pPr>
+          </a:lstStyle>
+          <a:p>
+            <a:pPr indent="0">
+              <a:buNone/>
+            </a:pPr>
+            <a:r>
+              <a:rPr b="0" lang="en-US" sz="1400" spc="-1" strike="noStrike">
+                <a:solidFill>
+                  <a:srgbClr val="000000"/>
+                </a:solidFill>
+                <a:latin typeface="Times New Roman"/>
+              </a:rPr>
+              <a:t>&lt;date/time&gt;</a:t>
+            </a:r>
+            <a:endParaRPr b="0" lang="en-US" sz="1400" spc="-1" strike="noStrike">
               <a:solidFill>
                 <a:srgbClr val="000000"/>
               </a:solidFill>
@@ -3686,7 +2777,7 @@
       </p:grpSpPr>
       <p:sp>
         <p:nvSpPr>
-          <p:cNvPr id="17" name="PlaceHolder 1"/>
+          <p:cNvPr id="13" name="PlaceHolder 1"/>
           <p:cNvSpPr>
             <a:spLocks noGrp="1"/>
           </p:cNvSpPr>
@@ -3697,7 +2788,7 @@
         <p:spPr>
           <a:xfrm>
             <a:off x="838080" y="365040"/>
-            <a:ext cx="10515240" cy="1325160"/>
+            <a:ext cx="10514880" cy="1324800"/>
           </a:xfrm>
           <a:prstGeom prst="rect">
             <a:avLst/>
@@ -3708,37 +2799,34 @@
           </a:ln>
         </p:spPr>
         <p:txBody>
-          <a:bodyPr lIns="91440" rIns="91440" tIns="45720" bIns="45720" anchor="ctr">
+          <a:bodyPr lIns="0" rIns="0" tIns="0" bIns="0" anchor="ctr">
             <a:noAutofit/>
           </a:bodyPr>
           <a:p>
-            <a:pPr indent="0" defTabSz="914400">
-              <a:lnSpc>
-                <a:spcPct val="90000"/>
-              </a:lnSpc>
+            <a:pPr indent="0">
               <a:buNone/>
             </a:pPr>
             <a:r>
-              <a:rPr b="0" lang="en-US" sz="4400" spc="-1" strike="noStrike">
-                <a:solidFill>
-                  <a:schemeClr val="dk1"/>
-                </a:solidFill>
-                <a:latin typeface="Calibri Light"/>
-              </a:rPr>
-              <a:t>Click to edit Master title style</a:t>
-            </a:r>
-            <a:endParaRPr b="0" lang="en-US" sz="4400" spc="-1" strike="noStrike">
-              <a:solidFill>
-                <a:schemeClr val="dk1"/>
-              </a:solidFill>
-              <a:latin typeface="Calibri"/>
+              <a:rPr b="0" lang="en-US" sz="1800" spc="-1" strike="noStrike">
+                <a:solidFill>
+                  <a:srgbClr val="000000"/>
+                </a:solidFill>
+                <a:latin typeface="Arial"/>
+              </a:rPr>
+              <a:t>Click to edit the title text format</a:t>
+            </a:r>
+            <a:endParaRPr b="0" lang="en-US" sz="1800" spc="-1" strike="noStrike">
+              <a:solidFill>
+                <a:srgbClr val="000000"/>
+              </a:solidFill>
+              <a:latin typeface="Arial"/>
             </a:endParaRPr>
           </a:p>
         </p:txBody>
       </p:sp>
       <p:sp>
         <p:nvSpPr>
-          <p:cNvPr id="18" name="PlaceHolder 2"/>
+          <p:cNvPr id="14" name="PlaceHolder 2"/>
           <p:cNvSpPr>
             <a:spLocks noGrp="1"/>
           </p:cNvSpPr>
@@ -3748,8 +2836,8 @@
         </p:nvSpPr>
         <p:spPr>
           <a:xfrm>
-            <a:off x="838080" y="1825560"/>
-            <a:ext cx="10515240" cy="4350960"/>
+            <a:off x="609480" y="1604520"/>
+            <a:ext cx="10972080" cy="3976920"/>
           </a:xfrm>
           <a:prstGeom prst="rect">
             <a:avLst/>
@@ -3760,245 +2848,221 @@
           </a:ln>
         </p:spPr>
         <p:txBody>
-          <a:bodyPr lIns="91440" rIns="91440" tIns="45720" bIns="45720" anchor="t">
-            <a:noAutofit/>
+          <a:bodyPr lIns="0" rIns="0" tIns="0" bIns="0" anchor="t">
+            <a:normAutofit/>
           </a:bodyPr>
           <a:p>
-            <a:pPr marL="228600" indent="-228600" defTabSz="914400">
-              <a:lnSpc>
-                <a:spcPct val="90000"/>
-              </a:lnSpc>
+            <a:pPr marL="432000" indent="-324000">
               <a:spcBef>
-                <a:spcPts val="1001"/>
+                <a:spcPts val="1417"/>
               </a:spcBef>
               <a:buClr>
                 <a:srgbClr val="000000"/>
               </a:buClr>
-              <a:buFont typeface="Arial"/>
-              <a:buChar char="•"/>
-            </a:pPr>
-            <a:r>
-              <a:rPr b="0" lang="en-US" sz="2800" spc="-1" strike="noStrike">
-                <a:solidFill>
-                  <a:schemeClr val="dk1"/>
-                </a:solidFill>
-                <a:latin typeface="Calibri"/>
-              </a:rPr>
-              <a:t>Click to edit Master text styles</a:t>
-            </a:r>
-            <a:endParaRPr b="0" lang="en-US" sz="2800" spc="-1" strike="noStrike">
-              <a:solidFill>
-                <a:schemeClr val="dk1"/>
-              </a:solidFill>
-              <a:latin typeface="Calibri"/>
-            </a:endParaRPr>
-          </a:p>
-          <a:p>
-            <a:pPr lvl="1" marL="685800" indent="-228600" defTabSz="914400">
-              <a:lnSpc>
-                <a:spcPct val="90000"/>
-              </a:lnSpc>
+              <a:buSzPct val="45000"/>
+              <a:buFont typeface="Wingdings" charset="2"/>
+              <a:buChar char=""/>
+            </a:pPr>
+            <a:r>
+              <a:rPr b="0" lang="en-US" sz="1800" spc="-1" strike="noStrike">
+                <a:solidFill>
+                  <a:srgbClr val="000000"/>
+                </a:solidFill>
+                <a:latin typeface="Arial"/>
+              </a:rPr>
+              <a:t>Click to edit the outline text format</a:t>
+            </a:r>
+            <a:endParaRPr b="0" lang="en-US" sz="1800" spc="-1" strike="noStrike">
+              <a:solidFill>
+                <a:srgbClr val="000000"/>
+              </a:solidFill>
+              <a:latin typeface="Arial"/>
+            </a:endParaRPr>
+          </a:p>
+          <a:p>
+            <a:pPr lvl="1" marL="864000" indent="-324000">
               <a:spcBef>
-                <a:spcPts val="499"/>
+                <a:spcPts val="1134"/>
               </a:spcBef>
               <a:buClr>
                 <a:srgbClr val="000000"/>
               </a:buClr>
-              <a:buFont typeface="Arial"/>
-              <a:buChar char="•"/>
-            </a:pPr>
-            <a:r>
-              <a:rPr b="0" lang="en-US" sz="2400" spc="-1" strike="noStrike">
-                <a:solidFill>
-                  <a:schemeClr val="dk1"/>
-                </a:solidFill>
-                <a:latin typeface="Calibri"/>
-              </a:rPr>
-              <a:t>Second level</a:t>
-            </a:r>
-            <a:endParaRPr b="0" lang="en-US" sz="2400" spc="-1" strike="noStrike">
-              <a:solidFill>
-                <a:schemeClr val="dk1"/>
-              </a:solidFill>
-              <a:latin typeface="Calibri"/>
-            </a:endParaRPr>
-          </a:p>
-          <a:p>
-            <a:pPr lvl="2" marL="1143000" indent="-228600" defTabSz="914400">
-              <a:lnSpc>
-                <a:spcPct val="90000"/>
-              </a:lnSpc>
+              <a:buSzPct val="75000"/>
+              <a:buFont typeface="Symbol" charset="2"/>
+              <a:buChar char=""/>
+            </a:pPr>
+            <a:r>
+              <a:rPr b="0" lang="en-US" sz="1800" spc="-1" strike="noStrike">
+                <a:solidFill>
+                  <a:srgbClr val="000000"/>
+                </a:solidFill>
+                <a:latin typeface="Arial"/>
+              </a:rPr>
+              <a:t>Second Outline Level</a:t>
+            </a:r>
+            <a:endParaRPr b="0" lang="en-US" sz="1800" spc="-1" strike="noStrike">
+              <a:solidFill>
+                <a:srgbClr val="000000"/>
+              </a:solidFill>
+              <a:latin typeface="Arial"/>
+            </a:endParaRPr>
+          </a:p>
+          <a:p>
+            <a:pPr lvl="2" marL="1296000" indent="-288000">
               <a:spcBef>
-                <a:spcPts val="499"/>
+                <a:spcPts val="850"/>
               </a:spcBef>
               <a:buClr>
                 <a:srgbClr val="000000"/>
               </a:buClr>
-              <a:buFont typeface="Arial"/>
-              <a:buChar char="•"/>
-            </a:pPr>
-            <a:r>
-              <a:rPr b="0" lang="en-US" sz="2000" spc="-1" strike="noStrike">
-                <a:solidFill>
-                  <a:schemeClr val="dk1"/>
-                </a:solidFill>
-                <a:latin typeface="Calibri"/>
-              </a:rPr>
-              <a:t>Third level</a:t>
-            </a:r>
-            <a:endParaRPr b="0" lang="en-US" sz="2000" spc="-1" strike="noStrike">
-              <a:solidFill>
-                <a:schemeClr val="dk1"/>
-              </a:solidFill>
-              <a:latin typeface="Calibri"/>
-            </a:endParaRPr>
-          </a:p>
-          <a:p>
-            <a:pPr lvl="3" marL="1600200" indent="-228600" defTabSz="914400">
-              <a:lnSpc>
-                <a:spcPct val="90000"/>
-              </a:lnSpc>
+              <a:buSzPct val="45000"/>
+              <a:buFont typeface="Wingdings" charset="2"/>
+              <a:buChar char=""/>
+            </a:pPr>
+            <a:r>
+              <a:rPr b="0" lang="en-US" sz="1800" spc="-1" strike="noStrike">
+                <a:solidFill>
+                  <a:srgbClr val="000000"/>
+                </a:solidFill>
+                <a:latin typeface="Arial"/>
+              </a:rPr>
+              <a:t>Third Outline Level</a:t>
+            </a:r>
+            <a:endParaRPr b="0" lang="en-US" sz="1800" spc="-1" strike="noStrike">
+              <a:solidFill>
+                <a:srgbClr val="000000"/>
+              </a:solidFill>
+              <a:latin typeface="Arial"/>
+            </a:endParaRPr>
+          </a:p>
+          <a:p>
+            <a:pPr lvl="3" marL="1728000" indent="-216000">
               <a:spcBef>
-                <a:spcPts val="499"/>
+                <a:spcPts val="567"/>
               </a:spcBef>
               <a:buClr>
                 <a:srgbClr val="000000"/>
               </a:buClr>
-              <a:buFont typeface="Arial"/>
-              <a:buChar char="•"/>
+              <a:buSzPct val="75000"/>
+              <a:buFont typeface="Symbol" charset="2"/>
+              <a:buChar char=""/>
             </a:pPr>
             <a:r>
               <a:rPr b="0" lang="en-US" sz="1800" spc="-1" strike="noStrike">
                 <a:solidFill>
-                  <a:schemeClr val="dk1"/>
-                </a:solidFill>
-                <a:latin typeface="Calibri"/>
-              </a:rPr>
-              <a:t>Fourth level</a:t>
+                  <a:srgbClr val="000000"/>
+                </a:solidFill>
+                <a:latin typeface="Arial"/>
+              </a:rPr>
+              <a:t>Fourth Outline Level</a:t>
             </a:r>
             <a:endParaRPr b="0" lang="en-US" sz="1800" spc="-1" strike="noStrike">
               <a:solidFill>
-                <a:schemeClr val="dk1"/>
-              </a:solidFill>
-              <a:latin typeface="Calibri"/>
-            </a:endParaRPr>
-          </a:p>
-          <a:p>
-            <a:pPr lvl="4" marL="2057400" indent="-228600" defTabSz="914400">
-              <a:lnSpc>
-                <a:spcPct val="90000"/>
-              </a:lnSpc>
+                <a:srgbClr val="000000"/>
+              </a:solidFill>
+              <a:latin typeface="Arial"/>
+            </a:endParaRPr>
+          </a:p>
+          <a:p>
+            <a:pPr lvl="4" marL="2160000" indent="-216000">
               <a:spcBef>
-                <a:spcPts val="499"/>
+                <a:spcPts val="283"/>
               </a:spcBef>
               <a:buClr>
                 <a:srgbClr val="000000"/>
               </a:buClr>
-              <a:buFont typeface="Arial"/>
-              <a:buChar char="•"/>
+              <a:buSzPct val="45000"/>
+              <a:buFont typeface="Wingdings" charset="2"/>
+              <a:buChar char=""/>
             </a:pPr>
             <a:r>
               <a:rPr b="0" lang="en-US" sz="1800" spc="-1" strike="noStrike">
                 <a:solidFill>
-                  <a:schemeClr val="dk1"/>
-                </a:solidFill>
-                <a:latin typeface="Calibri"/>
-              </a:rPr>
-              <a:t>Fifth level</a:t>
+                  <a:srgbClr val="000000"/>
+                </a:solidFill>
+                <a:latin typeface="Arial"/>
+              </a:rPr>
+              <a:t>Fifth Outline Level</a:t>
             </a:r>
             <a:endParaRPr b="0" lang="en-US" sz="1800" spc="-1" strike="noStrike">
               <a:solidFill>
-                <a:schemeClr val="dk1"/>
-              </a:solidFill>
-              <a:latin typeface="Calibri"/>
+                <a:srgbClr val="000000"/>
+              </a:solidFill>
+              <a:latin typeface="Arial"/>
+            </a:endParaRPr>
+          </a:p>
+          <a:p>
+            <a:pPr lvl="5" marL="2592000" indent="-216000">
+              <a:spcBef>
+                <a:spcPts val="283"/>
+              </a:spcBef>
+              <a:buClr>
+                <a:srgbClr val="000000"/>
+              </a:buClr>
+              <a:buSzPct val="45000"/>
+              <a:buFont typeface="Wingdings" charset="2"/>
+              <a:buChar char=""/>
+            </a:pPr>
+            <a:r>
+              <a:rPr b="0" lang="en-US" sz="1800" spc="-1" strike="noStrike">
+                <a:solidFill>
+                  <a:srgbClr val="000000"/>
+                </a:solidFill>
+                <a:latin typeface="Arial"/>
+              </a:rPr>
+              <a:t>Sixth Outline Level</a:t>
+            </a:r>
+            <a:endParaRPr b="0" lang="en-US" sz="1800" spc="-1" strike="noStrike">
+              <a:solidFill>
+                <a:srgbClr val="000000"/>
+              </a:solidFill>
+              <a:latin typeface="Arial"/>
+            </a:endParaRPr>
+          </a:p>
+          <a:p>
+            <a:pPr lvl="6" marL="3024000" indent="-216000">
+              <a:spcBef>
+                <a:spcPts val="283"/>
+              </a:spcBef>
+              <a:buClr>
+                <a:srgbClr val="000000"/>
+              </a:buClr>
+              <a:buSzPct val="45000"/>
+              <a:buFont typeface="Wingdings" charset="2"/>
+              <a:buChar char=""/>
+            </a:pPr>
+            <a:r>
+              <a:rPr b="0" lang="en-US" sz="1800" spc="-1" strike="noStrike">
+                <a:solidFill>
+                  <a:srgbClr val="000000"/>
+                </a:solidFill>
+                <a:latin typeface="Arial"/>
+              </a:rPr>
+              <a:t>Seventh Outline Level</a:t>
+            </a:r>
+            <a:endParaRPr b="0" lang="en-US" sz="1800" spc="-1" strike="noStrike">
+              <a:solidFill>
+                <a:srgbClr val="000000"/>
+              </a:solidFill>
+              <a:latin typeface="Arial"/>
             </a:endParaRPr>
           </a:p>
         </p:txBody>
       </p:sp>
       <p:sp>
         <p:nvSpPr>
-          <p:cNvPr id="19" name="PlaceHolder 3"/>
+          <p:cNvPr id="15" name="PlaceHolder 3"/>
           <p:cNvSpPr>
             <a:spLocks noGrp="1"/>
           </p:cNvSpPr>
           <p:nvPr>
-            <p:ph type="dt" idx="10"/>
-          </p:nvPr>
-        </p:nvSpPr>
-        <p:spPr>
-          <a:xfrm>
-            <a:off x="838080" y="6356520"/>
-            <a:ext cx="2742840" cy="364680"/>
-          </a:xfrm>
-          <a:prstGeom prst="rect">
-            <a:avLst/>
-          </a:prstGeom>
-          <a:noFill/>
-          <a:ln w="0">
-            <a:noFill/>
-          </a:ln>
-        </p:spPr>
-        <p:txBody>
-          <a:bodyPr lIns="91440" rIns="91440" tIns="45720" bIns="45720" anchor="ctr">
-            <a:noAutofit/>
-          </a:bodyPr>
-          <a:lstStyle>
-            <a:lvl1pPr indent="0" defTabSz="914400">
-              <a:lnSpc>
-                <a:spcPct val="100000"/>
-              </a:lnSpc>
-              <a:buNone/>
-              <a:defRPr b="0" lang="en-US" sz="1200" spc="-1" strike="noStrike">
-                <a:solidFill>
-                  <a:schemeClr val="dk1">
-                    <a:tint val="75000"/>
-                  </a:schemeClr>
-                </a:solidFill>
-                <a:latin typeface="Calibri"/>
-              </a:defRPr>
-            </a:lvl1pPr>
-          </a:lstStyle>
-          <a:p>
-            <a:pPr indent="0" defTabSz="914400">
-              <a:lnSpc>
-                <a:spcPct val="100000"/>
-              </a:lnSpc>
-              <a:buNone/>
-            </a:pPr>
-            <a:r>
-              <a:rPr b="0" lang="en-US" sz="1200" spc="-1" strike="noStrike">
-                <a:solidFill>
-                  <a:schemeClr val="dk1">
-                    <a:tint val="75000"/>
-                  </a:schemeClr>
-                </a:solidFill>
-                <a:latin typeface="Calibri"/>
-              </a:rPr>
-              <a:t>&lt;date/time&gt;</a:t>
-            </a:r>
-            <a:endParaRPr b="0" lang="en-US" sz="1200" spc="-1" strike="noStrike">
-              <a:solidFill>
-                <a:srgbClr val="000000"/>
-              </a:solidFill>
-              <a:latin typeface="Times New Roman"/>
-            </a:endParaRPr>
-          </a:p>
-        </p:txBody>
-      </p:sp>
-      <p:sp>
-        <p:nvSpPr>
-          <p:cNvPr id="20" name="PlaceHolder 4"/>
-          <p:cNvSpPr>
-            <a:spLocks noGrp="1"/>
-          </p:cNvSpPr>
-          <p:nvPr>
-            <p:ph type="ftr" idx="11"/>
+            <p:ph type="ftr" idx="10"/>
           </p:nvPr>
         </p:nvSpPr>
         <p:spPr>
           <a:xfrm>
             <a:off x="4038480" y="6356520"/>
-            <a:ext cx="4114440" cy="364680"/>
+            <a:ext cx="4114080" cy="364320"/>
           </a:xfrm>
           <a:prstGeom prst="rect">
             <a:avLst/>
@@ -4014,7 +3078,13 @@
           </a:bodyPr>
           <a:lstStyle>
             <a:lvl1pPr indent="0" algn="ctr">
+              <a:lnSpc>
+                <a:spcPct val="100000"/>
+              </a:lnSpc>
               <a:buNone/>
+              <a:tabLst>
+                <a:tab algn="l" pos="0"/>
+              </a:tabLst>
               <a:defRPr b="0" lang="en-US" sz="1400" spc="-1" strike="noStrike">
                 <a:solidFill>
                   <a:srgbClr val="000000"/>
@@ -4025,7 +3095,13 @@
           </a:lstStyle>
           <a:p>
             <a:pPr indent="0" algn="ctr">
+              <a:lnSpc>
+                <a:spcPct val="100000"/>
+              </a:lnSpc>
               <a:buNone/>
+              <a:tabLst>
+                <a:tab algn="l" pos="0"/>
+              </a:tabLst>
             </a:pPr>
             <a:r>
               <a:rPr b="0" lang="en-US" sz="1400" spc="-1" strike="noStrike">
@@ -4047,18 +3123,18 @@
       </p:sp>
       <p:sp>
         <p:nvSpPr>
-          <p:cNvPr id="21" name="PlaceHolder 5"/>
+          <p:cNvPr id="16" name="PlaceHolder 4"/>
           <p:cNvSpPr>
             <a:spLocks noGrp="1"/>
           </p:cNvSpPr>
           <p:nvPr>
-            <p:ph type="sldNum" idx="12"/>
+            <p:ph type="sldNum" idx="11"/>
           </p:nvPr>
         </p:nvSpPr>
         <p:spPr>
           <a:xfrm>
             <a:off x="8610480" y="6356520"/>
-            <a:ext cx="2742840" cy="364680"/>
+            <a:ext cx="2742480" cy="364320"/>
           </a:xfrm>
           <a:prstGeom prst="rect">
             <a:avLst/>
@@ -4078,6 +3154,9 @@
                 <a:spcPct val="100000"/>
               </a:lnSpc>
               <a:buNone/>
+              <a:tabLst>
+                <a:tab algn="l" pos="0"/>
+              </a:tabLst>
               <a:defRPr b="0" lang="en-US" sz="1200" spc="-1" strike="noStrike">
                 <a:solidFill>
                   <a:schemeClr val="dk1">
@@ -4094,8 +3173,11 @@
                 <a:spcPct val="100000"/>
               </a:lnSpc>
               <a:buNone/>
-            </a:pPr>
-            <a:fld id="{376D1FF9-7482-4F4A-A9C3-D379928F46C1}" type="slidenum">
+              <a:tabLst>
+                <a:tab algn="l" pos="0"/>
+              </a:tabLst>
+            </a:pPr>
+            <a:fld id="{BEEE2BC8-D1FD-4582-8D45-C34A701764AA}" type="slidenum">
               <a:rPr b="0" lang="en-US" sz="1200" spc="-1" strike="noStrike">
                 <a:solidFill>
                   <a:schemeClr val="dk1">
@@ -4107,6 +3189,66 @@
               <a:t>&lt;number&gt;</a:t>
             </a:fld>
             <a:endParaRPr b="0" lang="en-US" sz="1200" spc="-1" strike="noStrike">
+              <a:solidFill>
+                <a:srgbClr val="000000"/>
+              </a:solidFill>
+              <a:latin typeface="Times New Roman"/>
+            </a:endParaRPr>
+          </a:p>
+        </p:txBody>
+      </p:sp>
+      <p:sp>
+        <p:nvSpPr>
+          <p:cNvPr id="17" name="PlaceHolder 5"/>
+          <p:cNvSpPr>
+            <a:spLocks noGrp="1"/>
+          </p:cNvSpPr>
+          <p:nvPr>
+            <p:ph type="dt" idx="12"/>
+          </p:nvPr>
+        </p:nvSpPr>
+        <p:spPr>
+          <a:xfrm>
+            <a:off x="838080" y="6356520"/>
+            <a:ext cx="2742480" cy="364320"/>
+          </a:xfrm>
+          <a:prstGeom prst="rect">
+            <a:avLst/>
+          </a:prstGeom>
+          <a:noFill/>
+          <a:ln w="0">
+            <a:noFill/>
+          </a:ln>
+        </p:spPr>
+        <p:txBody>
+          <a:bodyPr lIns="91440" rIns="91440" tIns="45720" bIns="45720" anchor="ctr">
+            <a:noAutofit/>
+          </a:bodyPr>
+          <a:lstStyle>
+            <a:lvl1pPr indent="0">
+              <a:buNone/>
+              <a:defRPr b="0" lang="en-US" sz="1400" spc="-1" strike="noStrike">
+                <a:solidFill>
+                  <a:srgbClr val="000000"/>
+                </a:solidFill>
+                <a:latin typeface="Times New Roman"/>
+              </a:defRPr>
+            </a:lvl1pPr>
+          </a:lstStyle>
+          <a:p>
+            <a:pPr indent="0">
+              <a:buNone/>
+            </a:pPr>
+            <a:r>
+              <a:rPr b="0" lang="en-US" sz="1400" spc="-1" strike="noStrike">
+                <a:solidFill>
+                  <a:srgbClr val="000000"/>
+                </a:solidFill>
+                <a:latin typeface="Times New Roman"/>
+              </a:rPr>
+              <a:t>&lt;date/time&gt;</a:t>
+            </a:r>
+            <a:endParaRPr b="0" lang="en-US" sz="1400" spc="-1" strike="noStrike">
               <a:solidFill>
                 <a:srgbClr val="000000"/>
               </a:solidFill>
@@ -4150,200 +3292,18 @@
       </p:grpSpPr>
       <p:sp>
         <p:nvSpPr>
-          <p:cNvPr id="24" name="PlaceHolder 1"/>
+          <p:cNvPr id="20" name="PlaceHolder 1"/>
           <p:cNvSpPr>
             <a:spLocks noGrp="1"/>
           </p:cNvSpPr>
           <p:nvPr>
-            <p:ph type="title"/>
-          </p:nvPr>
-        </p:nvSpPr>
-        <p:spPr>
-          <a:xfrm>
-            <a:off x="831960" y="1709640"/>
-            <a:ext cx="10515240" cy="2852280"/>
-          </a:xfrm>
-          <a:prstGeom prst="rect">
-            <a:avLst/>
-          </a:prstGeom>
-          <a:noFill/>
-          <a:ln w="0">
-            <a:noFill/>
-          </a:ln>
-        </p:spPr>
-        <p:txBody>
-          <a:bodyPr lIns="91440" rIns="91440" tIns="45720" bIns="45720" anchor="b">
-            <a:noAutofit/>
-          </a:bodyPr>
-          <a:p>
-            <a:pPr indent="0" defTabSz="914400">
-              <a:lnSpc>
-                <a:spcPct val="90000"/>
-              </a:lnSpc>
-              <a:buNone/>
-            </a:pPr>
-            <a:r>
-              <a:rPr b="0" lang="en-US" sz="6000" spc="-1" strike="noStrike">
-                <a:solidFill>
-                  <a:schemeClr val="dk1"/>
-                </a:solidFill>
-                <a:latin typeface="Calibri Light"/>
-              </a:rPr>
-              <a:t>Click to edit Master title style</a:t>
-            </a:r>
-            <a:endParaRPr b="0" lang="en-US" sz="6000" spc="-1" strike="noStrike">
-              <a:solidFill>
-                <a:schemeClr val="dk1"/>
-              </a:solidFill>
-              <a:latin typeface="Calibri"/>
-            </a:endParaRPr>
-          </a:p>
-        </p:txBody>
-      </p:sp>
-      <p:sp>
-        <p:nvSpPr>
-          <p:cNvPr id="25" name="PlaceHolder 2"/>
-          <p:cNvSpPr>
-            <a:spLocks noGrp="1"/>
-          </p:cNvSpPr>
-          <p:nvPr>
-            <p:ph type="body"/>
-          </p:nvPr>
-        </p:nvSpPr>
-        <p:spPr>
-          <a:xfrm>
-            <a:off x="831960" y="4589640"/>
-            <a:ext cx="10515240" cy="1499760"/>
-          </a:xfrm>
-          <a:prstGeom prst="rect">
-            <a:avLst/>
-          </a:prstGeom>
-          <a:noFill/>
-          <a:ln w="0">
-            <a:noFill/>
-          </a:ln>
-        </p:spPr>
-        <p:txBody>
-          <a:bodyPr lIns="91440" rIns="91440" tIns="45720" bIns="45720" anchor="t">
-            <a:noAutofit/>
-          </a:bodyPr>
-          <a:p>
-            <a:pPr indent="0" defTabSz="914400">
-              <a:lnSpc>
-                <a:spcPct val="90000"/>
-              </a:lnSpc>
-              <a:spcBef>
-                <a:spcPts val="1001"/>
-              </a:spcBef>
-              <a:buNone/>
-              <a:tabLst>
-                <a:tab algn="l" pos="0"/>
-              </a:tabLst>
-            </a:pPr>
-            <a:r>
-              <a:rPr b="0" lang="en-US" sz="2400" spc="-1" strike="noStrike">
-                <a:solidFill>
-                  <a:schemeClr val="dk1">
-                    <a:tint val="75000"/>
-                  </a:schemeClr>
-                </a:solidFill>
-                <a:latin typeface="Calibri"/>
-              </a:rPr>
-              <a:t>Click to edit Master text styles</a:t>
-            </a:r>
-            <a:endParaRPr b="0" lang="en-US" sz="2400" spc="-1" strike="noStrike">
-              <a:solidFill>
-                <a:schemeClr val="dk1"/>
-              </a:solidFill>
-              <a:latin typeface="Calibri"/>
-            </a:endParaRPr>
-          </a:p>
-        </p:txBody>
-      </p:sp>
-      <p:sp>
-        <p:nvSpPr>
-          <p:cNvPr id="26" name="PlaceHolder 3"/>
-          <p:cNvSpPr>
-            <a:spLocks noGrp="1"/>
-          </p:cNvSpPr>
-          <p:nvPr>
-            <p:ph type="dt" idx="13"/>
-          </p:nvPr>
-        </p:nvSpPr>
-        <p:spPr>
-          <a:xfrm>
-            <a:off x="838080" y="6356520"/>
-            <a:ext cx="2742840" cy="364680"/>
-          </a:xfrm>
-          <a:prstGeom prst="rect">
-            <a:avLst/>
-          </a:prstGeom>
-          <a:noFill/>
-          <a:ln w="0">
-            <a:noFill/>
-          </a:ln>
-        </p:spPr>
-        <p:txBody>
-          <a:bodyPr lIns="91440" rIns="91440" tIns="45720" bIns="45720" anchor="ctr">
-            <a:noAutofit/>
-          </a:bodyPr>
-          <a:lstStyle>
-            <a:lvl1pPr indent="0" defTabSz="914400">
-              <a:lnSpc>
-                <a:spcPct val="100000"/>
-              </a:lnSpc>
-              <a:buNone/>
-              <a:defRPr b="0" lang="en-US" sz="1200" spc="-1" strike="noStrike">
-                <a:solidFill>
-                  <a:schemeClr val="dk1">
-                    <a:tint val="75000"/>
-                  </a:schemeClr>
-                </a:solidFill>
-                <a:latin typeface="Calibri"/>
-              </a:defRPr>
-            </a:lvl1pPr>
-          </a:lstStyle>
-          <a:p>
-            <a:pPr indent="0" defTabSz="914400">
-              <a:lnSpc>
-                <a:spcPct val="100000"/>
-              </a:lnSpc>
-              <a:buNone/>
-            </a:pPr>
-            <a:r>
-              <a:rPr b="0" lang="en-US" sz="1200" spc="-1" strike="noStrike">
-                <a:solidFill>
-                  <a:schemeClr val="dk1">
-                    <a:tint val="75000"/>
-                  </a:schemeClr>
-                </a:solidFill>
-                <a:latin typeface="Calibri"/>
-              </a:rPr>
-              <a:t>&lt;date/time&gt;</a:t>
-            </a:r>
-            <a:endParaRPr b="0" lang="en-US" sz="1200" spc="-1" strike="noStrike">
-              <a:solidFill>
-                <a:srgbClr val="000000"/>
-              </a:solidFill>
-              <a:latin typeface="Times New Roman"/>
-            </a:endParaRPr>
-          </a:p>
-        </p:txBody>
-      </p:sp>
-      <p:sp>
-        <p:nvSpPr>
-          <p:cNvPr id="27" name="PlaceHolder 4"/>
-          <p:cNvSpPr>
-            <a:spLocks noGrp="1"/>
-          </p:cNvSpPr>
-          <p:nvPr>
-            <p:ph type="ftr" idx="14"/>
+            <p:ph type="ftr" idx="13"/>
           </p:nvPr>
         </p:nvSpPr>
         <p:spPr>
           <a:xfrm>
             <a:off x="4038480" y="6356520"/>
-            <a:ext cx="4114440" cy="364680"/>
+            <a:ext cx="4114080" cy="364320"/>
           </a:xfrm>
           <a:prstGeom prst="rect">
             <a:avLst/>
@@ -4359,7 +3319,13 @@
           </a:bodyPr>
           <a:lstStyle>
             <a:lvl1pPr indent="0" algn="ctr">
+              <a:lnSpc>
+                <a:spcPct val="100000"/>
+              </a:lnSpc>
               <a:buNone/>
+              <a:tabLst>
+                <a:tab algn="l" pos="0"/>
+              </a:tabLst>
               <a:defRPr b="0" lang="en-US" sz="1400" spc="-1" strike="noStrike">
                 <a:solidFill>
                   <a:srgbClr val="000000"/>
@@ -4370,7 +3336,13 @@
           </a:lstStyle>
           <a:p>
             <a:pPr indent="0" algn="ctr">
+              <a:lnSpc>
+                <a:spcPct val="100000"/>
+              </a:lnSpc>
               <a:buNone/>
+              <a:tabLst>
+                <a:tab algn="l" pos="0"/>
+              </a:tabLst>
             </a:pPr>
             <a:r>
               <a:rPr b="0" lang="en-US" sz="1400" spc="-1" strike="noStrike">
@@ -4392,18 +3364,18 @@
       </p:sp>
       <p:sp>
         <p:nvSpPr>
-          <p:cNvPr id="28" name="PlaceHolder 5"/>
+          <p:cNvPr id="21" name="PlaceHolder 2"/>
           <p:cNvSpPr>
             <a:spLocks noGrp="1"/>
           </p:cNvSpPr>
           <p:nvPr>
-            <p:ph type="sldNum" idx="15"/>
+            <p:ph type="sldNum" idx="14"/>
           </p:nvPr>
         </p:nvSpPr>
         <p:spPr>
           <a:xfrm>
             <a:off x="8610480" y="6356520"/>
-            <a:ext cx="2742840" cy="364680"/>
+            <a:ext cx="2742480" cy="364320"/>
           </a:xfrm>
           <a:prstGeom prst="rect">
             <a:avLst/>
@@ -4423,6 +3395,9 @@
                 <a:spcPct val="100000"/>
               </a:lnSpc>
               <a:buNone/>
+              <a:tabLst>
+                <a:tab algn="l" pos="0"/>
+              </a:tabLst>
               <a:defRPr b="0" lang="en-US" sz="1200" spc="-1" strike="noStrike">
                 <a:solidFill>
                   <a:schemeClr val="dk1">
@@ -4439,8 +3414,11 @@
                 <a:spcPct val="100000"/>
               </a:lnSpc>
               <a:buNone/>
-            </a:pPr>
-            <a:fld id="{EA44C503-1474-44BC-81B4-3F9C0610DC59}" type="slidenum">
+              <a:tabLst>
+                <a:tab algn="l" pos="0"/>
+              </a:tabLst>
+            </a:pPr>
+            <a:fld id="{673F0CCA-4DA5-42EB-B7A7-9508CED5C3CB}" type="slidenum">
               <a:rPr b="0" lang="en-US" sz="1200" spc="-1" strike="noStrike">
                 <a:solidFill>
                   <a:schemeClr val="dk1">
@@ -4452,6 +3430,66 @@
               <a:t>&lt;number&gt;</a:t>
             </a:fld>
             <a:endParaRPr b="0" lang="en-US" sz="1200" spc="-1" strike="noStrike">
+              <a:solidFill>
+                <a:srgbClr val="000000"/>
+              </a:solidFill>
+              <a:latin typeface="Times New Roman"/>
+            </a:endParaRPr>
+          </a:p>
+        </p:txBody>
+      </p:sp>
+      <p:sp>
+        <p:nvSpPr>
+          <p:cNvPr id="22" name="PlaceHolder 3"/>
+          <p:cNvSpPr>
+            <a:spLocks noGrp="1"/>
+          </p:cNvSpPr>
+          <p:nvPr>
+            <p:ph type="dt" idx="15"/>
+          </p:nvPr>
+        </p:nvSpPr>
+        <p:spPr>
+          <a:xfrm>
+            <a:off x="838080" y="6356520"/>
+            <a:ext cx="2742480" cy="364320"/>
+          </a:xfrm>
+          <a:prstGeom prst="rect">
+            <a:avLst/>
+          </a:prstGeom>
+          <a:noFill/>
+          <a:ln w="0">
+            <a:noFill/>
+          </a:ln>
+        </p:spPr>
+        <p:txBody>
+          <a:bodyPr lIns="91440" rIns="91440" tIns="45720" bIns="45720" anchor="ctr">
+            <a:noAutofit/>
+          </a:bodyPr>
+          <a:lstStyle>
+            <a:lvl1pPr indent="0">
+              <a:buNone/>
+              <a:defRPr b="0" lang="en-US" sz="1400" spc="-1" strike="noStrike">
+                <a:solidFill>
+                  <a:srgbClr val="000000"/>
+                </a:solidFill>
+                <a:latin typeface="Times New Roman"/>
+              </a:defRPr>
+            </a:lvl1pPr>
+          </a:lstStyle>
+          <a:p>
+            <a:pPr indent="0">
+              <a:buNone/>
+            </a:pPr>
+            <a:r>
+              <a:rPr b="0" lang="en-US" sz="1400" spc="-1" strike="noStrike">
+                <a:solidFill>
+                  <a:srgbClr val="000000"/>
+                </a:solidFill>
+                <a:latin typeface="Times New Roman"/>
+              </a:rPr>
+              <a:t>&lt;date/time&gt;</a:t>
+            </a:r>
+            <a:endParaRPr b="0" lang="en-US" sz="1400" spc="-1" strike="noStrike">
               <a:solidFill>
                 <a:srgbClr val="000000"/>
               </a:solidFill>
@@ -4495,7 +3533,7 @@
       </p:grpSpPr>
       <p:sp>
         <p:nvSpPr>
-          <p:cNvPr id="29" name="PlaceHolder 1"/>
+          <p:cNvPr id="23" name="PlaceHolder 1"/>
           <p:cNvSpPr>
             <a:spLocks noGrp="1"/>
           </p:cNvSpPr>
@@ -4506,7 +3544,7 @@
         <p:spPr>
           <a:xfrm>
             <a:off x="838080" y="365040"/>
-            <a:ext cx="10515240" cy="1325160"/>
+            <a:ext cx="10514880" cy="1324800"/>
           </a:xfrm>
           <a:prstGeom prst="rect">
             <a:avLst/>
@@ -4517,37 +3555,34 @@
           </a:ln>
         </p:spPr>
         <p:txBody>
-          <a:bodyPr lIns="91440" rIns="91440" tIns="45720" bIns="45720" anchor="ctr">
+          <a:bodyPr lIns="0" rIns="0" tIns="0" bIns="0" anchor="ctr">
             <a:noAutofit/>
           </a:bodyPr>
           <a:p>
-            <a:pPr indent="0" defTabSz="914400">
-              <a:lnSpc>
-                <a:spcPct val="90000"/>
-              </a:lnSpc>
+            <a:pPr indent="0">
               <a:buNone/>
             </a:pPr>
             <a:r>
-              <a:rPr b="0" lang="en-US" sz="4400" spc="-1" strike="noStrike">
-                <a:solidFill>
-                  <a:schemeClr val="dk1"/>
-                </a:solidFill>
-                <a:latin typeface="Calibri Light"/>
-              </a:rPr>
-              <a:t>Click to edit Master title style</a:t>
-            </a:r>
-            <a:endParaRPr b="0" lang="en-US" sz="4400" spc="-1" strike="noStrike">
-              <a:solidFill>
-                <a:schemeClr val="dk1"/>
-              </a:solidFill>
-              <a:latin typeface="Calibri"/>
+              <a:rPr b="0" lang="en-US" sz="1800" spc="-1" strike="noStrike">
+                <a:solidFill>
+                  <a:srgbClr val="000000"/>
+                </a:solidFill>
+                <a:latin typeface="Arial"/>
+              </a:rPr>
+              <a:t>Click to edit the title text format</a:t>
+            </a:r>
+            <a:endParaRPr b="0" lang="en-US" sz="1800" spc="-1" strike="noStrike">
+              <a:solidFill>
+                <a:srgbClr val="000000"/>
+              </a:solidFill>
+              <a:latin typeface="Arial"/>
             </a:endParaRPr>
           </a:p>
         </p:txBody>
       </p:sp>
       <p:sp>
         <p:nvSpPr>
-          <p:cNvPr id="30" name="PlaceHolder 2"/>
+          <p:cNvPr id="24" name="PlaceHolder 2"/>
           <p:cNvSpPr>
             <a:spLocks noGrp="1"/>
           </p:cNvSpPr>
@@ -4557,8 +3592,8 @@
         </p:nvSpPr>
         <p:spPr>
           <a:xfrm>
-            <a:off x="838080" y="1825560"/>
-            <a:ext cx="5181120" cy="4350960"/>
+            <a:off x="609480" y="1604520"/>
+            <a:ext cx="5353920" cy="3976920"/>
           </a:xfrm>
           <a:prstGeom prst="rect">
             <a:avLst/>
@@ -4569,164 +3604,210 @@
           </a:ln>
         </p:spPr>
         <p:txBody>
-          <a:bodyPr lIns="91440" rIns="91440" tIns="45720" bIns="45720" anchor="t">
-            <a:noAutofit/>
+          <a:bodyPr lIns="0" rIns="0" tIns="0" bIns="0" anchor="t">
+            <a:normAutofit/>
           </a:bodyPr>
           <a:p>
-            <a:pPr marL="228600" indent="-228600" defTabSz="914400">
-              <a:lnSpc>
-                <a:spcPct val="90000"/>
-              </a:lnSpc>
+            <a:pPr marL="432000" indent="-324000">
               <a:spcBef>
-                <a:spcPts val="1001"/>
+                <a:spcPts val="1417"/>
               </a:spcBef>
               <a:buClr>
                 <a:srgbClr val="000000"/>
               </a:buClr>
-              <a:buFont typeface="Arial"/>
-              <a:buChar char="•"/>
-            </a:pPr>
-            <a:r>
-              <a:rPr b="0" lang="en-US" sz="2800" spc="-1" strike="noStrike">
-                <a:solidFill>
-                  <a:schemeClr val="dk1"/>
-                </a:solidFill>
-                <a:latin typeface="Calibri"/>
-              </a:rPr>
-              <a:t>Click to edit Master text styles</a:t>
-            </a:r>
-            <a:endParaRPr b="0" lang="en-US" sz="2800" spc="-1" strike="noStrike">
-              <a:solidFill>
-                <a:schemeClr val="dk1"/>
-              </a:solidFill>
-              <a:latin typeface="Calibri"/>
-            </a:endParaRPr>
-          </a:p>
-          <a:p>
-            <a:pPr lvl="1" marL="685800" indent="-228600" defTabSz="914400">
-              <a:lnSpc>
-                <a:spcPct val="90000"/>
-              </a:lnSpc>
+              <a:buSzPct val="45000"/>
+              <a:buFont typeface="Wingdings" charset="2"/>
+              <a:buChar char=""/>
+            </a:pPr>
+            <a:r>
+              <a:rPr b="0" lang="en-US" sz="1800" spc="-1" strike="noStrike">
+                <a:solidFill>
+                  <a:srgbClr val="000000"/>
+                </a:solidFill>
+                <a:latin typeface="Arial"/>
+              </a:rPr>
+              <a:t>Click to edit the outline text format</a:t>
+            </a:r>
+            <a:endParaRPr b="0" lang="en-US" sz="1800" spc="-1" strike="noStrike">
+              <a:solidFill>
+                <a:srgbClr val="000000"/>
+              </a:solidFill>
+              <a:latin typeface="Arial"/>
+            </a:endParaRPr>
+          </a:p>
+          <a:p>
+            <a:pPr lvl="1" marL="864000" indent="-324000">
               <a:spcBef>
-                <a:spcPts val="499"/>
+                <a:spcPts val="1134"/>
               </a:spcBef>
               <a:buClr>
                 <a:srgbClr val="000000"/>
               </a:buClr>
-              <a:buFont typeface="Arial"/>
-              <a:buChar char="•"/>
-            </a:pPr>
-            <a:r>
-              <a:rPr b="0" lang="en-US" sz="2400" spc="-1" strike="noStrike">
-                <a:solidFill>
-                  <a:schemeClr val="dk1"/>
-                </a:solidFill>
-                <a:latin typeface="Calibri"/>
-              </a:rPr>
-              <a:t>Second level</a:t>
-            </a:r>
-            <a:endParaRPr b="0" lang="en-US" sz="2400" spc="-1" strike="noStrike">
-              <a:solidFill>
-                <a:schemeClr val="dk1"/>
-              </a:solidFill>
-              <a:latin typeface="Calibri"/>
-            </a:endParaRPr>
-          </a:p>
-          <a:p>
-            <a:pPr lvl="2" marL="1143000" indent="-228600" defTabSz="914400">
-              <a:lnSpc>
-                <a:spcPct val="90000"/>
-              </a:lnSpc>
+              <a:buSzPct val="75000"/>
+              <a:buFont typeface="Symbol" charset="2"/>
+              <a:buChar char=""/>
+            </a:pPr>
+            <a:r>
+              <a:rPr b="0" lang="en-US" sz="1800" spc="-1" strike="noStrike">
+                <a:solidFill>
+                  <a:srgbClr val="000000"/>
+                </a:solidFill>
+                <a:latin typeface="Arial"/>
+              </a:rPr>
+              <a:t>Second Outline Level</a:t>
+            </a:r>
+            <a:endParaRPr b="0" lang="en-US" sz="1800" spc="-1" strike="noStrike">
+              <a:solidFill>
+                <a:srgbClr val="000000"/>
+              </a:solidFill>
+              <a:latin typeface="Arial"/>
+            </a:endParaRPr>
+          </a:p>
+          <a:p>
+            <a:pPr lvl="2" marL="1296000" indent="-288000">
               <a:spcBef>
-                <a:spcPts val="499"/>
+                <a:spcPts val="850"/>
               </a:spcBef>
               <a:buClr>
                 <a:srgbClr val="000000"/>
               </a:buClr>
-              <a:buFont typeface="Arial"/>
-              <a:buChar char="•"/>
-            </a:pPr>
-            <a:r>
-              <a:rPr b="0" lang="en-US" sz="2000" spc="-1" strike="noStrike">
-                <a:solidFill>
-                  <a:schemeClr val="dk1"/>
-                </a:solidFill>
-                <a:latin typeface="Calibri"/>
-              </a:rPr>
-              <a:t>Third level</a:t>
-            </a:r>
-            <a:endParaRPr b="0" lang="en-US" sz="2000" spc="-1" strike="noStrike">
-              <a:solidFill>
-                <a:schemeClr val="dk1"/>
-              </a:solidFill>
-              <a:latin typeface="Calibri"/>
-            </a:endParaRPr>
-          </a:p>
-          <a:p>
-            <a:pPr lvl="3" marL="1600200" indent="-228600" defTabSz="914400">
-              <a:lnSpc>
-                <a:spcPct val="90000"/>
-              </a:lnSpc>
+              <a:buSzPct val="45000"/>
+              <a:buFont typeface="Wingdings" charset="2"/>
+              <a:buChar char=""/>
+            </a:pPr>
+            <a:r>
+              <a:rPr b="0" lang="en-US" sz="1800" spc="-1" strike="noStrike">
+                <a:solidFill>
+                  <a:srgbClr val="000000"/>
+                </a:solidFill>
+                <a:latin typeface="Arial"/>
+              </a:rPr>
+              <a:t>Third Outline Level</a:t>
+            </a:r>
+            <a:endParaRPr b="0" lang="en-US" sz="1800" spc="-1" strike="noStrike">
+              <a:solidFill>
+                <a:srgbClr val="000000"/>
+              </a:solidFill>
+              <a:latin typeface="Arial"/>
+            </a:endParaRPr>
+          </a:p>
+          <a:p>
+            <a:pPr lvl="3" marL="1728000" indent="-216000">
               <a:spcBef>
-                <a:spcPts val="499"/>
+                <a:spcPts val="567"/>
               </a:spcBef>
               <a:buClr>
                 <a:srgbClr val="000000"/>
               </a:buClr>
-              <a:buFont typeface="Arial"/>
-              <a:buChar char="•"/>
+              <a:buSzPct val="75000"/>
+              <a:buFont typeface="Symbol" charset="2"/>
+              <a:buChar char=""/>
             </a:pPr>
             <a:r>
               <a:rPr b="0" lang="en-US" sz="1800" spc="-1" strike="noStrike">
                 <a:solidFill>
-                  <a:schemeClr val="dk1"/>
-                </a:solidFill>
-                <a:latin typeface="Calibri"/>
-              </a:rPr>
-              <a:t>Fourth level</a:t>
+                  <a:srgbClr val="000000"/>
+                </a:solidFill>
+                <a:latin typeface="Arial"/>
+              </a:rPr>
+              <a:t>Fourth Outline Level</a:t>
             </a:r>
             <a:endParaRPr b="0" lang="en-US" sz="1800" spc="-1" strike="noStrike">
               <a:solidFill>
-                <a:schemeClr val="dk1"/>
-              </a:solidFill>
-              <a:latin typeface="Calibri"/>
-            </a:endParaRPr>
-          </a:p>
-          <a:p>
-            <a:pPr lvl="4" marL="2057400" indent="-228600" defTabSz="914400">
-              <a:lnSpc>
-                <a:spcPct val="90000"/>
-              </a:lnSpc>
+                <a:srgbClr val="000000"/>
+              </a:solidFill>
+              <a:latin typeface="Arial"/>
+            </a:endParaRPr>
+          </a:p>
+          <a:p>
+            <a:pPr lvl="4" marL="2160000" indent="-216000">
               <a:spcBef>
-                <a:spcPts val="499"/>
+                <a:spcPts val="283"/>
               </a:spcBef>
               <a:buClr>
                 <a:srgbClr val="000000"/>
               </a:buClr>
-              <a:buFont typeface="Arial"/>
-              <a:buChar char="•"/>
+              <a:buSzPct val="45000"/>
+              <a:buFont typeface="Wingdings" charset="2"/>
+              <a:buChar char=""/>
             </a:pPr>
             <a:r>
               <a:rPr b="0" lang="en-US" sz="1800" spc="-1" strike="noStrike">
                 <a:solidFill>
-                  <a:schemeClr val="dk1"/>
-                </a:solidFill>
-                <a:latin typeface="Calibri"/>
-              </a:rPr>
-              <a:t>Fifth level</a:t>
+                  <a:srgbClr val="000000"/>
+                </a:solidFill>
+                <a:latin typeface="Arial"/>
+              </a:rPr>
+              <a:t>Fifth Outline Level</a:t>
             </a:r>
             <a:endParaRPr b="0" lang="en-US" sz="1800" spc="-1" strike="noStrike">
               <a:solidFill>
-                <a:schemeClr val="dk1"/>
-              </a:solidFill>
-              <a:latin typeface="Calibri"/>
+                <a:srgbClr val="000000"/>
+              </a:solidFill>
+              <a:latin typeface="Arial"/>
+            </a:endParaRPr>
+          </a:p>
+          <a:p>
+            <a:pPr lvl="5" marL="2592000" indent="-216000">
+              <a:spcBef>
+                <a:spcPts val="283"/>
+              </a:spcBef>
+              <a:buClr>
+                <a:srgbClr val="000000"/>
+              </a:buClr>
+              <a:buSzPct val="45000"/>
+              <a:buFont typeface="Wingdings" charset="2"/>
+              <a:buChar char=""/>
+            </a:pPr>
+            <a:r>
+              <a:rPr b="0" lang="en-US" sz="1800" spc="-1" strike="noStrike">
+                <a:solidFill>
+                  <a:srgbClr val="000000"/>
+                </a:solidFill>
+                <a:latin typeface="Arial"/>
+              </a:rPr>
+              <a:t>Sixth Outline Level</a:t>
+            </a:r>
+            <a:endParaRPr b="0" lang="en-US" sz="1800" spc="-1" strike="noStrike">
+              <a:solidFill>
+                <a:srgbClr val="000000"/>
+              </a:solidFill>
+              <a:latin typeface="Arial"/>
+            </a:endParaRPr>
+          </a:p>
+          <a:p>
+            <a:pPr lvl="6" marL="3024000" indent="-216000">
+              <a:spcBef>
+                <a:spcPts val="283"/>
+              </a:spcBef>
+              <a:buClr>
+                <a:srgbClr val="000000"/>
+              </a:buClr>
+              <a:buSzPct val="45000"/>
+              <a:buFont typeface="Wingdings" charset="2"/>
+              <a:buChar char=""/>
+            </a:pPr>
+            <a:r>
+              <a:rPr b="0" lang="en-US" sz="1800" spc="-1" strike="noStrike">
+                <a:solidFill>
+                  <a:srgbClr val="000000"/>
+                </a:solidFill>
+                <a:latin typeface="Arial"/>
+              </a:rPr>
+              <a:t>Seventh Outline Level</a:t>
+            </a:r>
+            <a:endParaRPr b="0" lang="en-US" sz="1800" spc="-1" strike="noStrike">
+              <a:solidFill>
+                <a:srgbClr val="000000"/>
+              </a:solidFill>
+              <a:latin typeface="Arial"/>
             </a:endParaRPr>
           </a:p>
         </p:txBody>
       </p:sp>
       <p:sp>
         <p:nvSpPr>
-          <p:cNvPr id="31" name="PlaceHolder 3"/>
+          <p:cNvPr id="25" name="PlaceHolder 3"/>
           <p:cNvSpPr>
             <a:spLocks noGrp="1"/>
           </p:cNvSpPr>
@@ -4736,8 +3817,8 @@
         </p:nvSpPr>
         <p:spPr>
           <a:xfrm>
-            <a:off x="6172200" y="1825560"/>
-            <a:ext cx="5181120" cy="4350960"/>
+            <a:off x="6231960" y="1604520"/>
+            <a:ext cx="5353920" cy="3976920"/>
           </a:xfrm>
           <a:prstGeom prst="rect">
             <a:avLst/>
@@ -4748,245 +3829,221 @@
           </a:ln>
         </p:spPr>
         <p:txBody>
-          <a:bodyPr lIns="91440" rIns="91440" tIns="45720" bIns="45720" anchor="t">
-            <a:noAutofit/>
+          <a:bodyPr lIns="0" rIns="0" tIns="0" bIns="0" anchor="t">
+            <a:normAutofit/>
           </a:bodyPr>
           <a:p>
-            <a:pPr marL="228600" indent="-228600" defTabSz="914400">
-              <a:lnSpc>
-                <a:spcPct val="90000"/>
-              </a:lnSpc>
+            <a:pPr marL="432000" indent="-324000">
               <a:spcBef>
-                <a:spcPts val="1001"/>
+                <a:spcPts val="1417"/>
               </a:spcBef>
               <a:buClr>
                 <a:srgbClr val="000000"/>
               </a:buClr>
-              <a:buFont typeface="Arial"/>
-              <a:buChar char="•"/>
-            </a:pPr>
-            <a:r>
-              <a:rPr b="0" lang="en-US" sz="2800" spc="-1" strike="noStrike">
-                <a:solidFill>
-                  <a:schemeClr val="dk1"/>
-                </a:solidFill>
-                <a:latin typeface="Calibri"/>
-              </a:rPr>
-              <a:t>Click to edit Master text styles</a:t>
-            </a:r>
-            <a:endParaRPr b="0" lang="en-US" sz="2800" spc="-1" strike="noStrike">
-              <a:solidFill>
-                <a:schemeClr val="dk1"/>
-              </a:solidFill>
-              <a:latin typeface="Calibri"/>
-            </a:endParaRPr>
-          </a:p>
-          <a:p>
-            <a:pPr lvl="1" marL="685800" indent="-228600" defTabSz="914400">
-              <a:lnSpc>
-                <a:spcPct val="90000"/>
-              </a:lnSpc>
+              <a:buSzPct val="45000"/>
+              <a:buFont typeface="Wingdings" charset="2"/>
+              <a:buChar char=""/>
+            </a:pPr>
+            <a:r>
+              <a:rPr b="0" lang="en-US" sz="1800" spc="-1" strike="noStrike">
+                <a:solidFill>
+                  <a:srgbClr val="000000"/>
+                </a:solidFill>
+                <a:latin typeface="Arial"/>
+              </a:rPr>
+              <a:t>Click to edit the outline text format</a:t>
+            </a:r>
+            <a:endParaRPr b="0" lang="en-US" sz="1800" spc="-1" strike="noStrike">
+              <a:solidFill>
+                <a:srgbClr val="000000"/>
+              </a:solidFill>
+              <a:latin typeface="Arial"/>
+            </a:endParaRPr>
+          </a:p>
+          <a:p>
+            <a:pPr lvl="1" marL="864000" indent="-324000">
               <a:spcBef>
-                <a:spcPts val="499"/>
+                <a:spcPts val="1134"/>
               </a:spcBef>
               <a:buClr>
                 <a:srgbClr val="000000"/>
               </a:buClr>
-              <a:buFont typeface="Arial"/>
-              <a:buChar char="•"/>
-            </a:pPr>
-            <a:r>
-              <a:rPr b="0" lang="en-US" sz="2400" spc="-1" strike="noStrike">
-                <a:solidFill>
-                  <a:schemeClr val="dk1"/>
-                </a:solidFill>
-                <a:latin typeface="Calibri"/>
-              </a:rPr>
-              <a:t>Second level</a:t>
-            </a:r>
-            <a:endParaRPr b="0" lang="en-US" sz="2400" spc="-1" strike="noStrike">
-              <a:solidFill>
-                <a:schemeClr val="dk1"/>
-              </a:solidFill>
-              <a:latin typeface="Calibri"/>
-            </a:endParaRPr>
-          </a:p>
-          <a:p>
-            <a:pPr lvl="2" marL="1143000" indent="-228600" defTabSz="914400">
-              <a:lnSpc>
-                <a:spcPct val="90000"/>
-              </a:lnSpc>
+              <a:buSzPct val="75000"/>
+              <a:buFont typeface="Symbol" charset="2"/>
+              <a:buChar char=""/>
+            </a:pPr>
+            <a:r>
+              <a:rPr b="0" lang="en-US" sz="1800" spc="-1" strike="noStrike">
+                <a:solidFill>
+                  <a:srgbClr val="000000"/>
+                </a:solidFill>
+                <a:latin typeface="Arial"/>
+              </a:rPr>
+              <a:t>Second Outline Level</a:t>
+            </a:r>
+            <a:endParaRPr b="0" lang="en-US" sz="1800" spc="-1" strike="noStrike">
+              <a:solidFill>
+                <a:srgbClr val="000000"/>
+              </a:solidFill>
+              <a:latin typeface="Arial"/>
+            </a:endParaRPr>
+          </a:p>
+          <a:p>
+            <a:pPr lvl="2" marL="1296000" indent="-288000">
               <a:spcBef>
-                <a:spcPts val="499"/>
+                <a:spcPts val="850"/>
               </a:spcBef>
               <a:buClr>
                 <a:srgbClr val="000000"/>
               </a:buClr>
-              <a:buFont typeface="Arial"/>
-              <a:buChar char="•"/>
-            </a:pPr>
-            <a:r>
-              <a:rPr b="0" lang="en-US" sz="2000" spc="-1" strike="noStrike">
-                <a:solidFill>
-                  <a:schemeClr val="dk1"/>
-                </a:solidFill>
-                <a:latin typeface="Calibri"/>
-              </a:rPr>
-              <a:t>Third level</a:t>
-            </a:r>
-            <a:endParaRPr b="0" lang="en-US" sz="2000" spc="-1" strike="noStrike">
-              <a:solidFill>
-                <a:schemeClr val="dk1"/>
-              </a:solidFill>
-              <a:latin typeface="Calibri"/>
-            </a:endParaRPr>
-          </a:p>
-          <a:p>
-            <a:pPr lvl="3" marL="1600200" indent="-228600" defTabSz="914400">
-              <a:lnSpc>
-                <a:spcPct val="90000"/>
-              </a:lnSpc>
+              <a:buSzPct val="45000"/>
+              <a:buFont typeface="Wingdings" charset="2"/>
+              <a:buChar char=""/>
+            </a:pPr>
+            <a:r>
+              <a:rPr b="0" lang="en-US" sz="1800" spc="-1" strike="noStrike">
+                <a:solidFill>
+                  <a:srgbClr val="000000"/>
+                </a:solidFill>
+                <a:latin typeface="Arial"/>
+              </a:rPr>
+              <a:t>Third Outline Level</a:t>
+            </a:r>
+            <a:endParaRPr b="0" lang="en-US" sz="1800" spc="-1" strike="noStrike">
+              <a:solidFill>
+                <a:srgbClr val="000000"/>
+              </a:solidFill>
+              <a:latin typeface="Arial"/>
+            </a:endParaRPr>
+          </a:p>
+          <a:p>
+            <a:pPr lvl="3" marL="1728000" indent="-216000">
               <a:spcBef>
-                <a:spcPts val="499"/>
+                <a:spcPts val="567"/>
               </a:spcBef>
               <a:buClr>
                 <a:srgbClr val="000000"/>
               </a:buClr>
-              <a:buFont typeface="Arial"/>
-              <a:buChar char="•"/>
+              <a:buSzPct val="75000"/>
+              <a:buFont typeface="Symbol" charset="2"/>
+              <a:buChar char=""/>
             </a:pPr>
             <a:r>
               <a:rPr b="0" lang="en-US" sz="1800" spc="-1" strike="noStrike">
                 <a:solidFill>
-                  <a:schemeClr val="dk1"/>
-                </a:solidFill>
-                <a:latin typeface="Calibri"/>
-              </a:rPr>
-              <a:t>Fourth level</a:t>
+                  <a:srgbClr val="000000"/>
+                </a:solidFill>
+                <a:latin typeface="Arial"/>
+              </a:rPr>
+              <a:t>Fourth Outline Level</a:t>
             </a:r>
             <a:endParaRPr b="0" lang="en-US" sz="1800" spc="-1" strike="noStrike">
               <a:solidFill>
-                <a:schemeClr val="dk1"/>
-              </a:solidFill>
-              <a:latin typeface="Calibri"/>
-            </a:endParaRPr>
-          </a:p>
-          <a:p>
-            <a:pPr lvl="4" marL="2057400" indent="-228600" defTabSz="914400">
-              <a:lnSpc>
-                <a:spcPct val="90000"/>
-              </a:lnSpc>
+                <a:srgbClr val="000000"/>
+              </a:solidFill>
+              <a:latin typeface="Arial"/>
+            </a:endParaRPr>
+          </a:p>
+          <a:p>
+            <a:pPr lvl="4" marL="2160000" indent="-216000">
               <a:spcBef>
-                <a:spcPts val="499"/>
+                <a:spcPts val="283"/>
               </a:spcBef>
               <a:buClr>
                 <a:srgbClr val="000000"/>
               </a:buClr>
-              <a:buFont typeface="Arial"/>
-              <a:buChar char="•"/>
+              <a:buSzPct val="45000"/>
+              <a:buFont typeface="Wingdings" charset="2"/>
+              <a:buChar char=""/>
             </a:pPr>
             <a:r>
               <a:rPr b="0" lang="en-US" sz="1800" spc="-1" strike="noStrike">
                 <a:solidFill>
-                  <a:schemeClr val="dk1"/>
-                </a:solidFill>
-                <a:latin typeface="Calibri"/>
-              </a:rPr>
-              <a:t>Fifth level</a:t>
+                  <a:srgbClr val="000000"/>
+                </a:solidFill>
+                <a:latin typeface="Arial"/>
+              </a:rPr>
+              <a:t>Fifth Outline Level</a:t>
             </a:r>
             <a:endParaRPr b="0" lang="en-US" sz="1800" spc="-1" strike="noStrike">
               <a:solidFill>
-                <a:schemeClr val="dk1"/>
-              </a:solidFill>
-              <a:latin typeface="Calibri"/>
+                <a:srgbClr val="000000"/>
+              </a:solidFill>
+              <a:latin typeface="Arial"/>
+            </a:endParaRPr>
+          </a:p>
+          <a:p>
+            <a:pPr lvl="5" marL="2592000" indent="-216000">
+              <a:spcBef>
+                <a:spcPts val="283"/>
+              </a:spcBef>
+              <a:buClr>
+                <a:srgbClr val="000000"/>
+              </a:buClr>
+              <a:buSzPct val="45000"/>
+              <a:buFont typeface="Wingdings" charset="2"/>
+              <a:buChar char=""/>
+            </a:pPr>
+            <a:r>
+              <a:rPr b="0" lang="en-US" sz="1800" spc="-1" strike="noStrike">
+                <a:solidFill>
+                  <a:srgbClr val="000000"/>
+                </a:solidFill>
+                <a:latin typeface="Arial"/>
+              </a:rPr>
+              <a:t>Sixth Outline Level</a:t>
+            </a:r>
+            <a:endParaRPr b="0" lang="en-US" sz="1800" spc="-1" strike="noStrike">
+              <a:solidFill>
+                <a:srgbClr val="000000"/>
+              </a:solidFill>
+              <a:latin typeface="Arial"/>
+            </a:endParaRPr>
+          </a:p>
+          <a:p>
+            <a:pPr lvl="6" marL="3024000" indent="-216000">
+              <a:spcBef>
+                <a:spcPts val="283"/>
+              </a:spcBef>
+              <a:buClr>
+                <a:srgbClr val="000000"/>
+              </a:buClr>
+              <a:buSzPct val="45000"/>
+              <a:buFont typeface="Wingdings" charset="2"/>
+              <a:buChar char=""/>
+            </a:pPr>
+            <a:r>
+              <a:rPr b="0" lang="en-US" sz="1800" spc="-1" strike="noStrike">
+                <a:solidFill>
+                  <a:srgbClr val="000000"/>
+                </a:solidFill>
+                <a:latin typeface="Arial"/>
+              </a:rPr>
+              <a:t>Seventh Outline Level</a:t>
+            </a:r>
+            <a:endParaRPr b="0" lang="en-US" sz="1800" spc="-1" strike="noStrike">
+              <a:solidFill>
+                <a:srgbClr val="000000"/>
+              </a:solidFill>
+              <a:latin typeface="Arial"/>
             </a:endParaRPr>
           </a:p>
         </p:txBody>
       </p:sp>
       <p:sp>
         <p:nvSpPr>
-          <p:cNvPr id="32" name="PlaceHolder 4"/>
+          <p:cNvPr id="26" name="PlaceHolder 4"/>
           <p:cNvSpPr>
             <a:spLocks noGrp="1"/>
           </p:cNvSpPr>
           <p:nvPr>
-            <p:ph type="dt" idx="16"/>
-          </p:nvPr>
-        </p:nvSpPr>
-        <p:spPr>
-          <a:xfrm>
-            <a:off x="838080" y="6356520"/>
-            <a:ext cx="2742840" cy="364680"/>
-          </a:xfrm>
-          <a:prstGeom prst="rect">
-            <a:avLst/>
-          </a:prstGeom>
-          <a:noFill/>
-          <a:ln w="0">
-            <a:noFill/>
-          </a:ln>
-        </p:spPr>
-        <p:txBody>
-          <a:bodyPr lIns="91440" rIns="91440" tIns="45720" bIns="45720" anchor="ctr">
-            <a:noAutofit/>
-          </a:bodyPr>
-          <a:lstStyle>
-            <a:lvl1pPr indent="0" defTabSz="914400">
-              <a:lnSpc>
-                <a:spcPct val="100000"/>
-              </a:lnSpc>
-              <a:buNone/>
-              <a:defRPr b="0" lang="en-US" sz="1200" spc="-1" strike="noStrike">
-                <a:solidFill>
-                  <a:schemeClr val="dk1">
-                    <a:tint val="75000"/>
-                  </a:schemeClr>
-                </a:solidFill>
-                <a:latin typeface="Calibri"/>
-              </a:defRPr>
-            </a:lvl1pPr>
-          </a:lstStyle>
-          <a:p>
-            <a:pPr indent="0" defTabSz="914400">
-              <a:lnSpc>
-                <a:spcPct val="100000"/>
-              </a:lnSpc>
-              <a:buNone/>
-            </a:pPr>
-            <a:r>
-              <a:rPr b="0" lang="en-US" sz="1200" spc="-1" strike="noStrike">
-                <a:solidFill>
-                  <a:schemeClr val="dk1">
-                    <a:tint val="75000"/>
-                  </a:schemeClr>
-                </a:solidFill>
-                <a:latin typeface="Calibri"/>
-              </a:rPr>
-              <a:t>&lt;date/time&gt;</a:t>
-            </a:r>
-            <a:endParaRPr b="0" lang="en-US" sz="1200" spc="-1" strike="noStrike">
-              <a:solidFill>
-                <a:srgbClr val="000000"/>
-              </a:solidFill>
-              <a:latin typeface="Times New Roman"/>
-            </a:endParaRPr>
-          </a:p>
-        </p:txBody>
-      </p:sp>
-      <p:sp>
-        <p:nvSpPr>
-          <p:cNvPr id="33" name="PlaceHolder 5"/>
-          <p:cNvSpPr>
-            <a:spLocks noGrp="1"/>
-          </p:cNvSpPr>
-          <p:nvPr>
-            <p:ph type="ftr" idx="17"/>
+            <p:ph type="ftr" idx="16"/>
           </p:nvPr>
         </p:nvSpPr>
         <p:spPr>
           <a:xfrm>
             <a:off x="4038480" y="6356520"/>
-            <a:ext cx="4114440" cy="364680"/>
+            <a:ext cx="4114080" cy="364320"/>
           </a:xfrm>
           <a:prstGeom prst="rect">
             <a:avLst/>
@@ -5002,7 +4059,13 @@
           </a:bodyPr>
           <a:lstStyle>
             <a:lvl1pPr indent="0" algn="ctr">
+              <a:lnSpc>
+                <a:spcPct val="100000"/>
+              </a:lnSpc>
               <a:buNone/>
+              <a:tabLst>
+                <a:tab algn="l" pos="0"/>
+              </a:tabLst>
               <a:defRPr b="0" lang="en-US" sz="1400" spc="-1" strike="noStrike">
                 <a:solidFill>
                   <a:srgbClr val="000000"/>
@@ -5013,7 +4076,13 @@
           </a:lstStyle>
           <a:p>
             <a:pPr indent="0" algn="ctr">
+              <a:lnSpc>
+                <a:spcPct val="100000"/>
+              </a:lnSpc>
               <a:buNone/>
+              <a:tabLst>
+                <a:tab algn="l" pos="0"/>
+              </a:tabLst>
             </a:pPr>
             <a:r>
               <a:rPr b="0" lang="en-US" sz="1400" spc="-1" strike="noStrike">
@@ -5035,18 +4104,18 @@
       </p:sp>
       <p:sp>
         <p:nvSpPr>
-          <p:cNvPr id="34" name="PlaceHolder 6"/>
+          <p:cNvPr id="27" name="PlaceHolder 5"/>
           <p:cNvSpPr>
             <a:spLocks noGrp="1"/>
           </p:cNvSpPr>
           <p:nvPr>
-            <p:ph type="sldNum" idx="18"/>
+            <p:ph type="sldNum" idx="17"/>
           </p:nvPr>
         </p:nvSpPr>
         <p:spPr>
           <a:xfrm>
             <a:off x="8610480" y="6356520"/>
-            <a:ext cx="2742840" cy="364680"/>
+            <a:ext cx="2742480" cy="364320"/>
           </a:xfrm>
           <a:prstGeom prst="rect">
             <a:avLst/>
@@ -5066,6 +4135,9 @@
                 <a:spcPct val="100000"/>
               </a:lnSpc>
               <a:buNone/>
+              <a:tabLst>
+                <a:tab algn="l" pos="0"/>
+              </a:tabLst>
               <a:defRPr b="0" lang="en-US" sz="1200" spc="-1" strike="noStrike">
                 <a:solidFill>
                   <a:schemeClr val="dk1">
@@ -5082,8 +4154,11 @@
                 <a:spcPct val="100000"/>
               </a:lnSpc>
               <a:buNone/>
-            </a:pPr>
-            <a:fld id="{A83D77D6-A56D-44EC-8424-27768A81AA5F}" type="slidenum">
+              <a:tabLst>
+                <a:tab algn="l" pos="0"/>
+              </a:tabLst>
+            </a:pPr>
+            <a:fld id="{6048A840-250B-48EE-84D1-E331584171D5}" type="slidenum">
               <a:rPr b="0" lang="en-US" sz="1200" spc="-1" strike="noStrike">
                 <a:solidFill>
                   <a:schemeClr val="dk1">
@@ -5095,6 +4170,66 @@
               <a:t>&lt;number&gt;</a:t>
             </a:fld>
             <a:endParaRPr b="0" lang="en-US" sz="1200" spc="-1" strike="noStrike">
+              <a:solidFill>
+                <a:srgbClr val="000000"/>
+              </a:solidFill>
+              <a:latin typeface="Times New Roman"/>
+            </a:endParaRPr>
+          </a:p>
+        </p:txBody>
+      </p:sp>
+      <p:sp>
+        <p:nvSpPr>
+          <p:cNvPr id="28" name="PlaceHolder 6"/>
+          <p:cNvSpPr>
+            <a:spLocks noGrp="1"/>
+          </p:cNvSpPr>
+          <p:nvPr>
+            <p:ph type="dt" idx="18"/>
+          </p:nvPr>
+        </p:nvSpPr>
+        <p:spPr>
+          <a:xfrm>
+            <a:off x="838080" y="6356520"/>
+            <a:ext cx="2742480" cy="364320"/>
+          </a:xfrm>
+          <a:prstGeom prst="rect">
+            <a:avLst/>
+          </a:prstGeom>
+          <a:noFill/>
+          <a:ln w="0">
+            <a:noFill/>
+          </a:ln>
+        </p:spPr>
+        <p:txBody>
+          <a:bodyPr lIns="91440" rIns="91440" tIns="45720" bIns="45720" anchor="ctr">
+            <a:noAutofit/>
+          </a:bodyPr>
+          <a:lstStyle>
+            <a:lvl1pPr indent="0">
+              <a:buNone/>
+              <a:defRPr b="0" lang="en-US" sz="1400" spc="-1" strike="noStrike">
+                <a:solidFill>
+                  <a:srgbClr val="000000"/>
+                </a:solidFill>
+                <a:latin typeface="Times New Roman"/>
+              </a:defRPr>
+            </a:lvl1pPr>
+          </a:lstStyle>
+          <a:p>
+            <a:pPr indent="0">
+              <a:buNone/>
+            </a:pPr>
+            <a:r>
+              <a:rPr b="0" lang="en-US" sz="1400" spc="-1" strike="noStrike">
+                <a:solidFill>
+                  <a:srgbClr val="000000"/>
+                </a:solidFill>
+                <a:latin typeface="Times New Roman"/>
+              </a:rPr>
+              <a:t>&lt;date/time&gt;</a:t>
+            </a:r>
+            <a:endParaRPr b="0" lang="en-US" sz="1400" spc="-1" strike="noStrike">
               <a:solidFill>
                 <a:srgbClr val="000000"/>
               </a:solidFill>
@@ -5138,614 +4273,18 @@
       </p:grpSpPr>
       <p:sp>
         <p:nvSpPr>
-          <p:cNvPr id="38" name="PlaceHolder 1"/>
+          <p:cNvPr id="32" name="PlaceHolder 1"/>
           <p:cNvSpPr>
             <a:spLocks noGrp="1"/>
           </p:cNvSpPr>
           <p:nvPr>
-            <p:ph type="title"/>
-          </p:nvPr>
-        </p:nvSpPr>
-        <p:spPr>
-          <a:xfrm>
-            <a:off x="839880" y="365040"/>
-            <a:ext cx="10515240" cy="1325160"/>
-          </a:xfrm>
-          <a:prstGeom prst="rect">
-            <a:avLst/>
-          </a:prstGeom>
-          <a:noFill/>
-          <a:ln w="0">
-            <a:noFill/>
-          </a:ln>
-        </p:spPr>
-        <p:txBody>
-          <a:bodyPr lIns="91440" rIns="91440" tIns="45720" bIns="45720" anchor="ctr">
-            <a:noAutofit/>
-          </a:bodyPr>
-          <a:p>
-            <a:pPr indent="0" defTabSz="914400">
-              <a:lnSpc>
-                <a:spcPct val="90000"/>
-              </a:lnSpc>
-              <a:buNone/>
-            </a:pPr>
-            <a:r>
-              <a:rPr b="0" lang="en-US" sz="4400" spc="-1" strike="noStrike">
-                <a:solidFill>
-                  <a:schemeClr val="dk1"/>
-                </a:solidFill>
-                <a:latin typeface="Calibri Light"/>
-              </a:rPr>
-              <a:t>Click to edit Master title style</a:t>
-            </a:r>
-            <a:endParaRPr b="0" lang="en-US" sz="4400" spc="-1" strike="noStrike">
-              <a:solidFill>
-                <a:schemeClr val="dk1"/>
-              </a:solidFill>
-              <a:latin typeface="Calibri"/>
-            </a:endParaRPr>
-          </a:p>
-        </p:txBody>
-      </p:sp>
-      <p:sp>
-        <p:nvSpPr>
-          <p:cNvPr id="39" name="PlaceHolder 2"/>
-          <p:cNvSpPr>
-            <a:spLocks noGrp="1"/>
-          </p:cNvSpPr>
-          <p:nvPr>
-            <p:ph type="body"/>
-          </p:nvPr>
-        </p:nvSpPr>
-        <p:spPr>
-          <a:xfrm>
-            <a:off x="839880" y="1681200"/>
-            <a:ext cx="5157360" cy="823680"/>
-          </a:xfrm>
-          <a:prstGeom prst="rect">
-            <a:avLst/>
-          </a:prstGeom>
-          <a:noFill/>
-          <a:ln w="0">
-            <a:noFill/>
-          </a:ln>
-        </p:spPr>
-        <p:txBody>
-          <a:bodyPr lIns="91440" rIns="91440" tIns="45720" bIns="45720" anchor="b">
-            <a:noAutofit/>
-          </a:bodyPr>
-          <a:p>
-            <a:pPr indent="0" defTabSz="914400">
-              <a:lnSpc>
-                <a:spcPct val="90000"/>
-              </a:lnSpc>
-              <a:spcBef>
-                <a:spcPts val="1001"/>
-              </a:spcBef>
-              <a:buNone/>
-              <a:tabLst>
-                <a:tab algn="l" pos="0"/>
-              </a:tabLst>
-            </a:pPr>
-            <a:r>
-              <a:rPr b="1" lang="en-US" sz="2400" spc="-1" strike="noStrike">
-                <a:solidFill>
-                  <a:schemeClr val="dk1"/>
-                </a:solidFill>
-                <a:latin typeface="Calibri"/>
-              </a:rPr>
-              <a:t>Click to edit Master text styles</a:t>
-            </a:r>
-            <a:endParaRPr b="0" lang="en-US" sz="2400" spc="-1" strike="noStrike">
-              <a:solidFill>
-                <a:schemeClr val="dk1"/>
-              </a:solidFill>
-              <a:latin typeface="Calibri"/>
-            </a:endParaRPr>
-          </a:p>
-        </p:txBody>
-      </p:sp>
-      <p:sp>
-        <p:nvSpPr>
-          <p:cNvPr id="40" name="PlaceHolder 3"/>
-          <p:cNvSpPr>
-            <a:spLocks noGrp="1"/>
-          </p:cNvSpPr>
-          <p:nvPr>
-            <p:ph type="body"/>
-          </p:nvPr>
-        </p:nvSpPr>
-        <p:spPr>
-          <a:xfrm>
-            <a:off x="839880" y="2505240"/>
-            <a:ext cx="5157360" cy="3684240"/>
-          </a:xfrm>
-          <a:prstGeom prst="rect">
-            <a:avLst/>
-          </a:prstGeom>
-          <a:noFill/>
-          <a:ln w="0">
-            <a:noFill/>
-          </a:ln>
-        </p:spPr>
-        <p:txBody>
-          <a:bodyPr lIns="91440" rIns="91440" tIns="45720" bIns="45720" anchor="t">
-            <a:noAutofit/>
-          </a:bodyPr>
-          <a:p>
-            <a:pPr marL="228600" indent="-228600" defTabSz="914400">
-              <a:lnSpc>
-                <a:spcPct val="90000"/>
-              </a:lnSpc>
-              <a:spcBef>
-                <a:spcPts val="1001"/>
-              </a:spcBef>
-              <a:buClr>
-                <a:srgbClr val="000000"/>
-              </a:buClr>
-              <a:buFont typeface="Arial"/>
-              <a:buChar char="•"/>
-            </a:pPr>
-            <a:r>
-              <a:rPr b="0" lang="en-US" sz="2800" spc="-1" strike="noStrike">
-                <a:solidFill>
-                  <a:schemeClr val="dk1"/>
-                </a:solidFill>
-                <a:latin typeface="Calibri"/>
-              </a:rPr>
-              <a:t>Click to edit Master text styles</a:t>
-            </a:r>
-            <a:endParaRPr b="0" lang="en-US" sz="2800" spc="-1" strike="noStrike">
-              <a:solidFill>
-                <a:schemeClr val="dk1"/>
-              </a:solidFill>
-              <a:latin typeface="Calibri"/>
-            </a:endParaRPr>
-          </a:p>
-          <a:p>
-            <a:pPr lvl="1" marL="685800" indent="-228600" defTabSz="914400">
-              <a:lnSpc>
-                <a:spcPct val="90000"/>
-              </a:lnSpc>
-              <a:spcBef>
-                <a:spcPts val="499"/>
-              </a:spcBef>
-              <a:buClr>
-                <a:srgbClr val="000000"/>
-              </a:buClr>
-              <a:buFont typeface="Arial"/>
-              <a:buChar char="•"/>
-            </a:pPr>
-            <a:r>
-              <a:rPr b="0" lang="en-US" sz="2400" spc="-1" strike="noStrike">
-                <a:solidFill>
-                  <a:schemeClr val="dk1"/>
-                </a:solidFill>
-                <a:latin typeface="Calibri"/>
-              </a:rPr>
-              <a:t>Second level</a:t>
-            </a:r>
-            <a:endParaRPr b="0" lang="en-US" sz="2400" spc="-1" strike="noStrike">
-              <a:solidFill>
-                <a:schemeClr val="dk1"/>
-              </a:solidFill>
-              <a:latin typeface="Calibri"/>
-            </a:endParaRPr>
-          </a:p>
-          <a:p>
-            <a:pPr lvl="2" marL="1143000" indent="-228600" defTabSz="914400">
-              <a:lnSpc>
-                <a:spcPct val="90000"/>
-              </a:lnSpc>
-              <a:spcBef>
-                <a:spcPts val="499"/>
-              </a:spcBef>
-              <a:buClr>
-                <a:srgbClr val="000000"/>
-              </a:buClr>
-              <a:buFont typeface="Arial"/>
-              <a:buChar char="•"/>
-            </a:pPr>
-            <a:r>
-              <a:rPr b="0" lang="en-US" sz="2000" spc="-1" strike="noStrike">
-                <a:solidFill>
-                  <a:schemeClr val="dk1"/>
-                </a:solidFill>
-                <a:latin typeface="Calibri"/>
-              </a:rPr>
-              <a:t>Third level</a:t>
-            </a:r>
-            <a:endParaRPr b="0" lang="en-US" sz="2000" spc="-1" strike="noStrike">
-              <a:solidFill>
-                <a:schemeClr val="dk1"/>
-              </a:solidFill>
-              <a:latin typeface="Calibri"/>
-            </a:endParaRPr>
-          </a:p>
-          <a:p>
-            <a:pPr lvl="3" marL="1600200" indent="-228600" defTabSz="914400">
-              <a:lnSpc>
-                <a:spcPct val="90000"/>
-              </a:lnSpc>
-              <a:spcBef>
-                <a:spcPts val="499"/>
-              </a:spcBef>
-              <a:buClr>
-                <a:srgbClr val="000000"/>
-              </a:buClr>
-              <a:buFont typeface="Arial"/>
-              <a:buChar char="•"/>
-            </a:pPr>
-            <a:r>
-              <a:rPr b="0" lang="en-US" sz="1800" spc="-1" strike="noStrike">
-                <a:solidFill>
-                  <a:schemeClr val="dk1"/>
-                </a:solidFill>
-                <a:latin typeface="Calibri"/>
-              </a:rPr>
-              <a:t>Fourth level</a:t>
-            </a:r>
-            <a:endParaRPr b="0" lang="en-US" sz="1800" spc="-1" strike="noStrike">
-              <a:solidFill>
-                <a:schemeClr val="dk1"/>
-              </a:solidFill>
-              <a:latin typeface="Calibri"/>
-            </a:endParaRPr>
-          </a:p>
-          <a:p>
-            <a:pPr lvl="4" marL="2057400" indent="-228600" defTabSz="914400">
-              <a:lnSpc>
-                <a:spcPct val="90000"/>
-              </a:lnSpc>
-              <a:spcBef>
-                <a:spcPts val="499"/>
-              </a:spcBef>
-              <a:buClr>
-                <a:srgbClr val="000000"/>
-              </a:buClr>
-              <a:buFont typeface="Arial"/>
-              <a:buChar char="•"/>
-            </a:pPr>
-            <a:r>
-              <a:rPr b="0" lang="en-US" sz="1800" spc="-1" strike="noStrike">
-                <a:solidFill>
-                  <a:schemeClr val="dk1"/>
-                </a:solidFill>
-                <a:latin typeface="Calibri"/>
-              </a:rPr>
-              <a:t>Fifth level</a:t>
-            </a:r>
-            <a:endParaRPr b="0" lang="en-US" sz="1800" spc="-1" strike="noStrike">
-              <a:solidFill>
-                <a:schemeClr val="dk1"/>
-              </a:solidFill>
-              <a:latin typeface="Calibri"/>
-            </a:endParaRPr>
-          </a:p>
-        </p:txBody>
-      </p:sp>
-      <p:sp>
-        <p:nvSpPr>
-          <p:cNvPr id="41" name="PlaceHolder 4"/>
-          <p:cNvSpPr>
-            <a:spLocks noGrp="1"/>
-          </p:cNvSpPr>
-          <p:nvPr>
-            <p:ph type="body"/>
-          </p:nvPr>
-        </p:nvSpPr>
-        <p:spPr>
-          <a:xfrm>
-            <a:off x="6172200" y="1681200"/>
-            <a:ext cx="5182920" cy="823680"/>
-          </a:xfrm>
-          <a:prstGeom prst="rect">
-            <a:avLst/>
-          </a:prstGeom>
-          <a:noFill/>
-          <a:ln w="0">
-            <a:noFill/>
-          </a:ln>
-        </p:spPr>
-        <p:txBody>
-          <a:bodyPr lIns="91440" rIns="91440" tIns="45720" bIns="45720" anchor="b">
-            <a:noAutofit/>
-          </a:bodyPr>
-          <a:p>
-            <a:pPr indent="0" defTabSz="914400">
-              <a:lnSpc>
-                <a:spcPct val="90000"/>
-              </a:lnSpc>
-              <a:spcBef>
-                <a:spcPts val="1001"/>
-              </a:spcBef>
-              <a:buNone/>
-              <a:tabLst>
-                <a:tab algn="l" pos="0"/>
-              </a:tabLst>
-            </a:pPr>
-            <a:r>
-              <a:rPr b="1" lang="en-US" sz="2400" spc="-1" strike="noStrike">
-                <a:solidFill>
-                  <a:schemeClr val="dk1"/>
-                </a:solidFill>
-                <a:latin typeface="Calibri"/>
-              </a:rPr>
-              <a:t>Click to edit Master text styles</a:t>
-            </a:r>
-            <a:endParaRPr b="0" lang="en-US" sz="2400" spc="-1" strike="noStrike">
-              <a:solidFill>
-                <a:schemeClr val="dk1"/>
-              </a:solidFill>
-              <a:latin typeface="Calibri"/>
-            </a:endParaRPr>
-          </a:p>
-        </p:txBody>
-      </p:sp>
-      <p:sp>
-        <p:nvSpPr>
-          <p:cNvPr id="42" name="PlaceHolder 5"/>
-          <p:cNvSpPr>
-            <a:spLocks noGrp="1"/>
-          </p:cNvSpPr>
-          <p:nvPr>
-            <p:ph type="body"/>
-          </p:nvPr>
-        </p:nvSpPr>
-        <p:spPr>
-          <a:xfrm>
-            <a:off x="6172200" y="2505240"/>
-            <a:ext cx="5182920" cy="3684240"/>
-          </a:xfrm>
-          <a:prstGeom prst="rect">
-            <a:avLst/>
-          </a:prstGeom>
-          <a:noFill/>
-          <a:ln w="0">
-            <a:noFill/>
-          </a:ln>
-        </p:spPr>
-        <p:txBody>
-          <a:bodyPr lIns="91440" rIns="91440" tIns="45720" bIns="45720" anchor="t">
-            <a:noAutofit/>
-          </a:bodyPr>
-          <a:p>
-            <a:pPr marL="228600" indent="-228600" defTabSz="914400">
-              <a:lnSpc>
-                <a:spcPct val="90000"/>
-              </a:lnSpc>
-              <a:spcBef>
-                <a:spcPts val="1001"/>
-              </a:spcBef>
-              <a:buClr>
-                <a:srgbClr val="000000"/>
-              </a:buClr>
-              <a:buFont typeface="Arial"/>
-              <a:buChar char="•"/>
-            </a:pPr>
-            <a:r>
-              <a:rPr b="0" lang="en-US" sz="2800" spc="-1" strike="noStrike">
-                <a:solidFill>
-                  <a:schemeClr val="dk1"/>
-                </a:solidFill>
-                <a:latin typeface="Calibri"/>
-              </a:rPr>
-              <a:t>Click to edit Master text styles</a:t>
-            </a:r>
-            <a:endParaRPr b="0" lang="en-US" sz="2800" spc="-1" strike="noStrike">
-              <a:solidFill>
-                <a:schemeClr val="dk1"/>
-              </a:solidFill>
-              <a:latin typeface="Calibri"/>
-            </a:endParaRPr>
-          </a:p>
-          <a:p>
-            <a:pPr lvl="1" marL="685800" indent="-228600" defTabSz="914400">
-              <a:lnSpc>
-                <a:spcPct val="90000"/>
-              </a:lnSpc>
-              <a:spcBef>
-                <a:spcPts val="499"/>
-              </a:spcBef>
-              <a:buClr>
-                <a:srgbClr val="000000"/>
-              </a:buClr>
-              <a:buFont typeface="Arial"/>
-              <a:buChar char="•"/>
-            </a:pPr>
-            <a:r>
-              <a:rPr b="0" lang="en-US" sz="2400" spc="-1" strike="noStrike">
-                <a:solidFill>
-                  <a:schemeClr val="dk1"/>
-                </a:solidFill>
-                <a:latin typeface="Calibri"/>
-              </a:rPr>
-              <a:t>Second level</a:t>
-            </a:r>
-            <a:endParaRPr b="0" lang="en-US" sz="2400" spc="-1" strike="noStrike">
-              <a:solidFill>
-                <a:schemeClr val="dk1"/>
-              </a:solidFill>
-              <a:latin typeface="Calibri"/>
-            </a:endParaRPr>
-          </a:p>
-          <a:p>
-            <a:pPr lvl="2" marL="1143000" indent="-228600" defTabSz="914400">
-              <a:lnSpc>
-                <a:spcPct val="90000"/>
-              </a:lnSpc>
-              <a:spcBef>
-                <a:spcPts val="499"/>
-              </a:spcBef>
-              <a:buClr>
-                <a:srgbClr val="000000"/>
-              </a:buClr>
-              <a:buFont typeface="Arial"/>
-              <a:buChar char="•"/>
-            </a:pPr>
-            <a:r>
-              <a:rPr b="0" lang="en-US" sz="2000" spc="-1" strike="noStrike">
-                <a:solidFill>
-                  <a:schemeClr val="dk1"/>
-                </a:solidFill>
-                <a:latin typeface="Calibri"/>
-              </a:rPr>
-              <a:t>Third level</a:t>
-            </a:r>
-            <a:endParaRPr b="0" lang="en-US" sz="2000" spc="-1" strike="noStrike">
-              <a:solidFill>
-                <a:schemeClr val="dk1"/>
-              </a:solidFill>
-              <a:latin typeface="Calibri"/>
-            </a:endParaRPr>
-          </a:p>
-          <a:p>
-            <a:pPr lvl="3" marL="1600200" indent="-228600" defTabSz="914400">
-              <a:lnSpc>
-                <a:spcPct val="90000"/>
-              </a:lnSpc>
-              <a:spcBef>
-                <a:spcPts val="499"/>
-              </a:spcBef>
-              <a:buClr>
-                <a:srgbClr val="000000"/>
-              </a:buClr>
-              <a:buFont typeface="Arial"/>
-              <a:buChar char="•"/>
-            </a:pPr>
-            <a:r>
-              <a:rPr b="0" lang="en-US" sz="1800" spc="-1" strike="noStrike">
-                <a:solidFill>
-                  <a:schemeClr val="dk1"/>
-                </a:solidFill>
-                <a:latin typeface="Calibri"/>
-              </a:rPr>
-              <a:t>Fourth level</a:t>
-            </a:r>
-            <a:endParaRPr b="0" lang="en-US" sz="1800" spc="-1" strike="noStrike">
-              <a:solidFill>
-                <a:schemeClr val="dk1"/>
-              </a:solidFill>
-              <a:latin typeface="Calibri"/>
-            </a:endParaRPr>
-          </a:p>
-          <a:p>
-            <a:pPr lvl="4" marL="2057400" indent="-228600" defTabSz="914400">
-              <a:lnSpc>
-                <a:spcPct val="90000"/>
-              </a:lnSpc>
-              <a:spcBef>
-                <a:spcPts val="499"/>
-              </a:spcBef>
-              <a:buClr>
-                <a:srgbClr val="000000"/>
-              </a:buClr>
-              <a:buFont typeface="Arial"/>
-              <a:buChar char="•"/>
-            </a:pPr>
-            <a:r>
-              <a:rPr b="0" lang="en-US" sz="1800" spc="-1" strike="noStrike">
-                <a:solidFill>
-                  <a:schemeClr val="dk1"/>
-                </a:solidFill>
-                <a:latin typeface="Calibri"/>
-              </a:rPr>
-              <a:t>Fifth level</a:t>
-            </a:r>
-            <a:endParaRPr b="0" lang="en-US" sz="1800" spc="-1" strike="noStrike">
-              <a:solidFill>
-                <a:schemeClr val="dk1"/>
-              </a:solidFill>
-              <a:latin typeface="Calibri"/>
-            </a:endParaRPr>
-          </a:p>
-        </p:txBody>
-      </p:sp>
-      <p:sp>
-        <p:nvSpPr>
-          <p:cNvPr id="43" name="PlaceHolder 6"/>
-          <p:cNvSpPr>
-            <a:spLocks noGrp="1"/>
-          </p:cNvSpPr>
-          <p:nvPr>
-            <p:ph type="dt" idx="19"/>
-          </p:nvPr>
-        </p:nvSpPr>
-        <p:spPr>
-          <a:xfrm>
-            <a:off x="838080" y="6356520"/>
-            <a:ext cx="2742840" cy="364680"/>
-          </a:xfrm>
-          <a:prstGeom prst="rect">
-            <a:avLst/>
-          </a:prstGeom>
-          <a:noFill/>
-          <a:ln w="0">
-            <a:noFill/>
-          </a:ln>
-        </p:spPr>
-        <p:txBody>
-          <a:bodyPr lIns="91440" rIns="91440" tIns="45720" bIns="45720" anchor="ctr">
-            <a:noAutofit/>
-          </a:bodyPr>
-          <a:lstStyle>
-            <a:lvl1pPr indent="0" defTabSz="914400">
-              <a:lnSpc>
-                <a:spcPct val="100000"/>
-              </a:lnSpc>
-              <a:buNone/>
-              <a:defRPr b="0" lang="en-US" sz="1200" spc="-1" strike="noStrike">
-                <a:solidFill>
-                  <a:schemeClr val="dk1">
-                    <a:tint val="75000"/>
-                  </a:schemeClr>
-                </a:solidFill>
-                <a:latin typeface="Calibri"/>
-              </a:defRPr>
-            </a:lvl1pPr>
-          </a:lstStyle>
-          <a:p>
-            <a:pPr indent="0" defTabSz="914400">
-              <a:lnSpc>
-                <a:spcPct val="100000"/>
-              </a:lnSpc>
-              <a:buNone/>
-            </a:pPr>
-            <a:r>
-              <a:rPr b="0" lang="en-US" sz="1200" spc="-1" strike="noStrike">
-                <a:solidFill>
-                  <a:schemeClr val="dk1">
-                    <a:tint val="75000"/>
-                  </a:schemeClr>
-                </a:solidFill>
-                <a:latin typeface="Calibri"/>
-              </a:rPr>
-              <a:t>&lt;date/time&gt;</a:t>
-            </a:r>
-            <a:endParaRPr b="0" lang="en-US" sz="1200" spc="-1" strike="noStrike">
-              <a:solidFill>
-                <a:srgbClr val="000000"/>
-              </a:solidFill>
-              <a:latin typeface="Times New Roman"/>
-            </a:endParaRPr>
-          </a:p>
-        </p:txBody>
-      </p:sp>
-      <p:sp>
-        <p:nvSpPr>
-          <p:cNvPr id="44" name="PlaceHolder 7"/>
-          <p:cNvSpPr>
-            <a:spLocks noGrp="1"/>
-          </p:cNvSpPr>
-          <p:nvPr>
-            <p:ph type="ftr" idx="20"/>
+            <p:ph type="ftr" idx="19"/>
           </p:nvPr>
         </p:nvSpPr>
         <p:spPr>
           <a:xfrm>
             <a:off x="4038480" y="6356520"/>
-            <a:ext cx="4114440" cy="364680"/>
+            <a:ext cx="4114080" cy="364320"/>
           </a:xfrm>
           <a:prstGeom prst="rect">
             <a:avLst/>
@@ -5761,7 +4300,13 @@
           </a:bodyPr>
           <a:lstStyle>
             <a:lvl1pPr indent="0" algn="ctr">
+              <a:lnSpc>
+                <a:spcPct val="100000"/>
+              </a:lnSpc>
               <a:buNone/>
+              <a:tabLst>
+                <a:tab algn="l" pos="0"/>
+              </a:tabLst>
               <a:defRPr b="0" lang="en-US" sz="1400" spc="-1" strike="noStrike">
                 <a:solidFill>
                   <a:srgbClr val="000000"/>
@@ -5772,7 +4317,13 @@
           </a:lstStyle>
           <a:p>
             <a:pPr indent="0" algn="ctr">
+              <a:lnSpc>
+                <a:spcPct val="100000"/>
+              </a:lnSpc>
               <a:buNone/>
+              <a:tabLst>
+                <a:tab algn="l" pos="0"/>
+              </a:tabLst>
             </a:pPr>
             <a:r>
               <a:rPr b="0" lang="en-US" sz="1400" spc="-1" strike="noStrike">
@@ -5794,18 +4345,18 @@
       </p:sp>
       <p:sp>
         <p:nvSpPr>
-          <p:cNvPr id="45" name="PlaceHolder 8"/>
+          <p:cNvPr id="33" name="PlaceHolder 2"/>
           <p:cNvSpPr>
             <a:spLocks noGrp="1"/>
           </p:cNvSpPr>
           <p:nvPr>
-            <p:ph type="sldNum" idx="21"/>
+            <p:ph type="sldNum" idx="20"/>
           </p:nvPr>
         </p:nvSpPr>
         <p:spPr>
           <a:xfrm>
             <a:off x="8610480" y="6356520"/>
-            <a:ext cx="2742840" cy="364680"/>
+            <a:ext cx="2742480" cy="364320"/>
           </a:xfrm>
           <a:prstGeom prst="rect">
             <a:avLst/>
@@ -5825,6 +4376,9 @@
                 <a:spcPct val="100000"/>
               </a:lnSpc>
               <a:buNone/>
+              <a:tabLst>
+                <a:tab algn="l" pos="0"/>
+              </a:tabLst>
               <a:defRPr b="0" lang="en-US" sz="1200" spc="-1" strike="noStrike">
                 <a:solidFill>
                   <a:schemeClr val="dk1">
@@ -5841,8 +4395,11 @@
                 <a:spcPct val="100000"/>
               </a:lnSpc>
               <a:buNone/>
-            </a:pPr>
-            <a:fld id="{0F75D4E6-143C-4D82-90AE-2FC09B0AB99D}" type="slidenum">
+              <a:tabLst>
+                <a:tab algn="l" pos="0"/>
+              </a:tabLst>
+            </a:pPr>
+            <a:fld id="{A7AB5A13-CB14-4912-AE2E-10C024AE0938}" type="slidenum">
               <a:rPr b="0" lang="en-US" sz="1200" spc="-1" strike="noStrike">
                 <a:solidFill>
                   <a:schemeClr val="dk1">
@@ -5854,6 +4411,66 @@
               <a:t>&lt;number&gt;</a:t>
             </a:fld>
             <a:endParaRPr b="0" lang="en-US" sz="1200" spc="-1" strike="noStrike">
+              <a:solidFill>
+                <a:srgbClr val="000000"/>
+              </a:solidFill>
+              <a:latin typeface="Times New Roman"/>
+            </a:endParaRPr>
+          </a:p>
+        </p:txBody>
+      </p:sp>
+      <p:sp>
+        <p:nvSpPr>
+          <p:cNvPr id="34" name="PlaceHolder 3"/>
+          <p:cNvSpPr>
+            <a:spLocks noGrp="1"/>
+          </p:cNvSpPr>
+          <p:nvPr>
+            <p:ph type="dt" idx="21"/>
+          </p:nvPr>
+        </p:nvSpPr>
+        <p:spPr>
+          <a:xfrm>
+            <a:off x="838080" y="6356520"/>
+            <a:ext cx="2742480" cy="364320"/>
+          </a:xfrm>
+          <a:prstGeom prst="rect">
+            <a:avLst/>
+          </a:prstGeom>
+          <a:noFill/>
+          <a:ln w="0">
+            <a:noFill/>
+          </a:ln>
+        </p:spPr>
+        <p:txBody>
+          <a:bodyPr lIns="91440" rIns="91440" tIns="45720" bIns="45720" anchor="ctr">
+            <a:noAutofit/>
+          </a:bodyPr>
+          <a:lstStyle>
+            <a:lvl1pPr indent="0">
+              <a:buNone/>
+              <a:defRPr b="0" lang="en-US" sz="1400" spc="-1" strike="noStrike">
+                <a:solidFill>
+                  <a:srgbClr val="000000"/>
+                </a:solidFill>
+                <a:latin typeface="Times New Roman"/>
+              </a:defRPr>
+            </a:lvl1pPr>
+          </a:lstStyle>
+          <a:p>
+            <a:pPr indent="0">
+              <a:buNone/>
+            </a:pPr>
+            <a:r>
+              <a:rPr b="0" lang="en-US" sz="1400" spc="-1" strike="noStrike">
+                <a:solidFill>
+                  <a:srgbClr val="000000"/>
+                </a:solidFill>
+                <a:latin typeface="Times New Roman"/>
+              </a:rPr>
+              <a:t>&lt;date/time&gt;</a:t>
+            </a:r>
+            <a:endParaRPr b="0" lang="en-US" sz="1400" spc="-1" strike="noStrike">
               <a:solidFill>
                 <a:srgbClr val="000000"/>
               </a:solidFill>
@@ -5897,7 +4514,7 @@
       </p:grpSpPr>
       <p:sp>
         <p:nvSpPr>
-          <p:cNvPr id="46" name="PlaceHolder 1"/>
+          <p:cNvPr id="35" name="PlaceHolder 1"/>
           <p:cNvSpPr>
             <a:spLocks noGrp="1"/>
           </p:cNvSpPr>
@@ -5908,7 +4525,7 @@
         <p:spPr>
           <a:xfrm>
             <a:off x="838080" y="365040"/>
-            <a:ext cx="10515240" cy="1325160"/>
+            <a:ext cx="10514880" cy="1324800"/>
           </a:xfrm>
           <a:prstGeom prst="rect">
             <a:avLst/>
@@ -5919,118 +4536,45 @@
           </a:ln>
         </p:spPr>
         <p:txBody>
-          <a:bodyPr lIns="91440" rIns="91440" tIns="45720" bIns="45720" anchor="ctr">
+          <a:bodyPr lIns="0" rIns="0" tIns="0" bIns="0" anchor="ctr">
             <a:noAutofit/>
           </a:bodyPr>
           <a:p>
-            <a:pPr indent="0" defTabSz="914400">
-              <a:lnSpc>
-                <a:spcPct val="90000"/>
-              </a:lnSpc>
+            <a:pPr indent="0">
               <a:buNone/>
             </a:pPr>
             <a:r>
-              <a:rPr b="0" lang="en-US" sz="4400" spc="-1" strike="noStrike">
-                <a:solidFill>
-                  <a:schemeClr val="dk1"/>
-                </a:solidFill>
-                <a:latin typeface="Calibri Light"/>
-              </a:rPr>
-              <a:t>Click to edit Master title style</a:t>
-            </a:r>
-            <a:endParaRPr b="0" lang="en-US" sz="4400" spc="-1" strike="noStrike">
-              <a:solidFill>
-                <a:schemeClr val="dk1"/>
-              </a:solidFill>
-              <a:latin typeface="Calibri"/>
+              <a:rPr b="0" lang="en-US" sz="1800" spc="-1" strike="noStrike">
+                <a:solidFill>
+                  <a:srgbClr val="000000"/>
+                </a:solidFill>
+                <a:latin typeface="Arial"/>
+              </a:rPr>
+              <a:t>Click to edit the title text format</a:t>
+            </a:r>
+            <a:endParaRPr b="0" lang="en-US" sz="1800" spc="-1" strike="noStrike">
+              <a:solidFill>
+                <a:srgbClr val="000000"/>
+              </a:solidFill>
+              <a:latin typeface="Arial"/>
             </a:endParaRPr>
           </a:p>
         </p:txBody>
       </p:sp>
       <p:sp>
         <p:nvSpPr>
-          <p:cNvPr id="47" name="PlaceHolder 2"/>
+          <p:cNvPr id="36" name="PlaceHolder 2"/>
           <p:cNvSpPr>
             <a:spLocks noGrp="1"/>
           </p:cNvSpPr>
           <p:nvPr>
-            <p:ph type="dt" idx="22"/>
-          </p:nvPr>
-        </p:nvSpPr>
-        <p:spPr>
-          <a:xfrm>
-            <a:off x="838080" y="6356520"/>
-            <a:ext cx="2742840" cy="364680"/>
-          </a:xfrm>
-          <a:prstGeom prst="rect">
-            <a:avLst/>
-          </a:prstGeom>
-          <a:noFill/>
-          <a:ln w="0">
-            <a:noFill/>
-          </a:ln>
-        </p:spPr>
-        <p:txBody>
-          <a:bodyPr lIns="91440" rIns="91440" tIns="45720" bIns="45720" anchor="ctr">
-            <a:noAutofit/>
-          </a:bodyPr>
-          <a:lstStyle>
-            <a:lvl1pPr indent="0" defTabSz="914400">
-              <a:lnSpc>
-                <a:spcPct val="100000"/>
-              </a:lnSpc>
-              <a:buNone/>
-              <a:defRPr b="0" lang="en-US" sz="1200" spc="-1" strike="noStrike">
-                <a:solidFill>
-                  <a:schemeClr val="dk1">
-                    <a:tint val="75000"/>
-                  </a:schemeClr>
-                </a:solidFill>
-                <a:latin typeface="Calibri"/>
-              </a:defRPr>
-            </a:lvl1pPr>
-          </a:lstStyle>
-          <a:p>
-            <a:pPr indent="0" defTabSz="914400">
-              <a:lnSpc>
-                <a:spcPct val="100000"/>
-              </a:lnSpc>
-              <a:buNone/>
-            </a:pPr>
-            <a:r>
-              <a:rPr b="0" lang="en-US" sz="1200" spc="-1" strike="noStrike">
-                <a:solidFill>
-                  <a:schemeClr val="dk1">
-                    <a:tint val="75000"/>
-                  </a:schemeClr>
-                </a:solidFill>
-                <a:latin typeface="Calibri"/>
-              </a:rPr>
-              <a:t>&lt;date/time&gt;</a:t>
-            </a:r>
-            <a:endParaRPr b="0" lang="en-US" sz="1200" spc="-1" strike="noStrike">
-              <a:solidFill>
-                <a:srgbClr val="000000"/>
-              </a:solidFill>
-              <a:latin typeface="Times New Roman"/>
-            </a:endParaRPr>
-          </a:p>
-        </p:txBody>
-      </p:sp>
-      <p:sp>
-        <p:nvSpPr>
-          <p:cNvPr id="48" name="PlaceHolder 3"/>
-          <p:cNvSpPr>
-            <a:spLocks noGrp="1"/>
-          </p:cNvSpPr>
-          <p:nvPr>
-            <p:ph type="ftr" idx="23"/>
+            <p:ph type="ftr" idx="22"/>
           </p:nvPr>
         </p:nvSpPr>
         <p:spPr>
           <a:xfrm>
             <a:off x="4038480" y="6356520"/>
-            <a:ext cx="4114440" cy="364680"/>
+            <a:ext cx="4114080" cy="364320"/>
           </a:xfrm>
           <a:prstGeom prst="rect">
             <a:avLst/>
@@ -6046,7 +4590,13 @@
           </a:bodyPr>
           <a:lstStyle>
             <a:lvl1pPr indent="0" algn="ctr">
+              <a:lnSpc>
+                <a:spcPct val="100000"/>
+              </a:lnSpc>
               <a:buNone/>
+              <a:tabLst>
+                <a:tab algn="l" pos="0"/>
+              </a:tabLst>
               <a:defRPr b="0" lang="en-US" sz="1400" spc="-1" strike="noStrike">
                 <a:solidFill>
                   <a:srgbClr val="000000"/>
@@ -6057,7 +4607,13 @@
           </a:lstStyle>
           <a:p>
             <a:pPr indent="0" algn="ctr">
+              <a:lnSpc>
+                <a:spcPct val="100000"/>
+              </a:lnSpc>
               <a:buNone/>
+              <a:tabLst>
+                <a:tab algn="l" pos="0"/>
+              </a:tabLst>
             </a:pPr>
             <a:r>
               <a:rPr b="0" lang="en-US" sz="1400" spc="-1" strike="noStrike">
@@ -6079,18 +4635,18 @@
       </p:sp>
       <p:sp>
         <p:nvSpPr>
-          <p:cNvPr id="49" name="PlaceHolder 4"/>
+          <p:cNvPr id="37" name="PlaceHolder 3"/>
           <p:cNvSpPr>
             <a:spLocks noGrp="1"/>
           </p:cNvSpPr>
           <p:nvPr>
-            <p:ph type="sldNum" idx="24"/>
+            <p:ph type="sldNum" idx="23"/>
           </p:nvPr>
         </p:nvSpPr>
         <p:spPr>
           <a:xfrm>
             <a:off x="8610480" y="6356520"/>
-            <a:ext cx="2742840" cy="364680"/>
+            <a:ext cx="2742480" cy="364320"/>
           </a:xfrm>
           <a:prstGeom prst="rect">
             <a:avLst/>
@@ -6110,6 +4666,9 @@
                 <a:spcPct val="100000"/>
               </a:lnSpc>
               <a:buNone/>
+              <a:tabLst>
+                <a:tab algn="l" pos="0"/>
+              </a:tabLst>
               <a:defRPr b="0" lang="en-US" sz="1200" spc="-1" strike="noStrike">
                 <a:solidFill>
                   <a:schemeClr val="dk1">
@@ -6126,8 +4685,11 @@
                 <a:spcPct val="100000"/>
               </a:lnSpc>
               <a:buNone/>
-            </a:pPr>
-            <a:fld id="{F6F1279A-0B00-4DD9-B3E8-886CA3B8FBFA}" type="slidenum">
+              <a:tabLst>
+                <a:tab algn="l" pos="0"/>
+              </a:tabLst>
+            </a:pPr>
+            <a:fld id="{C20473A3-34B3-460E-8304-7E2D5CDCDDB6}" type="slidenum">
               <a:rPr b="0" lang="en-US" sz="1200" spc="-1" strike="noStrike">
                 <a:solidFill>
                   <a:schemeClr val="dk1">
@@ -6149,7 +4711,67 @@
       </p:sp>
       <p:sp>
         <p:nvSpPr>
-          <p:cNvPr id="50" name="PlaceHolder 5"/>
+          <p:cNvPr id="38" name="PlaceHolder 4"/>
+          <p:cNvSpPr>
+            <a:spLocks noGrp="1"/>
+          </p:cNvSpPr>
+          <p:nvPr>
+            <p:ph type="dt" idx="24"/>
+          </p:nvPr>
+        </p:nvSpPr>
+        <p:spPr>
+          <a:xfrm>
+            <a:off x="838080" y="6356520"/>
+            <a:ext cx="2742480" cy="364320"/>
+          </a:xfrm>
+          <a:prstGeom prst="rect">
+            <a:avLst/>
+          </a:prstGeom>
+          <a:noFill/>
+          <a:ln w="0">
+            <a:noFill/>
+          </a:ln>
+        </p:spPr>
+        <p:txBody>
+          <a:bodyPr lIns="91440" rIns="91440" tIns="45720" bIns="45720" anchor="ctr">
+            <a:noAutofit/>
+          </a:bodyPr>
+          <a:lstStyle>
+            <a:lvl1pPr indent="0">
+              <a:buNone/>
+              <a:defRPr b="0" lang="en-US" sz="1400" spc="-1" strike="noStrike">
+                <a:solidFill>
+                  <a:srgbClr val="000000"/>
+                </a:solidFill>
+                <a:latin typeface="Times New Roman"/>
+              </a:defRPr>
+            </a:lvl1pPr>
+          </a:lstStyle>
+          <a:p>
+            <a:pPr indent="0">
+              <a:buNone/>
+            </a:pPr>
+            <a:r>
+              <a:rPr b="0" lang="en-US" sz="1400" spc="-1" strike="noStrike">
+                <a:solidFill>
+                  <a:srgbClr val="000000"/>
+                </a:solidFill>
+                <a:latin typeface="Times New Roman"/>
+              </a:rPr>
+              <a:t>&lt;date/time&gt;</a:t>
+            </a:r>
+            <a:endParaRPr b="0" lang="en-US" sz="1400" spc="-1" strike="noStrike">
+              <a:solidFill>
+                <a:srgbClr val="000000"/>
+              </a:solidFill>
+              <a:latin typeface="Times New Roman"/>
+            </a:endParaRPr>
+          </a:p>
+        </p:txBody>
+      </p:sp>
+      <p:sp>
+        <p:nvSpPr>
+          <p:cNvPr id="39" name="PlaceHolder 5"/>
           <p:cNvSpPr>
             <a:spLocks noGrp="1"/>
           </p:cNvSpPr>
@@ -6176,9 +4798,6 @@
           </a:bodyPr>
           <a:p>
             <a:pPr marL="432000" indent="-324000">
-              <a:lnSpc>
-                <a:spcPct val="90000"/>
-              </a:lnSpc>
               <a:spcBef>
                 <a:spcPts val="1417"/>
               </a:spcBef>
@@ -6190,26 +4809,23 @@
               <a:buChar char=""/>
             </a:pPr>
             <a:r>
-              <a:rPr b="0" lang="en-US" sz="2800" spc="-1" strike="noStrike">
-                <a:solidFill>
-                  <a:schemeClr val="dk1"/>
-                </a:solidFill>
-                <a:latin typeface="Calibri"/>
+              <a:rPr b="0" lang="en-US" sz="3200" spc="-1" strike="noStrike">
+                <a:solidFill>
+                  <a:srgbClr val="000000"/>
+                </a:solidFill>
+                <a:latin typeface="Arial"/>
               </a:rPr>
               <a:t>Click to edit the outline text format</a:t>
             </a:r>
-            <a:endParaRPr b="0" lang="en-US" sz="2800" spc="-1" strike="noStrike">
-              <a:solidFill>
-                <a:schemeClr val="dk1"/>
-              </a:solidFill>
-              <a:latin typeface="Calibri"/>
+            <a:endParaRPr b="0" lang="en-US" sz="3200" spc="-1" strike="noStrike">
+              <a:solidFill>
+                <a:srgbClr val="000000"/>
+              </a:solidFill>
+              <a:latin typeface="Arial"/>
             </a:endParaRPr>
           </a:p>
           <a:p>
             <a:pPr lvl="1" marL="864000" indent="-324000">
-              <a:lnSpc>
-                <a:spcPct val="90000"/>
-              </a:lnSpc>
               <a:spcBef>
                 <a:spcPts val="1134"/>
               </a:spcBef>
@@ -6221,26 +4837,23 @@
               <a:buChar char=""/>
             </a:pPr>
             <a:r>
-              <a:rPr b="0" lang="en-US" sz="2000" spc="-1" strike="noStrike">
-                <a:solidFill>
-                  <a:schemeClr val="dk1"/>
-                </a:solidFill>
-                <a:latin typeface="Calibri"/>
+              <a:rPr b="0" lang="en-US" sz="2800" spc="-1" strike="noStrike">
+                <a:solidFill>
+                  <a:srgbClr val="000000"/>
+                </a:solidFill>
+                <a:latin typeface="Arial"/>
               </a:rPr>
               <a:t>Second Outline Level</a:t>
             </a:r>
-            <a:endParaRPr b="0" lang="en-US" sz="2000" spc="-1" strike="noStrike">
-              <a:solidFill>
-                <a:schemeClr val="dk1"/>
-              </a:solidFill>
-              <a:latin typeface="Calibri"/>
+            <a:endParaRPr b="0" lang="en-US" sz="2800" spc="-1" strike="noStrike">
+              <a:solidFill>
+                <a:srgbClr val="000000"/>
+              </a:solidFill>
+              <a:latin typeface="Arial"/>
             </a:endParaRPr>
           </a:p>
           <a:p>
             <a:pPr lvl="2" marL="1296000" indent="-288000">
-              <a:lnSpc>
-                <a:spcPct val="90000"/>
-              </a:lnSpc>
               <a:spcBef>
                 <a:spcPts val="850"/>
               </a:spcBef>
@@ -6252,26 +4865,23 @@
               <a:buChar char=""/>
             </a:pPr>
             <a:r>
-              <a:rPr b="0" lang="en-US" sz="1800" spc="-1" strike="noStrike">
-                <a:solidFill>
-                  <a:schemeClr val="dk1"/>
-                </a:solidFill>
-                <a:latin typeface="Calibri"/>
+              <a:rPr b="0" lang="en-US" sz="2400" spc="-1" strike="noStrike">
+                <a:solidFill>
+                  <a:srgbClr val="000000"/>
+                </a:solidFill>
+                <a:latin typeface="Arial"/>
               </a:rPr>
               <a:t>Third Outline Level</a:t>
             </a:r>
-            <a:endParaRPr b="0" lang="en-US" sz="1800" spc="-1" strike="noStrike">
-              <a:solidFill>
-                <a:schemeClr val="dk1"/>
-              </a:solidFill>
-              <a:latin typeface="Calibri"/>
+            <a:endParaRPr b="0" lang="en-US" sz="2400" spc="-1" strike="noStrike">
+              <a:solidFill>
+                <a:srgbClr val="000000"/>
+              </a:solidFill>
+              <a:latin typeface="Arial"/>
             </a:endParaRPr>
           </a:p>
           <a:p>
             <a:pPr lvl="3" marL="1728000" indent="-216000">
-              <a:lnSpc>
-                <a:spcPct val="90000"/>
-              </a:lnSpc>
               <a:spcBef>
                 <a:spcPts val="567"/>
               </a:spcBef>
@@ -6283,26 +4893,23 @@
               <a:buChar char=""/>
             </a:pPr>
             <a:r>
-              <a:rPr b="0" lang="en-US" sz="1800" spc="-1" strike="noStrike">
-                <a:solidFill>
-                  <a:schemeClr val="dk1"/>
-                </a:solidFill>
-                <a:latin typeface="Calibri"/>
+              <a:rPr b="0" lang="en-US" sz="2000" spc="-1" strike="noStrike">
+                <a:solidFill>
+                  <a:srgbClr val="000000"/>
+                </a:solidFill>
+                <a:latin typeface="Arial"/>
               </a:rPr>
               <a:t>Fourth Outline Level</a:t>
             </a:r>
-            <a:endParaRPr b="0" lang="en-US" sz="1800" spc="-1" strike="noStrike">
-              <a:solidFill>
-                <a:schemeClr val="dk1"/>
-              </a:solidFill>
-              <a:latin typeface="Calibri"/>
+            <a:endParaRPr b="0" lang="en-US" sz="2000" spc="-1" strike="noStrike">
+              <a:solidFill>
+                <a:srgbClr val="000000"/>
+              </a:solidFill>
+              <a:latin typeface="Arial"/>
             </a:endParaRPr>
           </a:p>
           <a:p>
             <a:pPr lvl="4" marL="2160000" indent="-216000">
-              <a:lnSpc>
-                <a:spcPct val="90000"/>
-              </a:lnSpc>
               <a:spcBef>
                 <a:spcPts val="283"/>
               </a:spcBef>
@@ -6316,24 +4923,21 @@
             <a:r>
               <a:rPr b="0" lang="en-US" sz="2000" spc="-1" strike="noStrike">
                 <a:solidFill>
-                  <a:schemeClr val="dk1"/>
-                </a:solidFill>
-                <a:latin typeface="Calibri"/>
+                  <a:srgbClr val="000000"/>
+                </a:solidFill>
+                <a:latin typeface="Arial"/>
               </a:rPr>
               <a:t>Fifth Outline Level</a:t>
             </a:r>
             <a:endParaRPr b="0" lang="en-US" sz="2000" spc="-1" strike="noStrike">
               <a:solidFill>
-                <a:schemeClr val="dk1"/>
-              </a:solidFill>
-              <a:latin typeface="Calibri"/>
+                <a:srgbClr val="000000"/>
+              </a:solidFill>
+              <a:latin typeface="Arial"/>
             </a:endParaRPr>
           </a:p>
           <a:p>
             <a:pPr lvl="5" marL="2592000" indent="-216000">
-              <a:lnSpc>
-                <a:spcPct val="90000"/>
-              </a:lnSpc>
               <a:spcBef>
                 <a:spcPts val="283"/>
               </a:spcBef>
@@ -6347,24 +4951,21 @@
             <a:r>
               <a:rPr b="0" lang="en-US" sz="2000" spc="-1" strike="noStrike">
                 <a:solidFill>
-                  <a:schemeClr val="dk1"/>
-                </a:solidFill>
-                <a:latin typeface="Calibri"/>
+                  <a:srgbClr val="000000"/>
+                </a:solidFill>
+                <a:latin typeface="Arial"/>
               </a:rPr>
               <a:t>Sixth Outline Level</a:t>
             </a:r>
             <a:endParaRPr b="0" lang="en-US" sz="2000" spc="-1" strike="noStrike">
               <a:solidFill>
-                <a:schemeClr val="dk1"/>
-              </a:solidFill>
-              <a:latin typeface="Calibri"/>
+                <a:srgbClr val="000000"/>
+              </a:solidFill>
+              <a:latin typeface="Arial"/>
             </a:endParaRPr>
           </a:p>
           <a:p>
             <a:pPr lvl="6" marL="3024000" indent="-216000">
-              <a:lnSpc>
-                <a:spcPct val="90000"/>
-              </a:lnSpc>
               <a:spcBef>
                 <a:spcPts val="283"/>
               </a:spcBef>
@@ -6378,17 +4979,17 @@
             <a:r>
               <a:rPr b="0" lang="en-US" sz="2000" spc="-1" strike="noStrike">
                 <a:solidFill>
-                  <a:schemeClr val="dk1"/>
-                </a:solidFill>
-                <a:latin typeface="Calibri"/>
+                  <a:srgbClr val="000000"/>
+                </a:solidFill>
+                <a:latin typeface="Arial"/>
               </a:rPr>
               <a:t>Seventh Outline Level</a:t>
             </a:r>
             <a:endParaRPr b="0" lang="en-US" sz="2000" spc="-1" strike="noStrike">
               <a:solidFill>
-                <a:schemeClr val="dk1"/>
-              </a:solidFill>
-              <a:latin typeface="Calibri"/>
+                <a:srgbClr val="000000"/>
+              </a:solidFill>
+              <a:latin typeface="Arial"/>
             </a:endParaRPr>
           </a:p>
         </p:txBody>
@@ -6428,88 +5029,18 @@
       </p:grpSpPr>
       <p:sp>
         <p:nvSpPr>
-          <p:cNvPr id="52" name="PlaceHolder 1"/>
+          <p:cNvPr id="41" name="PlaceHolder 1"/>
           <p:cNvSpPr>
             <a:spLocks noGrp="1"/>
           </p:cNvSpPr>
           <p:nvPr>
-            <p:ph type="dt" idx="25"/>
-          </p:nvPr>
-        </p:nvSpPr>
-        <p:spPr>
-          <a:xfrm>
-            <a:off x="838080" y="6356520"/>
-            <a:ext cx="2742840" cy="364680"/>
-          </a:xfrm>
-          <a:prstGeom prst="rect">
-            <a:avLst/>
-          </a:prstGeom>
-          <a:noFill/>
-          <a:ln w="0">
-            <a:noFill/>
-          </a:ln>
-        </p:spPr>
-        <p:txBody>
-          <a:bodyPr lIns="91440" rIns="91440" tIns="45720" bIns="45720" anchor="ctr">
-            <a:noAutofit/>
-          </a:bodyPr>
-          <a:lstStyle>
-            <a:lvl1pPr indent="0" defTabSz="914400">
-              <a:lnSpc>
-                <a:spcPct val="100000"/>
-              </a:lnSpc>
-              <a:buNone/>
-              <a:defRPr b="0" lang="en-US" sz="1200" spc="-1" strike="noStrike">
-                <a:solidFill>
-                  <a:schemeClr val="dk1">
-                    <a:tint val="75000"/>
-                  </a:schemeClr>
-                </a:solidFill>
-                <a:latin typeface="Calibri"/>
-              </a:defRPr>
-            </a:lvl1pPr>
-          </a:lstStyle>
-          <a:p>
-            <a:pPr indent="0" defTabSz="914400">
-              <a:lnSpc>
-                <a:spcPct val="100000"/>
-              </a:lnSpc>
-              <a:buNone/>
-            </a:pPr>
-            <a:r>
-              <a:rPr b="0" lang="en-US" sz="1200" spc="-1" strike="noStrike">
-                <a:solidFill>
-                  <a:schemeClr val="dk1">
-                    <a:tint val="75000"/>
-                  </a:schemeClr>
-                </a:solidFill>
-                <a:latin typeface="Calibri"/>
-              </a:rPr>
-              <a:t>&lt;date/time&gt;</a:t>
-            </a:r>
-            <a:endParaRPr b="0" lang="en-US" sz="1200" spc="-1" strike="noStrike">
-              <a:solidFill>
-                <a:srgbClr val="000000"/>
-              </a:solidFill>
-              <a:latin typeface="Times New Roman"/>
-            </a:endParaRPr>
-          </a:p>
-        </p:txBody>
-      </p:sp>
-      <p:sp>
-        <p:nvSpPr>
-          <p:cNvPr id="53" name="PlaceHolder 2"/>
-          <p:cNvSpPr>
-            <a:spLocks noGrp="1"/>
-          </p:cNvSpPr>
-          <p:nvPr>
-            <p:ph type="ftr" idx="26"/>
+            <p:ph type="ftr" idx="25"/>
           </p:nvPr>
         </p:nvSpPr>
         <p:spPr>
           <a:xfrm>
             <a:off x="4038480" y="6356520"/>
-            <a:ext cx="4114440" cy="364680"/>
+            <a:ext cx="4114080" cy="364320"/>
           </a:xfrm>
           <a:prstGeom prst="rect">
             <a:avLst/>
@@ -6525,7 +5056,13 @@
           </a:bodyPr>
           <a:lstStyle>
             <a:lvl1pPr indent="0" algn="ctr">
+              <a:lnSpc>
+                <a:spcPct val="100000"/>
+              </a:lnSpc>
               <a:buNone/>
+              <a:tabLst>
+                <a:tab algn="l" pos="0"/>
+              </a:tabLst>
               <a:defRPr b="0" lang="en-US" sz="1400" spc="-1" strike="noStrike">
                 <a:solidFill>
                   <a:srgbClr val="000000"/>
@@ -6536,7 +5073,13 @@
           </a:lstStyle>
           <a:p>
             <a:pPr indent="0" algn="ctr">
+              <a:lnSpc>
+                <a:spcPct val="100000"/>
+              </a:lnSpc>
               <a:buNone/>
+              <a:tabLst>
+                <a:tab algn="l" pos="0"/>
+              </a:tabLst>
             </a:pPr>
             <a:r>
               <a:rPr b="0" lang="en-US" sz="1400" spc="-1" strike="noStrike">
@@ -6558,18 +5101,18 @@
       </p:sp>
       <p:sp>
         <p:nvSpPr>
-          <p:cNvPr id="54" name="PlaceHolder 3"/>
+          <p:cNvPr id="42" name="PlaceHolder 2"/>
           <p:cNvSpPr>
             <a:spLocks noGrp="1"/>
           </p:cNvSpPr>
           <p:nvPr>
-            <p:ph type="sldNum" idx="27"/>
+            <p:ph type="sldNum" idx="26"/>
           </p:nvPr>
         </p:nvSpPr>
         <p:spPr>
           <a:xfrm>
             <a:off x="8610480" y="6356520"/>
-            <a:ext cx="2742840" cy="364680"/>
+            <a:ext cx="2742480" cy="364320"/>
           </a:xfrm>
           <a:prstGeom prst="rect">
             <a:avLst/>
@@ -6589,6 +5132,9 @@
                 <a:spcPct val="100000"/>
               </a:lnSpc>
               <a:buNone/>
+              <a:tabLst>
+                <a:tab algn="l" pos="0"/>
+              </a:tabLst>
               <a:defRPr b="0" lang="en-US" sz="1200" spc="-1" strike="noStrike">
                 <a:solidFill>
                   <a:schemeClr val="dk1">
@@ -6605,8 +5151,11 @@
                 <a:spcPct val="100000"/>
               </a:lnSpc>
               <a:buNone/>
-            </a:pPr>
-            <a:fld id="{EE161971-039B-47D9-AE61-5FD6C9D12E13}" type="slidenum">
+              <a:tabLst>
+                <a:tab algn="l" pos="0"/>
+              </a:tabLst>
+            </a:pPr>
+            <a:fld id="{EBE1C054-CCAE-437E-A8B1-308F29587B59}" type="slidenum">
               <a:rPr b="0" lang="en-US" sz="1200" spc="-1" strike="noStrike">
                 <a:solidFill>
                   <a:schemeClr val="dk1">
@@ -6618,6 +5167,66 @@
               <a:t>&lt;number&gt;</a:t>
             </a:fld>
             <a:endParaRPr b="0" lang="en-US" sz="1200" spc="-1" strike="noStrike">
+              <a:solidFill>
+                <a:srgbClr val="000000"/>
+              </a:solidFill>
+              <a:latin typeface="Times New Roman"/>
+            </a:endParaRPr>
+          </a:p>
+        </p:txBody>
+      </p:sp>
+      <p:sp>
+        <p:nvSpPr>
+          <p:cNvPr id="43" name="PlaceHolder 3"/>
+          <p:cNvSpPr>
+            <a:spLocks noGrp="1"/>
+          </p:cNvSpPr>
+          <p:nvPr>
+            <p:ph type="dt" idx="27"/>
+          </p:nvPr>
+        </p:nvSpPr>
+        <p:spPr>
+          <a:xfrm>
+            <a:off x="838080" y="6356520"/>
+            <a:ext cx="2742480" cy="364320"/>
+          </a:xfrm>
+          <a:prstGeom prst="rect">
+            <a:avLst/>
+          </a:prstGeom>
+          <a:noFill/>
+          <a:ln w="0">
+            <a:noFill/>
+          </a:ln>
+        </p:spPr>
+        <p:txBody>
+          <a:bodyPr lIns="91440" rIns="91440" tIns="45720" bIns="45720" anchor="ctr">
+            <a:noAutofit/>
+          </a:bodyPr>
+          <a:lstStyle>
+            <a:lvl1pPr indent="0">
+              <a:buNone/>
+              <a:defRPr b="0" lang="en-US" sz="1400" spc="-1" strike="noStrike">
+                <a:solidFill>
+                  <a:srgbClr val="000000"/>
+                </a:solidFill>
+                <a:latin typeface="Times New Roman"/>
+              </a:defRPr>
+            </a:lvl1pPr>
+          </a:lstStyle>
+          <a:p>
+            <a:pPr indent="0">
+              <a:buNone/>
+            </a:pPr>
+            <a:r>
+              <a:rPr b="0" lang="en-US" sz="1400" spc="-1" strike="noStrike">
+                <a:solidFill>
+                  <a:srgbClr val="000000"/>
+                </a:solidFill>
+                <a:latin typeface="Times New Roman"/>
+              </a:rPr>
+              <a:t>&lt;date/time&gt;</a:t>
+            </a:r>
+            <a:endParaRPr b="0" lang="en-US" sz="1400" spc="-1" strike="noStrike">
               <a:solidFill>
                 <a:srgbClr val="000000"/>
               </a:solidFill>
@@ -6654,7 +5263,7 @@
       </p:grpSpPr>
       <p:sp>
         <p:nvSpPr>
-          <p:cNvPr id="67" name="PlaceHolder 1"/>
+          <p:cNvPr id="50" name="PlaceHolder 1"/>
           <p:cNvSpPr>
             <a:spLocks noGrp="1"/>
           </p:cNvSpPr>
@@ -6665,7 +5274,7 @@
         <p:spPr>
           <a:xfrm>
             <a:off x="1523880" y="1122480"/>
-            <a:ext cx="9143640" cy="2387160"/>
+            <a:ext cx="9143280" cy="2386800"/>
           </a:xfrm>
           <a:prstGeom prst="rect">
             <a:avLst/>
@@ -6685,6 +5294,9 @@
                 <a:spcPct val="90000"/>
               </a:lnSpc>
               <a:buNone/>
+              <a:tabLst>
+                <a:tab algn="l" pos="0"/>
+              </a:tabLst>
             </a:pPr>
             <a:r>
               <a:rPr b="0" lang="en-US" sz="6000" spc="-1" strike="noStrike">
@@ -6697,16 +5309,16 @@
             </a:r>
             <a:endParaRPr b="0" lang="en-US" sz="6000" spc="-1" strike="noStrike">
               <a:solidFill>
-                <a:schemeClr val="dk1"/>
-              </a:solidFill>
-              <a:latin typeface="Calibri"/>
+                <a:srgbClr val="000000"/>
+              </a:solidFill>
+              <a:latin typeface="Arial"/>
             </a:endParaRPr>
           </a:p>
         </p:txBody>
       </p:sp>
       <p:sp>
         <p:nvSpPr>
-          <p:cNvPr id="68" name="PlaceHolder 2"/>
+          <p:cNvPr id="51" name="PlaceHolder 2"/>
           <p:cNvSpPr>
             <a:spLocks noGrp="1"/>
           </p:cNvSpPr>
@@ -6717,7 +5329,7 @@
         <p:spPr>
           <a:xfrm>
             <a:off x="1523880" y="3602160"/>
-            <a:ext cx="9143640" cy="1655280"/>
+            <a:ext cx="9143280" cy="1654920"/>
           </a:xfrm>
           <a:prstGeom prst="rect">
             <a:avLst/>
@@ -6755,9 +5367,9 @@
             </a:r>
             <a:endParaRPr b="0" lang="en-US" sz="2400" spc="-1" strike="noStrike">
               <a:solidFill>
-                <a:schemeClr val="dk1"/>
-              </a:solidFill>
-              <a:latin typeface="Calibri"/>
+                <a:srgbClr val="000000"/>
+              </a:solidFill>
+              <a:latin typeface="Arial"/>
             </a:endParaRPr>
           </a:p>
           <a:p>
@@ -6784,9 +5396,9 @@
             </a:r>
             <a:endParaRPr b="0" lang="en-US" sz="2400" spc="-1" strike="noStrike">
               <a:solidFill>
-                <a:schemeClr val="dk1"/>
-              </a:solidFill>
-              <a:latin typeface="Calibri"/>
+                <a:srgbClr val="000000"/>
+              </a:solidFill>
+              <a:latin typeface="Arial"/>
             </a:endParaRPr>
           </a:p>
         </p:txBody>
@@ -6823,7 +5435,7 @@
       </p:grpSpPr>
       <p:sp>
         <p:nvSpPr>
-          <p:cNvPr id="69" name="PlaceHolder 1"/>
+          <p:cNvPr id="52" name="PlaceHolder 1"/>
           <p:cNvSpPr>
             <a:spLocks noGrp="1"/>
           </p:cNvSpPr>
@@ -6834,7 +5446,7 @@
         <p:spPr>
           <a:xfrm>
             <a:off x="838080" y="365040"/>
-            <a:ext cx="10515240" cy="1325160"/>
+            <a:ext cx="10514880" cy="1324800"/>
           </a:xfrm>
           <a:prstGeom prst="rect">
             <a:avLst/>
@@ -6854,6 +5466,9 @@
                 <a:spcPct val="90000"/>
               </a:lnSpc>
               <a:buNone/>
+              <a:tabLst>
+                <a:tab algn="l" pos="0"/>
+              </a:tabLst>
             </a:pPr>
             <a:r>
               <a:rPr b="0" lang="en-US" sz="4400" spc="-1" strike="noStrike">
@@ -6866,16 +5481,16 @@
             </a:r>
             <a:endParaRPr b="0" lang="en-US" sz="4400" spc="-1" strike="noStrike">
               <a:solidFill>
-                <a:schemeClr val="dk1"/>
-              </a:solidFill>
-              <a:latin typeface="Calibri"/>
+                <a:srgbClr val="000000"/>
+              </a:solidFill>
+              <a:latin typeface="Arial"/>
             </a:endParaRPr>
           </a:p>
         </p:txBody>
       </p:sp>
       <p:sp>
         <p:nvSpPr>
-          <p:cNvPr id="70" name="PlaceHolder 2"/>
+          <p:cNvPr id="53" name="PlaceHolder 2"/>
           <p:cNvSpPr>
             <a:spLocks noGrp="1"/>
           </p:cNvSpPr>
@@ -6886,7 +5501,7 @@
         <p:spPr>
           <a:xfrm>
             <a:off x="838080" y="1825560"/>
-            <a:ext cx="10515240" cy="4350960"/>
+            <a:ext cx="10514880" cy="4350600"/>
           </a:xfrm>
           <a:prstGeom prst="rect">
             <a:avLst/>
@@ -6928,9 +5543,9 @@
             </a:r>
             <a:endParaRPr b="0" lang="en-US" sz="2800" spc="-1" strike="noStrike">
               <a:solidFill>
-                <a:schemeClr val="dk1"/>
-              </a:solidFill>
-              <a:latin typeface="Calibri"/>
+                <a:srgbClr val="000000"/>
+              </a:solidFill>
+              <a:latin typeface="Arial"/>
             </a:endParaRPr>
           </a:p>
         </p:txBody>
@@ -6967,7 +5582,7 @@
       </p:grpSpPr>
       <p:sp>
         <p:nvSpPr>
-          <p:cNvPr id="71" name="PlaceHolder 1"/>
+          <p:cNvPr id="54" name="PlaceHolder 1"/>
           <p:cNvSpPr>
             <a:spLocks noGrp="1"/>
           </p:cNvSpPr>
@@ -6978,7 +5593,7 @@
         <p:spPr>
           <a:xfrm>
             <a:off x="515520" y="337320"/>
-            <a:ext cx="11295000" cy="5839200"/>
+            <a:ext cx="11294640" cy="5838840"/>
           </a:xfrm>
           <a:prstGeom prst="rect">
             <a:avLst/>
@@ -6990,7 +5605,7 @@
         </p:spPr>
         <p:txBody>
           <a:bodyPr lIns="91440" rIns="91440" tIns="45720" bIns="45720" anchor="t">
-            <a:normAutofit fontScale="66770"/>
+            <a:normAutofit fontScale="66111"/>
           </a:bodyPr>
           <a:p>
             <a:pPr marL="228600" indent="-228600" defTabSz="914400">
@@ -7017,9 +5632,9 @@
             </a:r>
             <a:endParaRPr b="0" lang="en-US" sz="2800" spc="-1" strike="noStrike">
               <a:solidFill>
-                <a:schemeClr val="dk1"/>
-              </a:solidFill>
-              <a:latin typeface="Calibri"/>
+                <a:srgbClr val="000000"/>
+              </a:solidFill>
+              <a:latin typeface="Arial"/>
             </a:endParaRPr>
           </a:p>
           <a:p>
@@ -7067,9 +5682,9 @@
             </a:r>
             <a:endParaRPr b="0" lang="en-US" sz="2200" spc="-1" strike="noStrike">
               <a:solidFill>
-                <a:schemeClr val="dk1"/>
-              </a:solidFill>
-              <a:latin typeface="Calibri"/>
+                <a:srgbClr val="000000"/>
+              </a:solidFill>
+              <a:latin typeface="Arial"/>
             </a:endParaRPr>
           </a:p>
           <a:p>
@@ -7097,9 +5712,9 @@
             </a:r>
             <a:endParaRPr b="0" lang="en-US" sz="2400" spc="-1" strike="noStrike">
               <a:solidFill>
-                <a:schemeClr val="dk1"/>
-              </a:solidFill>
-              <a:latin typeface="Calibri"/>
+                <a:srgbClr val="000000"/>
+              </a:solidFill>
+              <a:latin typeface="Arial"/>
             </a:endParaRPr>
           </a:p>
           <a:p>
@@ -7127,9 +5742,9 @@
             </a:r>
             <a:endParaRPr b="0" lang="en-US" sz="2000" spc="-1" strike="noStrike">
               <a:solidFill>
-                <a:schemeClr val="dk1"/>
-              </a:solidFill>
-              <a:latin typeface="Calibri"/>
+                <a:srgbClr val="000000"/>
+              </a:solidFill>
+              <a:latin typeface="Arial"/>
             </a:endParaRPr>
           </a:p>
           <a:p>
@@ -7157,9 +5772,9 @@
             </a:r>
             <a:endParaRPr b="0" lang="en-US" sz="2000" spc="-1" strike="noStrike">
               <a:solidFill>
-                <a:schemeClr val="dk1"/>
-              </a:solidFill>
-              <a:latin typeface="Calibri"/>
+                <a:srgbClr val="000000"/>
+              </a:solidFill>
+              <a:latin typeface="Arial"/>
             </a:endParaRPr>
           </a:p>
           <a:p>
@@ -7187,9 +5802,9 @@
             </a:r>
             <a:endParaRPr b="0" lang="en-US" sz="2000" spc="-1" strike="noStrike">
               <a:solidFill>
-                <a:schemeClr val="dk1"/>
-              </a:solidFill>
-              <a:latin typeface="Calibri"/>
+                <a:srgbClr val="000000"/>
+              </a:solidFill>
+              <a:latin typeface="Arial"/>
             </a:endParaRPr>
           </a:p>
           <a:p>
@@ -7217,9 +5832,9 @@
             </a:r>
             <a:endParaRPr b="0" lang="en-US" sz="2000" spc="-1" strike="noStrike">
               <a:solidFill>
-                <a:schemeClr val="dk1"/>
-              </a:solidFill>
-              <a:latin typeface="Calibri"/>
+                <a:srgbClr val="000000"/>
+              </a:solidFill>
+              <a:latin typeface="Arial"/>
             </a:endParaRPr>
           </a:p>
           <a:p>
@@ -7247,9 +5862,9 @@
             </a:r>
             <a:endParaRPr b="0" lang="en-US" sz="2000" spc="-1" strike="noStrike">
               <a:solidFill>
-                <a:schemeClr val="dk1"/>
-              </a:solidFill>
-              <a:latin typeface="Calibri"/>
+                <a:srgbClr val="000000"/>
+              </a:solidFill>
+              <a:latin typeface="Arial"/>
             </a:endParaRPr>
           </a:p>
           <a:p>
@@ -7277,9 +5892,9 @@
             </a:r>
             <a:endParaRPr b="0" lang="en-US" sz="2800" spc="-1" strike="noStrike">
               <a:solidFill>
-                <a:schemeClr val="dk1"/>
-              </a:solidFill>
-              <a:latin typeface="Calibri"/>
+                <a:srgbClr val="000000"/>
+              </a:solidFill>
+              <a:latin typeface="Arial"/>
             </a:endParaRPr>
           </a:p>
           <a:p>
@@ -7307,9 +5922,9 @@
             </a:r>
             <a:endParaRPr b="0" lang="en-US" sz="2400" spc="-1" strike="noStrike">
               <a:solidFill>
-                <a:schemeClr val="dk1"/>
-              </a:solidFill>
-              <a:latin typeface="Calibri"/>
+                <a:srgbClr val="000000"/>
+              </a:solidFill>
+              <a:latin typeface="Arial"/>
             </a:endParaRPr>
           </a:p>
           <a:p>
@@ -7357,9 +5972,9 @@
             </a:r>
             <a:endParaRPr b="0" lang="en-US" sz="2800" spc="-1" strike="noStrike">
               <a:solidFill>
-                <a:schemeClr val="dk1"/>
-              </a:solidFill>
-              <a:latin typeface="Calibri"/>
+                <a:srgbClr val="000000"/>
+              </a:solidFill>
+              <a:latin typeface="Arial"/>
             </a:endParaRPr>
           </a:p>
           <a:p>
@@ -7387,9 +6002,9 @@
             </a:r>
             <a:endParaRPr b="0" lang="en-US" sz="2400" spc="-1" strike="noStrike">
               <a:solidFill>
-                <a:schemeClr val="dk1"/>
-              </a:solidFill>
-              <a:latin typeface="Calibri"/>
+                <a:srgbClr val="000000"/>
+              </a:solidFill>
+              <a:latin typeface="Arial"/>
             </a:endParaRPr>
           </a:p>
           <a:p>
@@ -7418,9 +6033,9 @@
             </a:r>
             <a:endParaRPr b="0" lang="en-US" sz="2000" spc="-1" strike="noStrike">
               <a:solidFill>
-                <a:schemeClr val="dk1"/>
-              </a:solidFill>
-              <a:latin typeface="Calibri"/>
+                <a:srgbClr val="000000"/>
+              </a:solidFill>
+              <a:latin typeface="Arial"/>
             </a:endParaRPr>
           </a:p>
           <a:p>
@@ -7449,9 +6064,9 @@
             </a:r>
             <a:endParaRPr b="0" lang="en-US" sz="2000" spc="-1" strike="noStrike">
               <a:solidFill>
-                <a:schemeClr val="dk1"/>
-              </a:solidFill>
-              <a:latin typeface="Calibri"/>
+                <a:srgbClr val="000000"/>
+              </a:solidFill>
+              <a:latin typeface="Arial"/>
             </a:endParaRPr>
           </a:p>
           <a:p>
@@ -7480,9 +6095,9 @@
             </a:r>
             <a:endParaRPr b="0" lang="en-US" sz="2000" spc="-1" strike="noStrike">
               <a:solidFill>
-                <a:schemeClr val="dk1"/>
-              </a:solidFill>
-              <a:latin typeface="Calibri"/>
+                <a:srgbClr val="000000"/>
+              </a:solidFill>
+              <a:latin typeface="Arial"/>
             </a:endParaRPr>
           </a:p>
           <a:p>
@@ -7511,9 +6126,9 @@
             </a:r>
             <a:endParaRPr b="0" lang="en-US" sz="2400" spc="-1" strike="noStrike">
               <a:solidFill>
-                <a:schemeClr val="dk1"/>
-              </a:solidFill>
-              <a:latin typeface="Calibri"/>
+                <a:srgbClr val="000000"/>
+              </a:solidFill>
+              <a:latin typeface="Arial"/>
             </a:endParaRPr>
           </a:p>
           <a:p>
@@ -7542,9 +6157,9 @@
             </a:r>
             <a:endParaRPr b="0" lang="en-US" sz="2000" spc="-1" strike="noStrike">
               <a:solidFill>
-                <a:schemeClr val="dk1"/>
-              </a:solidFill>
-              <a:latin typeface="Calibri"/>
+                <a:srgbClr val="000000"/>
+              </a:solidFill>
+              <a:latin typeface="Arial"/>
             </a:endParaRPr>
           </a:p>
           <a:p>
@@ -7573,9 +6188,9 @@
             </a:r>
             <a:endParaRPr b="0" lang="en-US" sz="2000" spc="-1" strike="noStrike">
               <a:solidFill>
-                <a:schemeClr val="dk1"/>
-              </a:solidFill>
-              <a:latin typeface="Calibri"/>
+                <a:srgbClr val="000000"/>
+              </a:solidFill>
+              <a:latin typeface="Arial"/>
             </a:endParaRPr>
           </a:p>
           <a:p>
@@ -7604,9 +6219,9 @@
             </a:r>
             <a:endParaRPr b="0" lang="en-US" sz="2400" spc="-1" strike="noStrike">
               <a:solidFill>
-                <a:schemeClr val="dk1"/>
-              </a:solidFill>
-              <a:latin typeface="Calibri"/>
+                <a:srgbClr val="000000"/>
+              </a:solidFill>
+              <a:latin typeface="Arial"/>
             </a:endParaRPr>
           </a:p>
           <a:p>
@@ -7618,12 +6233,15 @@
                 <a:spcPts val="1001"/>
               </a:spcBef>
               <a:buNone/>
+              <a:tabLst>
+                <a:tab algn="l" pos="0"/>
+              </a:tabLst>
             </a:pPr>
             <a:endParaRPr b="0" lang="en-US" sz="2800" spc="-1" strike="noStrike">
               <a:solidFill>
-                <a:schemeClr val="dk1"/>
-              </a:solidFill>
-              <a:latin typeface="Calibri"/>
+                <a:srgbClr val="000000"/>
+              </a:solidFill>
+              <a:latin typeface="Arial"/>
             </a:endParaRPr>
           </a:p>
           <a:p>
@@ -7635,12 +6253,15 @@
                 <a:spcPts val="1001"/>
               </a:spcBef>
               <a:buNone/>
+              <a:tabLst>
+                <a:tab algn="l" pos="0"/>
+              </a:tabLst>
             </a:pPr>
             <a:endParaRPr b="0" lang="en-US" sz="2800" spc="-1" strike="noStrike">
               <a:solidFill>
-                <a:schemeClr val="dk1"/>
-              </a:solidFill>
-              <a:latin typeface="Calibri"/>
+                <a:srgbClr val="000000"/>
+              </a:solidFill>
+              <a:latin typeface="Arial"/>
             </a:endParaRPr>
           </a:p>
         </p:txBody>
@@ -7677,7 +6298,7 @@
       </p:grpSpPr>
       <p:pic>
         <p:nvPicPr>
-          <p:cNvPr id="72" name="Picture 5" descr="A picture containing table&#10;&#10;Description automatically generated"/>
+          <p:cNvPr id="55" name="Picture 5" descr="A picture containing table&#10;&#10;Description automatically generated"/>
           <p:cNvPicPr/>
           <p:nvPr/>
         </p:nvPicPr>
@@ -7688,7 +6309,7 @@
         <p:spPr>
           <a:xfrm>
             <a:off x="1818720" y="1397520"/>
-            <a:ext cx="9255240" cy="5180040"/>
+            <a:ext cx="9254880" cy="5179680"/>
           </a:xfrm>
           <a:prstGeom prst="rect">
             <a:avLst/>
@@ -7700,7 +6321,7 @@
       </p:pic>
       <p:sp>
         <p:nvSpPr>
-          <p:cNvPr id="73" name="PlaceHolder 1"/>
+          <p:cNvPr id="56" name="PlaceHolder 1"/>
           <p:cNvSpPr>
             <a:spLocks noGrp="1"/>
           </p:cNvSpPr>
@@ -7711,7 +6332,7 @@
         <p:spPr>
           <a:xfrm>
             <a:off x="838080" y="365040"/>
-            <a:ext cx="10515240" cy="1325160"/>
+            <a:ext cx="10514880" cy="1324800"/>
           </a:xfrm>
           <a:prstGeom prst="rect">
             <a:avLst/>
@@ -7731,6 +6352,9 @@
                 <a:spcPct val="90000"/>
               </a:lnSpc>
               <a:buNone/>
+              <a:tabLst>
+                <a:tab algn="l" pos="0"/>
+              </a:tabLst>
             </a:pPr>
             <a:r>
               <a:rPr b="0" lang="en-US" sz="4400" spc="-1" strike="noStrike">
@@ -7743,9 +6367,9 @@
             </a:r>
             <a:endParaRPr b="0" lang="en-US" sz="4400" spc="-1" strike="noStrike">
               <a:solidFill>
-                <a:schemeClr val="dk1"/>
-              </a:solidFill>
-              <a:latin typeface="Calibri"/>
+                <a:srgbClr val="000000"/>
+              </a:solidFill>
+              <a:latin typeface="Arial"/>
             </a:endParaRPr>
           </a:p>
         </p:txBody>
@@ -7782,7 +6406,7 @@
       </p:grpSpPr>
       <p:sp>
         <p:nvSpPr>
-          <p:cNvPr id="74" name="PlaceHolder 1"/>
+          <p:cNvPr id="57" name="PlaceHolder 1"/>
           <p:cNvSpPr>
             <a:spLocks noGrp="1"/>
           </p:cNvSpPr>
@@ -7793,7 +6417,7 @@
         <p:spPr>
           <a:xfrm>
             <a:off x="838080" y="365040"/>
-            <a:ext cx="10515240" cy="1325160"/>
+            <a:ext cx="10514880" cy="1324800"/>
           </a:xfrm>
           <a:prstGeom prst="rect">
             <a:avLst/>
@@ -7813,6 +6437,9 @@
                 <a:spcPct val="90000"/>
               </a:lnSpc>
               <a:buNone/>
+              <a:tabLst>
+                <a:tab algn="l" pos="0"/>
+              </a:tabLst>
             </a:pPr>
             <a:r>
               <a:rPr b="0" lang="en-US" sz="4400" spc="-1" strike="noStrike">
@@ -7825,16 +6452,16 @@
             </a:r>
             <a:endParaRPr b="0" lang="en-US" sz="4400" spc="-1" strike="noStrike">
               <a:solidFill>
-                <a:schemeClr val="dk1"/>
-              </a:solidFill>
-              <a:latin typeface="Calibri"/>
+                <a:srgbClr val="000000"/>
+              </a:solidFill>
+              <a:latin typeface="Arial"/>
             </a:endParaRPr>
           </a:p>
         </p:txBody>
       </p:sp>
       <p:sp>
         <p:nvSpPr>
-          <p:cNvPr id="75" name="PlaceHolder 2"/>
+          <p:cNvPr id="58" name="PlaceHolder 2"/>
           <p:cNvSpPr>
             <a:spLocks noGrp="1"/>
           </p:cNvSpPr>
@@ -7845,7 +6472,7 @@
         <p:spPr>
           <a:xfrm>
             <a:off x="838080" y="1825560"/>
-            <a:ext cx="10515240" cy="4350960"/>
+            <a:ext cx="10514880" cy="4350600"/>
           </a:xfrm>
           <a:prstGeom prst="rect">
             <a:avLst/>
@@ -7857,7 +6484,7 @@
         </p:spPr>
         <p:txBody>
           <a:bodyPr lIns="91440" rIns="91440" tIns="45720" bIns="45720" anchor="t">
-            <a:normAutofit fontScale="38919"/>
+            <a:normAutofit fontScale="38333"/>
           </a:bodyPr>
           <a:p>
             <a:pPr marL="228600" indent="-228600" defTabSz="914400">
@@ -7888,9 +6515,9 @@
             </a:r>
             <a:endParaRPr b="0" lang="en-US" sz="2800" spc="-1" strike="noStrike">
               <a:solidFill>
-                <a:schemeClr val="dk1"/>
-              </a:solidFill>
-              <a:latin typeface="Calibri"/>
+                <a:srgbClr val="000000"/>
+              </a:solidFill>
+              <a:latin typeface="Arial"/>
             </a:endParaRPr>
           </a:p>
           <a:p>
@@ -7923,9 +6550,9 @@
             </a:r>
             <a:endParaRPr b="0" lang="en-US" sz="2800" spc="-1" strike="noStrike">
               <a:solidFill>
-                <a:schemeClr val="dk1"/>
-              </a:solidFill>
-              <a:latin typeface="Calibri"/>
+                <a:srgbClr val="000000"/>
+              </a:solidFill>
+              <a:latin typeface="Arial"/>
             </a:endParaRPr>
           </a:p>
           <a:p>
@@ -7954,9 +6581,9 @@
             </a:r>
             <a:endParaRPr b="0" lang="en-US" sz="2800" spc="-1" strike="noStrike">
               <a:solidFill>
-                <a:schemeClr val="dk1"/>
-              </a:solidFill>
-              <a:latin typeface="Calibri"/>
+                <a:srgbClr val="000000"/>
+              </a:solidFill>
+              <a:latin typeface="Arial"/>
             </a:endParaRPr>
           </a:p>
           <a:p>
@@ -7981,13 +6608,13 @@
                 <a:latin typeface="Calibri"/>
                 <a:ea typeface="Calibri"/>
               </a:rPr>
-              <a:t>SwapNameAndAlias</a:t>
+              <a:t>Introduction: verwijder NL tekst</a:t>
             </a:r>
             <a:endParaRPr b="0" lang="en-US" sz="2400" spc="-1" strike="noStrike">
               <a:solidFill>
-                <a:schemeClr val="dk1"/>
-              </a:solidFill>
-              <a:latin typeface="Calibri"/>
+                <a:srgbClr val="000000"/>
+              </a:solidFill>
+              <a:latin typeface="Arial"/>
             </a:endParaRPr>
           </a:p>
           <a:p>
@@ -8012,13 +6639,13 @@
                 <a:latin typeface="Calibri"/>
                 <a:ea typeface="Calibri"/>
               </a:rPr>
-              <a:t>SwapDiagramNameAndNotes</a:t>
+              <a:t>Manually remove _Werkplaats &amp; _Templates </a:t>
             </a:r>
             <a:endParaRPr b="0" lang="en-US" sz="2400" spc="-1" strike="noStrike">
               <a:solidFill>
-                <a:schemeClr val="dk1"/>
-              </a:solidFill>
-              <a:latin typeface="Calibri"/>
+                <a:srgbClr val="000000"/>
+              </a:solidFill>
+              <a:latin typeface="Arial"/>
             </a:endParaRPr>
           </a:p>
           <a:p>
@@ -8043,13 +6670,13 @@
                 <a:latin typeface="Calibri"/>
                 <a:ea typeface="Calibri"/>
               </a:rPr>
-              <a:t>SelectEnglishNotes</a:t>
+              <a:t>SwapNameAndAlias</a:t>
             </a:r>
             <a:endParaRPr b="0" lang="en-US" sz="2400" spc="-1" strike="noStrike">
               <a:solidFill>
-                <a:schemeClr val="dk1"/>
-              </a:solidFill>
-              <a:latin typeface="Calibri"/>
+                <a:srgbClr val="000000"/>
+              </a:solidFill>
+              <a:latin typeface="Arial"/>
             </a:endParaRPr>
           </a:p>
           <a:p>
@@ -8074,13 +6701,13 @@
                 <a:latin typeface="Calibri"/>
                 <a:ea typeface="Calibri"/>
               </a:rPr>
-              <a:t>Introduction: verwijder NL tekst</a:t>
+              <a:t>SwapDiagramNameAndNotes</a:t>
             </a:r>
             <a:endParaRPr b="0" lang="en-US" sz="2400" spc="-1" strike="noStrike">
               <a:solidFill>
-                <a:schemeClr val="dk1"/>
-              </a:solidFill>
-              <a:latin typeface="Calibri"/>
+                <a:srgbClr val="000000"/>
+              </a:solidFill>
+              <a:latin typeface="Arial"/>
             </a:endParaRPr>
           </a:p>
           <a:p>
@@ -8105,13 +6732,13 @@
                 <a:latin typeface="Calibri"/>
                 <a:ea typeface="Calibri"/>
               </a:rPr>
-              <a:t>Manually remove _Werkplaats &amp; _Templates </a:t>
+              <a:t>SelectEnglishNotes</a:t>
             </a:r>
             <a:endParaRPr b="0" lang="en-US" sz="2400" spc="-1" strike="noStrike">
               <a:solidFill>
-                <a:schemeClr val="dk1"/>
-              </a:solidFill>
-              <a:latin typeface="Calibri"/>
+                <a:srgbClr val="000000"/>
+              </a:solidFill>
+              <a:latin typeface="Arial"/>
             </a:endParaRPr>
           </a:p>
           <a:p>
@@ -8140,9 +6767,9 @@
             </a:r>
             <a:endParaRPr b="0" lang="en-US" sz="2400" spc="-1" strike="noStrike">
               <a:solidFill>
-                <a:schemeClr val="dk1"/>
-              </a:solidFill>
-              <a:latin typeface="Calibri"/>
+                <a:srgbClr val="000000"/>
+              </a:solidFill>
+              <a:latin typeface="Arial"/>
             </a:endParaRPr>
           </a:p>
           <a:p>
@@ -8171,9 +6798,9 @@
             </a:r>
             <a:endParaRPr b="0" lang="en-US" sz="2800" spc="-1" strike="noStrike">
               <a:solidFill>
-                <a:schemeClr val="dk1"/>
-              </a:solidFill>
-              <a:latin typeface="Calibri"/>
+                <a:srgbClr val="000000"/>
+              </a:solidFill>
+              <a:latin typeface="Arial"/>
             </a:endParaRPr>
           </a:p>
           <a:p>
@@ -8198,13 +6825,13 @@
                 <a:latin typeface="Calibri"/>
                 <a:ea typeface="Calibri"/>
               </a:rPr>
-              <a:t>SelectDutchNotes</a:t>
+              <a:t>Introduction: verwijder EN tekst</a:t>
             </a:r>
             <a:endParaRPr b="0" lang="en-US" sz="2400" spc="-1" strike="noStrike">
               <a:solidFill>
-                <a:schemeClr val="dk1"/>
-              </a:solidFill>
-              <a:latin typeface="Calibri"/>
+                <a:srgbClr val="000000"/>
+              </a:solidFill>
+              <a:latin typeface="Arial"/>
             </a:endParaRPr>
           </a:p>
           <a:p>
@@ -8229,13 +6856,13 @@
                 <a:latin typeface="Calibri"/>
                 <a:ea typeface="Calibri"/>
               </a:rPr>
-              <a:t>Introduction: verwijder EN tekst</a:t>
+              <a:t>Manually remove _Werkplaats &amp; _Templates </a:t>
             </a:r>
             <a:endParaRPr b="0" lang="en-US" sz="2400" spc="-1" strike="noStrike">
               <a:solidFill>
-                <a:schemeClr val="dk1"/>
-              </a:solidFill>
-              <a:latin typeface="Calibri"/>
+                <a:srgbClr val="000000"/>
+              </a:solidFill>
+              <a:latin typeface="Arial"/>
             </a:endParaRPr>
           </a:p>
           <a:p>
@@ -8260,13 +6887,13 @@
                 <a:latin typeface="Calibri"/>
                 <a:ea typeface="Calibri"/>
               </a:rPr>
-              <a:t>Manually remove _Werkplaats &amp; _Templates </a:t>
+              <a:t>SelectDutchNotes</a:t>
             </a:r>
             <a:endParaRPr b="0" lang="en-US" sz="2400" spc="-1" strike="noStrike">
               <a:solidFill>
-                <a:schemeClr val="dk1"/>
-              </a:solidFill>
-              <a:latin typeface="Calibri"/>
+                <a:srgbClr val="000000"/>
+              </a:solidFill>
+              <a:latin typeface="Arial"/>
             </a:endParaRPr>
           </a:p>
           <a:p>
@@ -8295,9 +6922,9 @@
             </a:r>
             <a:endParaRPr b="0" lang="en-US" sz="2400" spc="-1" strike="noStrike">
               <a:solidFill>
-                <a:schemeClr val="dk1"/>
-              </a:solidFill>
-              <a:latin typeface="Calibri"/>
+                <a:srgbClr val="000000"/>
+              </a:solidFill>
+              <a:latin typeface="Arial"/>
             </a:endParaRPr>
           </a:p>
           <a:p>
@@ -8326,9 +6953,9 @@
             </a:r>
             <a:endParaRPr b="0" lang="en-US" sz="2800" spc="-1" strike="noStrike">
               <a:solidFill>
-                <a:schemeClr val="dk1"/>
-              </a:solidFill>
-              <a:latin typeface="Calibri"/>
+                <a:srgbClr val="000000"/>
+              </a:solidFill>
+              <a:latin typeface="Arial"/>
             </a:endParaRPr>
           </a:p>
           <a:p>
@@ -8357,9 +6984,9 @@
             </a:r>
             <a:endParaRPr b="0" lang="en-US" sz="2400" spc="-1" strike="noStrike">
               <a:solidFill>
-                <a:schemeClr val="dk1"/>
-              </a:solidFill>
-              <a:latin typeface="Calibri"/>
+                <a:srgbClr val="000000"/>
+              </a:solidFill>
+              <a:latin typeface="Arial"/>
             </a:endParaRPr>
           </a:p>
           <a:p>
@@ -8388,9 +7015,9 @@
             </a:r>
             <a:endParaRPr b="0" lang="en-US" sz="2400" spc="-1" strike="noStrike">
               <a:solidFill>
-                <a:schemeClr val="dk1"/>
-              </a:solidFill>
-              <a:latin typeface="Calibri"/>
+                <a:srgbClr val="000000"/>
+              </a:solidFill>
+              <a:latin typeface="Arial"/>
             </a:endParaRPr>
           </a:p>
           <a:p>
@@ -8419,9 +7046,9 @@
             </a:r>
             <a:endParaRPr b="0" lang="en-US" sz="2400" spc="-1" strike="noStrike">
               <a:solidFill>
-                <a:schemeClr val="dk1"/>
-              </a:solidFill>
-              <a:latin typeface="Calibri"/>
+                <a:srgbClr val="000000"/>
+              </a:solidFill>
+              <a:latin typeface="Arial"/>
             </a:endParaRPr>
           </a:p>
           <a:p>
@@ -8494,9 +7121,9 @@
             </a:r>
             <a:endParaRPr b="0" lang="en-US" sz="2000" spc="-1" strike="noStrike">
               <a:solidFill>
-                <a:schemeClr val="dk1"/>
-              </a:solidFill>
-              <a:latin typeface="Calibri"/>
+                <a:srgbClr val="000000"/>
+              </a:solidFill>
+              <a:latin typeface="Arial"/>
             </a:endParaRPr>
           </a:p>
           <a:p>
@@ -8569,9 +7196,9 @@
             </a:r>
             <a:endParaRPr b="0" lang="en-US" sz="2000" spc="-1" strike="noStrike">
               <a:solidFill>
-                <a:schemeClr val="dk1"/>
-              </a:solidFill>
-              <a:latin typeface="Calibri"/>
+                <a:srgbClr val="000000"/>
+              </a:solidFill>
+              <a:latin typeface="Arial"/>
             </a:endParaRPr>
           </a:p>
           <a:p>
@@ -8600,9 +7227,9 @@
             </a:r>
             <a:endParaRPr b="0" lang="en-US" sz="2400" spc="-1" strike="noStrike">
               <a:solidFill>
-                <a:schemeClr val="dk1"/>
-              </a:solidFill>
-              <a:latin typeface="Calibri"/>
+                <a:srgbClr val="000000"/>
+              </a:solidFill>
+              <a:latin typeface="Arial"/>
             </a:endParaRPr>
           </a:p>
           <a:p>
@@ -8614,12 +7241,15 @@
                 <a:spcPts val="1001"/>
               </a:spcBef>
               <a:buNone/>
+              <a:tabLst>
+                <a:tab algn="l" pos="0"/>
+              </a:tabLst>
             </a:pPr>
             <a:endParaRPr b="0" lang="en-US" sz="2800" spc="-1" strike="noStrike">
               <a:solidFill>
-                <a:schemeClr val="dk1"/>
-              </a:solidFill>
-              <a:latin typeface="Calibri"/>
+                <a:srgbClr val="000000"/>
+              </a:solidFill>
+              <a:latin typeface="Arial"/>
             </a:endParaRPr>
           </a:p>
         </p:txBody>
@@ -8656,7 +7286,7 @@
       </p:grpSpPr>
       <p:pic>
         <p:nvPicPr>
-          <p:cNvPr id="76" name="Picture 4" descr=""/>
+          <p:cNvPr id="59" name="Picture 4" descr=""/>
           <p:cNvPicPr/>
           <p:nvPr/>
         </p:nvPicPr>
@@ -8667,7 +7297,7 @@
         <p:spPr>
           <a:xfrm>
             <a:off x="948240" y="1052640"/>
-            <a:ext cx="10293480" cy="5774400"/>
+            <a:ext cx="10293120" cy="5774040"/>
           </a:xfrm>
           <a:prstGeom prst="rect">
             <a:avLst/>
@@ -8679,7 +7309,7 @@
       </p:pic>
       <p:sp>
         <p:nvSpPr>
-          <p:cNvPr id="77" name="PlaceHolder 1"/>
+          <p:cNvPr id="60" name="PlaceHolder 1"/>
           <p:cNvSpPr>
             <a:spLocks noGrp="1"/>
           </p:cNvSpPr>
@@ -8690,7 +7320,7 @@
         <p:spPr>
           <a:xfrm>
             <a:off x="380880" y="-5040"/>
-            <a:ext cx="10515240" cy="1325160"/>
+            <a:ext cx="10514880" cy="1324800"/>
           </a:xfrm>
           <a:prstGeom prst="rect">
             <a:avLst/>
@@ -8710,6 +7340,9 @@
                 <a:spcPct val="90000"/>
               </a:lnSpc>
               <a:buNone/>
+              <a:tabLst>
+                <a:tab algn="l" pos="0"/>
+              </a:tabLst>
             </a:pPr>
             <a:r>
               <a:rPr b="0" lang="en-US" sz="4400" spc="-1" strike="noStrike">
@@ -8722,23 +7355,23 @@
             </a:r>
             <a:endParaRPr b="0" lang="en-US" sz="4400" spc="-1" strike="noStrike">
               <a:solidFill>
-                <a:schemeClr val="dk1"/>
-              </a:solidFill>
-              <a:latin typeface="Calibri"/>
+                <a:srgbClr val="000000"/>
+              </a:solidFill>
+              <a:latin typeface="Arial"/>
             </a:endParaRPr>
           </a:p>
         </p:txBody>
       </p:sp>
       <p:sp>
         <p:nvSpPr>
-          <p:cNvPr id="78" name="TextBox 5"/>
+          <p:cNvPr id="61" name="TextBox 5"/>
           <p:cNvSpPr/>
           <p:nvPr/>
         </p:nvSpPr>
         <p:spPr>
           <a:xfrm>
             <a:off x="314280" y="4046760"/>
-            <a:ext cx="2742840" cy="1737000"/>
+            <a:ext cx="2742480" cy="1735560"/>
           </a:xfrm>
           <a:prstGeom prst="rect">
             <a:avLst/>
@@ -8755,7 +7388,7 @@
           <a:fontRef idx="minor"/>
         </p:style>
         <p:txBody>
-          <a:bodyPr numCol="1" spcCol="0" horzOverflow="overflow" anchor="t">
+          <a:bodyPr numCol="1" spcCol="0" horzOverflow="overflow" lIns="90000" rIns="90000" tIns="45000" bIns="45000" anchor="t">
             <a:spAutoFit/>
           </a:bodyPr>
           <a:p>
@@ -8842,7 +7475,7 @@
       </p:grpSpPr>
       <p:sp>
         <p:nvSpPr>
-          <p:cNvPr id="79" name="PlaceHolder 1"/>
+          <p:cNvPr id="62" name="PlaceHolder 1"/>
           <p:cNvSpPr>
             <a:spLocks noGrp="1"/>
           </p:cNvSpPr>
@@ -8853,7 +7486,7 @@
         <p:spPr>
           <a:xfrm>
             <a:off x="838080" y="-360"/>
-            <a:ext cx="10515240" cy="1325160"/>
+            <a:ext cx="10514880" cy="1324800"/>
           </a:xfrm>
           <a:prstGeom prst="rect">
             <a:avLst/>
@@ -8873,6 +7506,9 @@
                 <a:spcPct val="90000"/>
               </a:lnSpc>
               <a:buNone/>
+              <a:tabLst>
+                <a:tab algn="l" pos="0"/>
+              </a:tabLst>
             </a:pPr>
             <a:r>
               <a:rPr b="0" lang="en-US" sz="4400" spc="-1" strike="noStrike">
@@ -8886,16 +7522,16 @@
             </a:r>
             <a:endParaRPr b="0" lang="en-US" sz="4400" spc="-1" strike="noStrike">
               <a:solidFill>
-                <a:schemeClr val="dk1"/>
-              </a:solidFill>
-              <a:latin typeface="Calibri"/>
+                <a:srgbClr val="000000"/>
+              </a:solidFill>
+              <a:latin typeface="Arial"/>
             </a:endParaRPr>
           </a:p>
         </p:txBody>
       </p:sp>
       <p:pic>
         <p:nvPicPr>
-          <p:cNvPr id="80" name="Picture 3" descr="Graphical user interface&#10;&#10;Description automatically generated"/>
+          <p:cNvPr id="63" name="Picture 3" descr="Graphical user interface&#10;&#10;Description automatically generated"/>
           <p:cNvPicPr/>
           <p:nvPr/>
         </p:nvPicPr>
@@ -8906,7 +7542,7 @@
         <p:spPr>
           <a:xfrm>
             <a:off x="2166840" y="1342080"/>
-            <a:ext cx="9517320" cy="5352840"/>
+            <a:ext cx="9516960" cy="5352480"/>
           </a:xfrm>
           <a:prstGeom prst="rect">
             <a:avLst/>
@@ -8948,7 +7584,7 @@
       </p:grpSpPr>
       <p:sp>
         <p:nvSpPr>
-          <p:cNvPr id="81" name="PlaceHolder 1"/>
+          <p:cNvPr id="64" name="PlaceHolder 1"/>
           <p:cNvSpPr>
             <a:spLocks noGrp="1"/>
           </p:cNvSpPr>
@@ -8959,7 +7595,7 @@
         <p:spPr>
           <a:xfrm>
             <a:off x="838080" y="365040"/>
-            <a:ext cx="10515240" cy="1325160"/>
+            <a:ext cx="10514880" cy="1324800"/>
           </a:xfrm>
           <a:prstGeom prst="rect">
             <a:avLst/>
@@ -8979,6 +7615,9 @@
                 <a:spcPct val="90000"/>
               </a:lnSpc>
               <a:buNone/>
+              <a:tabLst>
+                <a:tab algn="l" pos="0"/>
+              </a:tabLst>
             </a:pPr>
             <a:r>
               <a:rPr b="0" lang="en-US" sz="4400" spc="-1" strike="noStrike">
@@ -8991,16 +7630,16 @@
             </a:r>
             <a:endParaRPr b="0" lang="en-US" sz="4400" spc="-1" strike="noStrike">
               <a:solidFill>
-                <a:schemeClr val="dk1"/>
-              </a:solidFill>
-              <a:latin typeface="Calibri"/>
+                <a:srgbClr val="000000"/>
+              </a:solidFill>
+              <a:latin typeface="Arial"/>
             </a:endParaRPr>
           </a:p>
         </p:txBody>
       </p:sp>
       <p:sp>
         <p:nvSpPr>
-          <p:cNvPr id="82" name="PlaceHolder 2"/>
+          <p:cNvPr id="65" name="PlaceHolder 2"/>
           <p:cNvSpPr>
             <a:spLocks noGrp="1"/>
           </p:cNvSpPr>
@@ -9011,7 +7650,7 @@
         <p:spPr>
           <a:xfrm>
             <a:off x="838080" y="1825560"/>
-            <a:ext cx="10515240" cy="4350960"/>
+            <a:ext cx="10514880" cy="4350600"/>
           </a:xfrm>
           <a:prstGeom prst="rect">
             <a:avLst/>
@@ -9051,9 +7690,9 @@
             </a:r>
             <a:endParaRPr b="0" lang="en-US" sz="2800" spc="-1" strike="noStrike">
               <a:solidFill>
-                <a:schemeClr val="dk1"/>
-              </a:solidFill>
-              <a:latin typeface="Calibri"/>
+                <a:srgbClr val="000000"/>
+              </a:solidFill>
+              <a:latin typeface="Arial"/>
             </a:endParaRPr>
           </a:p>
           <a:p>
@@ -9092,9 +7731,9 @@
             </a:r>
             <a:endParaRPr b="0" lang="en-US" sz="2800" spc="-1" strike="noStrike">
               <a:solidFill>
-                <a:schemeClr val="dk1"/>
-              </a:solidFill>
-              <a:latin typeface="Calibri"/>
+                <a:srgbClr val="000000"/>
+              </a:solidFill>
+              <a:latin typeface="Arial"/>
             </a:endParaRPr>
           </a:p>
           <a:p>
@@ -9123,9 +7762,9 @@
             </a:r>
             <a:endParaRPr b="0" lang="en-US" sz="2800" spc="-1" strike="noStrike">
               <a:solidFill>
-                <a:schemeClr val="dk1"/>
-              </a:solidFill>
-              <a:latin typeface="Calibri"/>
+                <a:srgbClr val="000000"/>
+              </a:solidFill>
+              <a:latin typeface="Arial"/>
             </a:endParaRPr>
           </a:p>
           <a:p>
@@ -9154,9 +7793,9 @@
             </a:r>
             <a:endParaRPr b="0" lang="en-US" sz="2800" spc="-1" strike="noStrike">
               <a:solidFill>
-                <a:schemeClr val="dk1"/>
-              </a:solidFill>
-              <a:latin typeface="Calibri"/>
+                <a:srgbClr val="000000"/>
+              </a:solidFill>
+              <a:latin typeface="Arial"/>
             </a:endParaRPr>
           </a:p>
           <a:p>
@@ -9185,9 +7824,9 @@
             </a:r>
             <a:endParaRPr b="0" lang="en-US" sz="2800" spc="-1" strike="noStrike">
               <a:solidFill>
-                <a:schemeClr val="dk1"/>
-              </a:solidFill>
-              <a:latin typeface="Calibri"/>
+                <a:srgbClr val="000000"/>
+              </a:solidFill>
+              <a:latin typeface="Arial"/>
             </a:endParaRPr>
           </a:p>
           <a:p>
@@ -9216,9 +7855,9 @@
             </a:r>
             <a:endParaRPr b="0" lang="en-US" sz="2800" spc="-1" strike="noStrike">
               <a:solidFill>
-                <a:schemeClr val="dk1"/>
-              </a:solidFill>
-              <a:latin typeface="Calibri"/>
+                <a:srgbClr val="000000"/>
+              </a:solidFill>
+              <a:latin typeface="Arial"/>
             </a:endParaRPr>
           </a:p>
           <a:p>
@@ -9247,16 +7886,16 @@
             </a:r>
             <a:endParaRPr b="0" lang="en-US" sz="2800" spc="-1" strike="noStrike">
               <a:solidFill>
-                <a:schemeClr val="dk1"/>
-              </a:solidFill>
-              <a:latin typeface="Calibri"/>
+                <a:srgbClr val="000000"/>
+              </a:solidFill>
+              <a:latin typeface="Arial"/>
             </a:endParaRPr>
           </a:p>
         </p:txBody>
       </p:sp>
       <p:pic>
         <p:nvPicPr>
-          <p:cNvPr id="83" name="" descr=""/>
+          <p:cNvPr id="66" name="" descr=""/>
           <p:cNvPicPr/>
           <p:nvPr/>
         </p:nvPicPr>
@@ -9267,7 +7906,7 @@
         <p:spPr>
           <a:xfrm>
             <a:off x="8223480" y="0"/>
-            <a:ext cx="3663720" cy="2417760"/>
+            <a:ext cx="3663360" cy="2417400"/>
           </a:xfrm>
           <a:prstGeom prst="rect">
             <a:avLst/>
@@ -9309,7 +7948,7 @@
       </p:grpSpPr>
       <p:sp>
         <p:nvSpPr>
-          <p:cNvPr id="84" name="PlaceHolder 1"/>
+          <p:cNvPr id="67" name="PlaceHolder 1"/>
           <p:cNvSpPr>
             <a:spLocks noGrp="1"/>
           </p:cNvSpPr>
@@ -9320,7 +7959,7 @@
         <p:spPr>
           <a:xfrm>
             <a:off x="785880" y="104040"/>
-            <a:ext cx="10515240" cy="1325160"/>
+            <a:ext cx="10514880" cy="1324800"/>
           </a:xfrm>
           <a:prstGeom prst="rect">
             <a:avLst/>
@@ -9340,6 +7979,9 @@
                 <a:spcPct val="90000"/>
               </a:lnSpc>
               <a:buNone/>
+              <a:tabLst>
+                <a:tab algn="l" pos="0"/>
+              </a:tabLst>
             </a:pPr>
             <a:r>
               <a:rPr b="0" lang="en-US" sz="4400" spc="-1" strike="noStrike">
@@ -9352,16 +7994,16 @@
             </a:r>
             <a:endParaRPr b="0" lang="en-US" sz="4400" spc="-1" strike="noStrike">
               <a:solidFill>
-                <a:schemeClr val="dk1"/>
-              </a:solidFill>
-              <a:latin typeface="Calibri"/>
+                <a:srgbClr val="000000"/>
+              </a:solidFill>
+              <a:latin typeface="Arial"/>
             </a:endParaRPr>
           </a:p>
         </p:txBody>
       </p:sp>
       <p:pic>
         <p:nvPicPr>
-          <p:cNvPr id="85" name="Picture 3" descr="A screenshot of a computer&#10;&#10;Description automatically generated"/>
+          <p:cNvPr id="68" name="Picture 3" descr="A screenshot of a computer&#10;&#10;Description automatically generated"/>
           <p:cNvPicPr/>
           <p:nvPr/>
         </p:nvPicPr>
@@ -9372,7 +8014,7 @@
         <p:spPr>
           <a:xfrm>
             <a:off x="341640" y="1477800"/>
-            <a:ext cx="9225000" cy="5154480"/>
+            <a:ext cx="9224640" cy="5154120"/>
           </a:xfrm>
           <a:prstGeom prst="rect">
             <a:avLst/>
@@ -9384,7 +8026,7 @@
       </p:pic>
       <p:pic>
         <p:nvPicPr>
-          <p:cNvPr id="86" name="Picture 4" descr="Graphical user interface, application&#10;&#10;Description automatically generated"/>
+          <p:cNvPr id="69" name="Picture 4" descr="Graphical user interface, application&#10;&#10;Description automatically generated"/>
           <p:cNvPicPr/>
           <p:nvPr/>
         </p:nvPicPr>
@@ -9395,7 +8037,7 @@
         <p:spPr>
           <a:xfrm>
             <a:off x="4818240" y="3135600"/>
-            <a:ext cx="2742840" cy="1818000"/>
+            <a:ext cx="2742480" cy="1817640"/>
           </a:xfrm>
           <a:prstGeom prst="rect">
             <a:avLst/>
